--- a/templates/DotnetConf2019_PresentationTemplate_Barcelona.pptx
+++ b/templates/DotnetConf2019_PresentationTemplate_Barcelona.pptx
@@ -5,15 +5,17 @@
     <p:sldMasterId id="2147483715" r:id="rId4"/>
   </p:sldMasterIdLst>
   <p:notesMasterIdLst>
-    <p:notesMasterId r:id="rId11"/>
+    <p:notesMasterId r:id="rId13"/>
   </p:notesMasterIdLst>
   <p:sldIdLst>
     <p:sldId id="256" r:id="rId5"/>
     <p:sldId id="257" r:id="rId6"/>
-    <p:sldId id="263" r:id="rId7"/>
-    <p:sldId id="260" r:id="rId8"/>
-    <p:sldId id="261" r:id="rId9"/>
-    <p:sldId id="262" r:id="rId10"/>
+    <p:sldId id="264" r:id="rId7"/>
+    <p:sldId id="263" r:id="rId8"/>
+    <p:sldId id="260" r:id="rId9"/>
+    <p:sldId id="261" r:id="rId10"/>
+    <p:sldId id="262" r:id="rId11"/>
+    <p:sldId id="265" r:id="rId12"/>
   </p:sldIdLst>
   <p:sldSz cx="12192000" cy="6858000"/>
   <p:notesSz cx="6858000" cy="9144000"/>
@@ -119,10 +121,12 @@
           <p14:sldIdLst>
             <p14:sldId id="256"/>
             <p14:sldId id="257"/>
+            <p14:sldId id="264"/>
             <p14:sldId id="263"/>
             <p14:sldId id="260"/>
             <p14:sldId id="261"/>
             <p14:sldId id="262"/>
+            <p14:sldId id="265"/>
           </p14:sldIdLst>
         </p14:section>
       </p14:sectionLst>
@@ -216,7 +220,7 @@
           <a:p>
             <a:fld id="{18438622-0837-4E9E-A16C-0B0206CE676E}" type="datetimeFigureOut">
               <a:rPr lang="en-US" smtClean="0"/>
-              <a:t>7/27/2019</a:t>
+              <a:t>10/18/2019</a:t>
             </a:fld>
             <a:endParaRPr lang="en-US"/>
           </a:p>
@@ -611,7 +615,7 @@
           <a:bodyPr/>
           <a:lstStyle/>
           <a:p>
-            <a:endParaRPr lang="en-US"/>
+            <a:endParaRPr lang="en-US" dirty="0"/>
           </a:p>
         </p:txBody>
       </p:sp>
@@ -716,7 +720,7 @@
           <a:p>
             <a:fld id="{E0AE778D-2A57-4226-B72B-26EA3CA60131}" type="slidenum">
               <a:rPr lang="en-US" smtClean="0"/>
-              <a:t>3</a:t>
+              <a:t>4</a:t>
             </a:fld>
             <a:endParaRPr lang="en-US"/>
           </a:p>
@@ -800,7 +804,7 @@
           <a:p>
             <a:fld id="{E0AE778D-2A57-4226-B72B-26EA3CA60131}" type="slidenum">
               <a:rPr lang="en-US" smtClean="0"/>
-              <a:t>4</a:t>
+              <a:t>5</a:t>
             </a:fld>
             <a:endParaRPr lang="en-US"/>
           </a:p>
@@ -884,7 +888,7 @@
           <a:p>
             <a:fld id="{E0AE778D-2A57-4226-B72B-26EA3CA60131}" type="slidenum">
               <a:rPr lang="en-US" smtClean="0"/>
-              <a:t>5</a:t>
+              <a:t>6</a:t>
             </a:fld>
             <a:endParaRPr lang="en-US"/>
           </a:p>
@@ -968,7 +972,7 @@
           <a:p>
             <a:fld id="{E0AE778D-2A57-4226-B72B-26EA3CA60131}" type="slidenum">
               <a:rPr lang="en-US" smtClean="0"/>
-              <a:t>6</a:t>
+              <a:t>7</a:t>
             </a:fld>
             <a:endParaRPr lang="en-US"/>
           </a:p>
@@ -978,6 +982,90 @@
     <p:extLst>
       <p:ext uri="{BB962C8B-B14F-4D97-AF65-F5344CB8AC3E}">
         <p14:creationId xmlns:p14="http://schemas.microsoft.com/office/powerpoint/2010/main" val="2779868397"/>
+      </p:ext>
+    </p:extLst>
+  </p:cSld>
+  <p:clrMapOvr>
+    <a:masterClrMapping/>
+  </p:clrMapOvr>
+</p:notes>
+</file>
+
+<file path=ppt/notesSlides/notesSlide7.xml><?xml version="1.0" encoding="utf-8"?>
+<p:notes xmlns:a="http://schemas.openxmlformats.org/drawingml/2006/main" xmlns:r="http://schemas.openxmlformats.org/officeDocument/2006/relationships" xmlns:p="http://schemas.openxmlformats.org/presentationml/2006/main">
+  <p:cSld>
+    <p:spTree>
+      <p:nvGrpSpPr>
+        <p:cNvPr id="1" name=""/>
+        <p:cNvGrpSpPr/>
+        <p:nvPr/>
+      </p:nvGrpSpPr>
+      <p:grpSpPr>
+        <a:xfrm>
+          <a:off x="0" y="0"/>
+          <a:ext cx="0" cy="0"/>
+          <a:chOff x="0" y="0"/>
+          <a:chExt cx="0" cy="0"/>
+        </a:xfrm>
+      </p:grpSpPr>
+      <p:sp>
+        <p:nvSpPr>
+          <p:cNvPr id="2" name="Slide Image Placeholder 1"/>
+          <p:cNvSpPr>
+            <a:spLocks noGrp="1" noRot="1" noChangeAspect="1"/>
+          </p:cNvSpPr>
+          <p:nvPr>
+            <p:ph type="sldImg"/>
+          </p:nvPr>
+        </p:nvSpPr>
+        <p:spPr/>
+      </p:sp>
+      <p:sp>
+        <p:nvSpPr>
+          <p:cNvPr id="3" name="Notes Placeholder 2"/>
+          <p:cNvSpPr>
+            <a:spLocks noGrp="1"/>
+          </p:cNvSpPr>
+          <p:nvPr>
+            <p:ph type="body" idx="1"/>
+          </p:nvPr>
+        </p:nvSpPr>
+        <p:spPr/>
+        <p:txBody>
+          <a:bodyPr/>
+          <a:lstStyle/>
+          <a:p>
+            <a:endParaRPr lang="en-US" dirty="0"/>
+          </a:p>
+        </p:txBody>
+      </p:sp>
+      <p:sp>
+        <p:nvSpPr>
+          <p:cNvPr id="4" name="Slide Number Placeholder 3"/>
+          <p:cNvSpPr>
+            <a:spLocks noGrp="1"/>
+          </p:cNvSpPr>
+          <p:nvPr>
+            <p:ph type="sldNum" sz="quarter" idx="10"/>
+          </p:nvPr>
+        </p:nvSpPr>
+        <p:spPr/>
+        <p:txBody>
+          <a:bodyPr/>
+          <a:lstStyle/>
+          <a:p>
+            <a:fld id="{E0AE778D-2A57-4226-B72B-26EA3CA60131}" type="slidenum">
+              <a:rPr lang="en-US" smtClean="0"/>
+              <a:t>8</a:t>
+            </a:fld>
+            <a:endParaRPr lang="en-US"/>
+          </a:p>
+        </p:txBody>
+      </p:sp>
+    </p:spTree>
+    <p:extLst>
+      <p:ext uri="{BB962C8B-B14F-4D97-AF65-F5344CB8AC3E}">
+        <p14:creationId xmlns:p14="http://schemas.microsoft.com/office/powerpoint/2010/main" val="3653729508"/>
       </p:ext>
     </p:extLst>
   </p:cSld>
@@ -5886,6 +5974,407 @@
 <file path=ppt/slides/slide2.xml><?xml version="1.0" encoding="utf-8"?>
 <p:sld xmlns:a="http://schemas.openxmlformats.org/drawingml/2006/main" xmlns:r="http://schemas.openxmlformats.org/officeDocument/2006/relationships" xmlns:p="http://schemas.openxmlformats.org/presentationml/2006/main">
   <p:cSld>
+    <p:bg>
+      <p:bgPr>
+        <a:solidFill>
+          <a:schemeClr val="bg1"/>
+        </a:solidFill>
+        <a:effectLst/>
+      </p:bgPr>
+    </p:bg>
+    <p:spTree>
+      <p:nvGrpSpPr>
+        <p:cNvPr id="1" name=""/>
+        <p:cNvGrpSpPr/>
+        <p:nvPr/>
+      </p:nvGrpSpPr>
+      <p:grpSpPr>
+        <a:xfrm>
+          <a:off x="0" y="0"/>
+          <a:ext cx="0" cy="0"/>
+          <a:chOff x="0" y="0"/>
+          <a:chExt cx="0" cy="0"/>
+        </a:xfrm>
+      </p:grpSpPr>
+      <p:pic>
+        <p:nvPicPr>
+          <p:cNvPr id="7" name="Picture 6">
+            <a:extLst>
+              <a:ext uri="{FF2B5EF4-FFF2-40B4-BE49-F238E27FC236}">
+                <a16:creationId xmlns:a16="http://schemas.microsoft.com/office/drawing/2014/main" id="{C01A1980-5616-485A-9CE1-AD16A06953DF}"/>
+              </a:ext>
+            </a:extLst>
+          </p:cNvPr>
+          <p:cNvPicPr>
+            <a:picLocks noChangeAspect="1"/>
+          </p:cNvPicPr>
+          <p:nvPr/>
+        </p:nvPicPr>
+        <p:blipFill>
+          <a:blip r:embed="rId3">
+            <a:extLst>
+              <a:ext uri="{28A0092B-C50C-407E-A947-70E740481C1C}">
+                <a14:useLocalDpi xmlns:a14="http://schemas.microsoft.com/office/drawing/2010/main" val="0"/>
+              </a:ext>
+            </a:extLst>
+          </a:blip>
+          <a:stretch>
+            <a:fillRect/>
+          </a:stretch>
+        </p:blipFill>
+        <p:spPr>
+          <a:xfrm>
+            <a:off x="510153" y="374201"/>
+            <a:ext cx="3240000" cy="1334475"/>
+          </a:xfrm>
+          <a:prstGeom prst="rect">
+            <a:avLst/>
+          </a:prstGeom>
+        </p:spPr>
+      </p:pic>
+      <p:pic>
+        <p:nvPicPr>
+          <p:cNvPr id="9" name="Picture 8">
+            <a:extLst>
+              <a:ext uri="{FF2B5EF4-FFF2-40B4-BE49-F238E27FC236}">
+                <a16:creationId xmlns:a16="http://schemas.microsoft.com/office/drawing/2014/main" id="{0385F8FD-3F09-4034-AFC7-E5F2F9E1D8C0}"/>
+              </a:ext>
+            </a:extLst>
+          </p:cNvPr>
+          <p:cNvPicPr>
+            <a:picLocks noChangeAspect="1"/>
+          </p:cNvPicPr>
+          <p:nvPr/>
+        </p:nvPicPr>
+        <p:blipFill>
+          <a:blip r:embed="rId4">
+            <a:extLst>
+              <a:ext uri="{28A0092B-C50C-407E-A947-70E740481C1C}">
+                <a14:useLocalDpi xmlns:a14="http://schemas.microsoft.com/office/drawing/2010/main" val="0"/>
+              </a:ext>
+            </a:extLst>
+          </a:blip>
+          <a:stretch>
+            <a:fillRect/>
+          </a:stretch>
+        </p:blipFill>
+        <p:spPr>
+          <a:xfrm>
+            <a:off x="4545809" y="501690"/>
+            <a:ext cx="3240000" cy="1073737"/>
+          </a:xfrm>
+          <a:prstGeom prst="rect">
+            <a:avLst/>
+          </a:prstGeom>
+        </p:spPr>
+      </p:pic>
+      <p:pic>
+        <p:nvPicPr>
+          <p:cNvPr id="11" name="Picture 10">
+            <a:extLst>
+              <a:ext uri="{FF2B5EF4-FFF2-40B4-BE49-F238E27FC236}">
+                <a16:creationId xmlns:a16="http://schemas.microsoft.com/office/drawing/2014/main" id="{832417A3-33E2-4F49-A89D-9A37E1FD9A93}"/>
+              </a:ext>
+            </a:extLst>
+          </p:cNvPr>
+          <p:cNvPicPr>
+            <a:picLocks noChangeAspect="1"/>
+          </p:cNvPicPr>
+          <p:nvPr/>
+        </p:nvPicPr>
+        <p:blipFill>
+          <a:blip r:embed="rId5">
+            <a:extLst>
+              <a:ext uri="{28A0092B-C50C-407E-A947-70E740481C1C}">
+                <a14:useLocalDpi xmlns:a14="http://schemas.microsoft.com/office/drawing/2010/main" val="0"/>
+              </a:ext>
+            </a:extLst>
+          </a:blip>
+          <a:stretch>
+            <a:fillRect/>
+          </a:stretch>
+        </p:blipFill>
+        <p:spPr>
+          <a:xfrm>
+            <a:off x="5514913" y="5170988"/>
+            <a:ext cx="1440000" cy="1440000"/>
+          </a:xfrm>
+          <a:prstGeom prst="rect">
+            <a:avLst/>
+          </a:prstGeom>
+        </p:spPr>
+      </p:pic>
+      <p:pic>
+        <p:nvPicPr>
+          <p:cNvPr id="13" name="Picture 12">
+            <a:extLst>
+              <a:ext uri="{FF2B5EF4-FFF2-40B4-BE49-F238E27FC236}">
+                <a16:creationId xmlns:a16="http://schemas.microsoft.com/office/drawing/2014/main" id="{27DC3314-0AC3-4AFE-A4FA-4E02A6ABEC77}"/>
+              </a:ext>
+            </a:extLst>
+          </p:cNvPr>
+          <p:cNvPicPr>
+            <a:picLocks noChangeAspect="1"/>
+          </p:cNvPicPr>
+          <p:nvPr/>
+        </p:nvPicPr>
+        <p:blipFill>
+          <a:blip r:embed="rId6">
+            <a:extLst>
+              <a:ext uri="{28A0092B-C50C-407E-A947-70E740481C1C}">
+                <a14:useLocalDpi xmlns:a14="http://schemas.microsoft.com/office/drawing/2010/main" val="0"/>
+              </a:ext>
+            </a:extLst>
+          </a:blip>
+          <a:stretch>
+            <a:fillRect/>
+          </a:stretch>
+        </p:blipFill>
+        <p:spPr>
+          <a:xfrm>
+            <a:off x="8566958" y="811782"/>
+            <a:ext cx="3240000" cy="453552"/>
+          </a:xfrm>
+          <a:prstGeom prst="rect">
+            <a:avLst/>
+          </a:prstGeom>
+        </p:spPr>
+      </p:pic>
+      <p:pic>
+        <p:nvPicPr>
+          <p:cNvPr id="15" name="Picture 14">
+            <a:extLst>
+              <a:ext uri="{FF2B5EF4-FFF2-40B4-BE49-F238E27FC236}">
+                <a16:creationId xmlns:a16="http://schemas.microsoft.com/office/drawing/2014/main" id="{122CE1AE-08EE-48CA-BB7C-4FA246BEEC7D}"/>
+              </a:ext>
+            </a:extLst>
+          </p:cNvPr>
+          <p:cNvPicPr>
+            <a:picLocks noChangeAspect="1"/>
+          </p:cNvPicPr>
+          <p:nvPr/>
+        </p:nvPicPr>
+        <p:blipFill>
+          <a:blip r:embed="rId7">
+            <a:extLst>
+              <a:ext uri="{28A0092B-C50C-407E-A947-70E740481C1C}">
+                <a14:useLocalDpi xmlns:a14="http://schemas.microsoft.com/office/drawing/2010/main" val="0"/>
+              </a:ext>
+            </a:extLst>
+          </a:blip>
+          <a:stretch>
+            <a:fillRect/>
+          </a:stretch>
+        </p:blipFill>
+        <p:spPr>
+          <a:xfrm>
+            <a:off x="559670" y="1138678"/>
+            <a:ext cx="3240000" cy="3240000"/>
+          </a:xfrm>
+          <a:prstGeom prst="rect">
+            <a:avLst/>
+          </a:prstGeom>
+        </p:spPr>
+      </p:pic>
+      <p:pic>
+        <p:nvPicPr>
+          <p:cNvPr id="17" name="Picture 16">
+            <a:extLst>
+              <a:ext uri="{FF2B5EF4-FFF2-40B4-BE49-F238E27FC236}">
+                <a16:creationId xmlns:a16="http://schemas.microsoft.com/office/drawing/2014/main" id="{87BF65CF-3EE3-43E9-8229-9054EF38DCCB}"/>
+              </a:ext>
+            </a:extLst>
+          </p:cNvPr>
+          <p:cNvPicPr>
+            <a:picLocks noChangeAspect="1"/>
+          </p:cNvPicPr>
+          <p:nvPr/>
+        </p:nvPicPr>
+        <p:blipFill>
+          <a:blip r:embed="rId8">
+            <a:extLst>
+              <a:ext uri="{28A0092B-C50C-407E-A947-70E740481C1C}">
+                <a14:useLocalDpi xmlns:a14="http://schemas.microsoft.com/office/drawing/2010/main" val="0"/>
+              </a:ext>
+            </a:extLst>
+          </a:blip>
+          <a:stretch>
+            <a:fillRect/>
+          </a:stretch>
+        </p:blipFill>
+        <p:spPr>
+          <a:xfrm>
+            <a:off x="8482432" y="2258663"/>
+            <a:ext cx="3240000" cy="1343954"/>
+          </a:xfrm>
+          <a:prstGeom prst="rect">
+            <a:avLst/>
+          </a:prstGeom>
+        </p:spPr>
+      </p:pic>
+      <p:pic>
+        <p:nvPicPr>
+          <p:cNvPr id="19" name="Picture 18">
+            <a:extLst>
+              <a:ext uri="{FF2B5EF4-FFF2-40B4-BE49-F238E27FC236}">
+                <a16:creationId xmlns:a16="http://schemas.microsoft.com/office/drawing/2014/main" id="{820A6C4E-919C-4CCE-905C-6DC982DC34A8}"/>
+              </a:ext>
+            </a:extLst>
+          </p:cNvPr>
+          <p:cNvPicPr>
+            <a:picLocks noChangeAspect="1"/>
+          </p:cNvPicPr>
+          <p:nvPr/>
+        </p:nvPicPr>
+        <p:blipFill>
+          <a:blip r:embed="rId9">
+            <a:extLst>
+              <a:ext uri="{28A0092B-C50C-407E-A947-70E740481C1C}">
+                <a14:useLocalDpi xmlns:a14="http://schemas.microsoft.com/office/drawing/2010/main" val="0"/>
+              </a:ext>
+            </a:extLst>
+          </a:blip>
+          <a:stretch>
+            <a:fillRect/>
+          </a:stretch>
+        </p:blipFill>
+        <p:spPr>
+          <a:xfrm>
+            <a:off x="5424913" y="2052600"/>
+            <a:ext cx="1620000" cy="1756080"/>
+          </a:xfrm>
+          <a:prstGeom prst="rect">
+            <a:avLst/>
+          </a:prstGeom>
+        </p:spPr>
+      </p:pic>
+      <p:pic>
+        <p:nvPicPr>
+          <p:cNvPr id="23" name="Picture 22">
+            <a:extLst>
+              <a:ext uri="{FF2B5EF4-FFF2-40B4-BE49-F238E27FC236}">
+                <a16:creationId xmlns:a16="http://schemas.microsoft.com/office/drawing/2014/main" id="{185872FD-4E19-4CDD-AAF9-4592E3E50B2F}"/>
+              </a:ext>
+            </a:extLst>
+          </p:cNvPr>
+          <p:cNvPicPr>
+            <a:picLocks noChangeAspect="1"/>
+          </p:cNvPicPr>
+          <p:nvPr/>
+        </p:nvPicPr>
+        <p:blipFill>
+          <a:blip r:embed="rId10">
+            <a:extLst>
+              <a:ext uri="{28A0092B-C50C-407E-A947-70E740481C1C}">
+                <a14:useLocalDpi xmlns:a14="http://schemas.microsoft.com/office/drawing/2010/main" val="0"/>
+              </a:ext>
+            </a:extLst>
+          </a:blip>
+          <a:stretch>
+            <a:fillRect/>
+          </a:stretch>
+        </p:blipFill>
+        <p:spPr>
+          <a:xfrm>
+            <a:off x="4614913" y="4009957"/>
+            <a:ext cx="3240000" cy="1159110"/>
+          </a:xfrm>
+          <a:prstGeom prst="rect">
+            <a:avLst/>
+          </a:prstGeom>
+        </p:spPr>
+      </p:pic>
+      <p:pic>
+        <p:nvPicPr>
+          <p:cNvPr id="27" name="Picture 26">
+            <a:extLst>
+              <a:ext uri="{FF2B5EF4-FFF2-40B4-BE49-F238E27FC236}">
+                <a16:creationId xmlns:a16="http://schemas.microsoft.com/office/drawing/2014/main" id="{0F3190B1-6274-47EB-8330-2BFA7F35AAA5}"/>
+              </a:ext>
+            </a:extLst>
+          </p:cNvPr>
+          <p:cNvPicPr>
+            <a:picLocks noChangeAspect="1"/>
+          </p:cNvPicPr>
+          <p:nvPr/>
+        </p:nvPicPr>
+        <p:blipFill>
+          <a:blip r:embed="rId11">
+            <a:extLst>
+              <a:ext uri="{28A0092B-C50C-407E-A947-70E740481C1C}">
+                <a14:useLocalDpi xmlns:a14="http://schemas.microsoft.com/office/drawing/2010/main" val="0"/>
+              </a:ext>
+            </a:extLst>
+          </a:blip>
+          <a:stretch>
+            <a:fillRect/>
+          </a:stretch>
+        </p:blipFill>
+        <p:spPr>
+          <a:xfrm>
+            <a:off x="379670" y="4118812"/>
+            <a:ext cx="3600000" cy="941400"/>
+          </a:xfrm>
+          <a:prstGeom prst="rect">
+            <a:avLst/>
+          </a:prstGeom>
+        </p:spPr>
+      </p:pic>
+      <p:pic>
+        <p:nvPicPr>
+          <p:cNvPr id="31" name="Picture 30">
+            <a:extLst>
+              <a:ext uri="{FF2B5EF4-FFF2-40B4-BE49-F238E27FC236}">
+                <a16:creationId xmlns:a16="http://schemas.microsoft.com/office/drawing/2014/main" id="{031F0B12-5541-4374-9BBC-29D2BCC814D8}"/>
+              </a:ext>
+            </a:extLst>
+          </p:cNvPr>
+          <p:cNvPicPr>
+            <a:picLocks noChangeAspect="1"/>
+          </p:cNvPicPr>
+          <p:nvPr/>
+        </p:nvPicPr>
+        <p:blipFill>
+          <a:blip r:embed="rId12">
+            <a:extLst>
+              <a:ext uri="{28A0092B-C50C-407E-A947-70E740481C1C}">
+                <a14:useLocalDpi xmlns:a14="http://schemas.microsoft.com/office/drawing/2010/main" val="0"/>
+              </a:ext>
+            </a:extLst>
+          </a:blip>
+          <a:stretch>
+            <a:fillRect/>
+          </a:stretch>
+        </p:blipFill>
+        <p:spPr>
+          <a:xfrm>
+            <a:off x="8482432" y="4282734"/>
+            <a:ext cx="3240000" cy="613555"/>
+          </a:xfrm>
+          <a:prstGeom prst="rect">
+            <a:avLst/>
+          </a:prstGeom>
+        </p:spPr>
+      </p:pic>
+    </p:spTree>
+    <p:extLst>
+      <p:ext uri="{BB962C8B-B14F-4D97-AF65-F5344CB8AC3E}">
+        <p14:creationId xmlns:p14="http://schemas.microsoft.com/office/powerpoint/2010/main" val="477504486"/>
+      </p:ext>
+    </p:extLst>
+  </p:cSld>
+  <p:clrMapOvr>
+    <a:masterClrMapping/>
+  </p:clrMapOvr>
+  <p:transition>
+    <p:fade/>
+  </p:transition>
+</p:sld>
+</file>
+
+<file path=ppt/slides/slide3.xml><?xml version="1.0" encoding="utf-8"?>
+<p:sld xmlns:a="http://schemas.openxmlformats.org/drawingml/2006/main" xmlns:r="http://schemas.openxmlformats.org/officeDocument/2006/relationships" xmlns:p="http://schemas.openxmlformats.org/presentationml/2006/main">
+  <p:cSld>
     <p:spTree>
       <p:nvGrpSpPr>
         <p:cNvPr id="1" name=""/>
@@ -5905,7 +6394,7 @@
           <p:cNvPr id="2" name="Title 1">
             <a:extLst>
               <a:ext uri="{FF2B5EF4-FFF2-40B4-BE49-F238E27FC236}">
-                <a16:creationId xmlns:a16="http://schemas.microsoft.com/office/drawing/2014/main" id="{839C7298-752B-48BD-843F-683A22D59A7E}"/>
+                <a16:creationId xmlns:a16="http://schemas.microsoft.com/office/drawing/2014/main" id="{D9B06533-B68A-443A-B21A-53F8CA2E4819}"/>
               </a:ext>
             </a:extLst>
           </p:cNvPr>
@@ -5921,10 +6410,7 @@
           <a:bodyPr/>
           <a:lstStyle/>
           <a:p>
-            <a:r>
-              <a:rPr lang="en-US" dirty="0"/>
-              <a:t>Title</a:t>
-            </a:r>
+            <a:endParaRPr lang="en-GB"/>
           </a:p>
         </p:txBody>
       </p:sp>
@@ -5933,7 +6419,7 @@
           <p:cNvPr id="3" name="Text Placeholder 2">
             <a:extLst>
               <a:ext uri="{FF2B5EF4-FFF2-40B4-BE49-F238E27FC236}">
-                <a16:creationId xmlns:a16="http://schemas.microsoft.com/office/drawing/2014/main" id="{2BA8E374-5793-40F2-A7B7-2D8AB053A278}"/>
+                <a16:creationId xmlns:a16="http://schemas.microsoft.com/office/drawing/2014/main" id="{057EF06E-53B0-4CD3-B5BD-0197C8E3079D}"/>
               </a:ext>
             </a:extLst>
           </p:cNvPr>
@@ -5949,14 +6435,14 @@
           <a:bodyPr/>
           <a:lstStyle/>
           <a:p>
-            <a:endParaRPr lang="en-US" dirty="0"/>
+            <a:endParaRPr lang="en-GB"/>
           </a:p>
         </p:txBody>
       </p:sp>
     </p:spTree>
     <p:extLst>
       <p:ext uri="{BB962C8B-B14F-4D97-AF65-F5344CB8AC3E}">
-        <p14:creationId xmlns:p14="http://schemas.microsoft.com/office/powerpoint/2010/main" val="477504486"/>
+        <p14:creationId xmlns:p14="http://schemas.microsoft.com/office/powerpoint/2010/main" val="3954187506"/>
       </p:ext>
     </p:extLst>
   </p:cSld>
@@ -5978,7 +6464,7 @@
 </p:sld>
 </file>
 
-<file path=ppt/slides/slide3.xml><?xml version="1.0" encoding="utf-8"?>
+<file path=ppt/slides/slide4.xml><?xml version="1.0" encoding="utf-8"?>
 <p:sld xmlns:a="http://schemas.openxmlformats.org/drawingml/2006/main" xmlns:r="http://schemas.openxmlformats.org/officeDocument/2006/relationships" xmlns:p="http://schemas.openxmlformats.org/presentationml/2006/main">
   <p:cSld>
     <p:spTree>
@@ -6061,7 +6547,7 @@
 </p:sld>
 </file>
 
-<file path=ppt/slides/slide4.xml><?xml version="1.0" encoding="utf-8"?>
+<file path=ppt/slides/slide5.xml><?xml version="1.0" encoding="utf-8"?>
 <p:sld xmlns:a="http://schemas.openxmlformats.org/drawingml/2006/main" xmlns:r="http://schemas.openxmlformats.org/officeDocument/2006/relationships" xmlns:p="http://schemas.openxmlformats.org/presentationml/2006/main">
   <p:cSld>
     <p:spTree>
@@ -6119,7 +6605,7 @@
 </p:sld>
 </file>
 
-<file path=ppt/slides/slide5.xml><?xml version="1.0" encoding="utf-8"?>
+<file path=ppt/slides/slide6.xml><?xml version="1.0" encoding="utf-8"?>
 <p:sld xmlns:a="http://schemas.openxmlformats.org/drawingml/2006/main" xmlns:r="http://schemas.openxmlformats.org/officeDocument/2006/relationships" xmlns:p="http://schemas.openxmlformats.org/presentationml/2006/main">
   <p:cSld>
     <p:spTree>
@@ -6189,7 +6675,7 @@
 </p:sld>
 </file>
 
-<file path=ppt/slides/slide6.xml><?xml version="1.0" encoding="utf-8"?>
+<file path=ppt/slides/slide7.xml><?xml version="1.0" encoding="utf-8"?>
 <p:sld xmlns:a="http://schemas.openxmlformats.org/drawingml/2006/main" xmlns:r="http://schemas.openxmlformats.org/officeDocument/2006/relationships" xmlns:p="http://schemas.openxmlformats.org/presentationml/2006/main">
   <p:cSld>
     <p:spTree>
@@ -6238,6 +6724,407 @@
     <p:extLst>
       <p:ext uri="{BB962C8B-B14F-4D97-AF65-F5344CB8AC3E}">
         <p14:creationId xmlns:p14="http://schemas.microsoft.com/office/powerpoint/2010/main" val="1725036062"/>
+      </p:ext>
+    </p:extLst>
+  </p:cSld>
+  <p:clrMapOvr>
+    <a:masterClrMapping/>
+  </p:clrMapOvr>
+  <p:transition>
+    <p:fade/>
+  </p:transition>
+</p:sld>
+</file>
+
+<file path=ppt/slides/slide8.xml><?xml version="1.0" encoding="utf-8"?>
+<p:sld xmlns:a="http://schemas.openxmlformats.org/drawingml/2006/main" xmlns:r="http://schemas.openxmlformats.org/officeDocument/2006/relationships" xmlns:p="http://schemas.openxmlformats.org/presentationml/2006/main">
+  <p:cSld>
+    <p:bg>
+      <p:bgPr>
+        <a:solidFill>
+          <a:schemeClr val="bg1"/>
+        </a:solidFill>
+        <a:effectLst/>
+      </p:bgPr>
+    </p:bg>
+    <p:spTree>
+      <p:nvGrpSpPr>
+        <p:cNvPr id="1" name=""/>
+        <p:cNvGrpSpPr/>
+        <p:nvPr/>
+      </p:nvGrpSpPr>
+      <p:grpSpPr>
+        <a:xfrm>
+          <a:off x="0" y="0"/>
+          <a:ext cx="0" cy="0"/>
+          <a:chOff x="0" y="0"/>
+          <a:chExt cx="0" cy="0"/>
+        </a:xfrm>
+      </p:grpSpPr>
+      <p:pic>
+        <p:nvPicPr>
+          <p:cNvPr id="7" name="Picture 6">
+            <a:extLst>
+              <a:ext uri="{FF2B5EF4-FFF2-40B4-BE49-F238E27FC236}">
+                <a16:creationId xmlns:a16="http://schemas.microsoft.com/office/drawing/2014/main" id="{C01A1980-5616-485A-9CE1-AD16A06953DF}"/>
+              </a:ext>
+            </a:extLst>
+          </p:cNvPr>
+          <p:cNvPicPr>
+            <a:picLocks noChangeAspect="1"/>
+          </p:cNvPicPr>
+          <p:nvPr/>
+        </p:nvPicPr>
+        <p:blipFill>
+          <a:blip r:embed="rId3">
+            <a:extLst>
+              <a:ext uri="{28A0092B-C50C-407E-A947-70E740481C1C}">
+                <a14:useLocalDpi xmlns:a14="http://schemas.microsoft.com/office/drawing/2010/main" val="0"/>
+              </a:ext>
+            </a:extLst>
+          </a:blip>
+          <a:stretch>
+            <a:fillRect/>
+          </a:stretch>
+        </p:blipFill>
+        <p:spPr>
+          <a:xfrm>
+            <a:off x="510153" y="374201"/>
+            <a:ext cx="3240000" cy="1334475"/>
+          </a:xfrm>
+          <a:prstGeom prst="rect">
+            <a:avLst/>
+          </a:prstGeom>
+        </p:spPr>
+      </p:pic>
+      <p:pic>
+        <p:nvPicPr>
+          <p:cNvPr id="9" name="Picture 8">
+            <a:extLst>
+              <a:ext uri="{FF2B5EF4-FFF2-40B4-BE49-F238E27FC236}">
+                <a16:creationId xmlns:a16="http://schemas.microsoft.com/office/drawing/2014/main" id="{0385F8FD-3F09-4034-AFC7-E5F2F9E1D8C0}"/>
+              </a:ext>
+            </a:extLst>
+          </p:cNvPr>
+          <p:cNvPicPr>
+            <a:picLocks noChangeAspect="1"/>
+          </p:cNvPicPr>
+          <p:nvPr/>
+        </p:nvPicPr>
+        <p:blipFill>
+          <a:blip r:embed="rId4">
+            <a:extLst>
+              <a:ext uri="{28A0092B-C50C-407E-A947-70E740481C1C}">
+                <a14:useLocalDpi xmlns:a14="http://schemas.microsoft.com/office/drawing/2010/main" val="0"/>
+              </a:ext>
+            </a:extLst>
+          </a:blip>
+          <a:stretch>
+            <a:fillRect/>
+          </a:stretch>
+        </p:blipFill>
+        <p:spPr>
+          <a:xfrm>
+            <a:off x="4545809" y="501690"/>
+            <a:ext cx="3240000" cy="1073737"/>
+          </a:xfrm>
+          <a:prstGeom prst="rect">
+            <a:avLst/>
+          </a:prstGeom>
+        </p:spPr>
+      </p:pic>
+      <p:pic>
+        <p:nvPicPr>
+          <p:cNvPr id="11" name="Picture 10">
+            <a:extLst>
+              <a:ext uri="{FF2B5EF4-FFF2-40B4-BE49-F238E27FC236}">
+                <a16:creationId xmlns:a16="http://schemas.microsoft.com/office/drawing/2014/main" id="{832417A3-33E2-4F49-A89D-9A37E1FD9A93}"/>
+              </a:ext>
+            </a:extLst>
+          </p:cNvPr>
+          <p:cNvPicPr>
+            <a:picLocks noChangeAspect="1"/>
+          </p:cNvPicPr>
+          <p:nvPr/>
+        </p:nvPicPr>
+        <p:blipFill>
+          <a:blip r:embed="rId5">
+            <a:extLst>
+              <a:ext uri="{28A0092B-C50C-407E-A947-70E740481C1C}">
+                <a14:useLocalDpi xmlns:a14="http://schemas.microsoft.com/office/drawing/2010/main" val="0"/>
+              </a:ext>
+            </a:extLst>
+          </a:blip>
+          <a:stretch>
+            <a:fillRect/>
+          </a:stretch>
+        </p:blipFill>
+        <p:spPr>
+          <a:xfrm>
+            <a:off x="5514913" y="5170988"/>
+            <a:ext cx="1440000" cy="1440000"/>
+          </a:xfrm>
+          <a:prstGeom prst="rect">
+            <a:avLst/>
+          </a:prstGeom>
+        </p:spPr>
+      </p:pic>
+      <p:pic>
+        <p:nvPicPr>
+          <p:cNvPr id="13" name="Picture 12">
+            <a:extLst>
+              <a:ext uri="{FF2B5EF4-FFF2-40B4-BE49-F238E27FC236}">
+                <a16:creationId xmlns:a16="http://schemas.microsoft.com/office/drawing/2014/main" id="{27DC3314-0AC3-4AFE-A4FA-4E02A6ABEC77}"/>
+              </a:ext>
+            </a:extLst>
+          </p:cNvPr>
+          <p:cNvPicPr>
+            <a:picLocks noChangeAspect="1"/>
+          </p:cNvPicPr>
+          <p:nvPr/>
+        </p:nvPicPr>
+        <p:blipFill>
+          <a:blip r:embed="rId6">
+            <a:extLst>
+              <a:ext uri="{28A0092B-C50C-407E-A947-70E740481C1C}">
+                <a14:useLocalDpi xmlns:a14="http://schemas.microsoft.com/office/drawing/2010/main" val="0"/>
+              </a:ext>
+            </a:extLst>
+          </a:blip>
+          <a:stretch>
+            <a:fillRect/>
+          </a:stretch>
+        </p:blipFill>
+        <p:spPr>
+          <a:xfrm>
+            <a:off x="8566958" y="811782"/>
+            <a:ext cx="3240000" cy="453552"/>
+          </a:xfrm>
+          <a:prstGeom prst="rect">
+            <a:avLst/>
+          </a:prstGeom>
+        </p:spPr>
+      </p:pic>
+      <p:pic>
+        <p:nvPicPr>
+          <p:cNvPr id="15" name="Picture 14">
+            <a:extLst>
+              <a:ext uri="{FF2B5EF4-FFF2-40B4-BE49-F238E27FC236}">
+                <a16:creationId xmlns:a16="http://schemas.microsoft.com/office/drawing/2014/main" id="{122CE1AE-08EE-48CA-BB7C-4FA246BEEC7D}"/>
+              </a:ext>
+            </a:extLst>
+          </p:cNvPr>
+          <p:cNvPicPr>
+            <a:picLocks noChangeAspect="1"/>
+          </p:cNvPicPr>
+          <p:nvPr/>
+        </p:nvPicPr>
+        <p:blipFill>
+          <a:blip r:embed="rId7">
+            <a:extLst>
+              <a:ext uri="{28A0092B-C50C-407E-A947-70E740481C1C}">
+                <a14:useLocalDpi xmlns:a14="http://schemas.microsoft.com/office/drawing/2010/main" val="0"/>
+              </a:ext>
+            </a:extLst>
+          </a:blip>
+          <a:stretch>
+            <a:fillRect/>
+          </a:stretch>
+        </p:blipFill>
+        <p:spPr>
+          <a:xfrm>
+            <a:off x="559670" y="1138678"/>
+            <a:ext cx="3240000" cy="3240000"/>
+          </a:xfrm>
+          <a:prstGeom prst="rect">
+            <a:avLst/>
+          </a:prstGeom>
+        </p:spPr>
+      </p:pic>
+      <p:pic>
+        <p:nvPicPr>
+          <p:cNvPr id="17" name="Picture 16">
+            <a:extLst>
+              <a:ext uri="{FF2B5EF4-FFF2-40B4-BE49-F238E27FC236}">
+                <a16:creationId xmlns:a16="http://schemas.microsoft.com/office/drawing/2014/main" id="{87BF65CF-3EE3-43E9-8229-9054EF38DCCB}"/>
+              </a:ext>
+            </a:extLst>
+          </p:cNvPr>
+          <p:cNvPicPr>
+            <a:picLocks noChangeAspect="1"/>
+          </p:cNvPicPr>
+          <p:nvPr/>
+        </p:nvPicPr>
+        <p:blipFill>
+          <a:blip r:embed="rId8">
+            <a:extLst>
+              <a:ext uri="{28A0092B-C50C-407E-A947-70E740481C1C}">
+                <a14:useLocalDpi xmlns:a14="http://schemas.microsoft.com/office/drawing/2010/main" val="0"/>
+              </a:ext>
+            </a:extLst>
+          </a:blip>
+          <a:stretch>
+            <a:fillRect/>
+          </a:stretch>
+        </p:blipFill>
+        <p:spPr>
+          <a:xfrm>
+            <a:off x="8482432" y="2258663"/>
+            <a:ext cx="3240000" cy="1343954"/>
+          </a:xfrm>
+          <a:prstGeom prst="rect">
+            <a:avLst/>
+          </a:prstGeom>
+        </p:spPr>
+      </p:pic>
+      <p:pic>
+        <p:nvPicPr>
+          <p:cNvPr id="19" name="Picture 18">
+            <a:extLst>
+              <a:ext uri="{FF2B5EF4-FFF2-40B4-BE49-F238E27FC236}">
+                <a16:creationId xmlns:a16="http://schemas.microsoft.com/office/drawing/2014/main" id="{820A6C4E-919C-4CCE-905C-6DC982DC34A8}"/>
+              </a:ext>
+            </a:extLst>
+          </p:cNvPr>
+          <p:cNvPicPr>
+            <a:picLocks noChangeAspect="1"/>
+          </p:cNvPicPr>
+          <p:nvPr/>
+        </p:nvPicPr>
+        <p:blipFill>
+          <a:blip r:embed="rId9">
+            <a:extLst>
+              <a:ext uri="{28A0092B-C50C-407E-A947-70E740481C1C}">
+                <a14:useLocalDpi xmlns:a14="http://schemas.microsoft.com/office/drawing/2010/main" val="0"/>
+              </a:ext>
+            </a:extLst>
+          </a:blip>
+          <a:stretch>
+            <a:fillRect/>
+          </a:stretch>
+        </p:blipFill>
+        <p:spPr>
+          <a:xfrm>
+            <a:off x="5424913" y="2052600"/>
+            <a:ext cx="1620000" cy="1756080"/>
+          </a:xfrm>
+          <a:prstGeom prst="rect">
+            <a:avLst/>
+          </a:prstGeom>
+        </p:spPr>
+      </p:pic>
+      <p:pic>
+        <p:nvPicPr>
+          <p:cNvPr id="23" name="Picture 22">
+            <a:extLst>
+              <a:ext uri="{FF2B5EF4-FFF2-40B4-BE49-F238E27FC236}">
+                <a16:creationId xmlns:a16="http://schemas.microsoft.com/office/drawing/2014/main" id="{185872FD-4E19-4CDD-AAF9-4592E3E50B2F}"/>
+              </a:ext>
+            </a:extLst>
+          </p:cNvPr>
+          <p:cNvPicPr>
+            <a:picLocks noChangeAspect="1"/>
+          </p:cNvPicPr>
+          <p:nvPr/>
+        </p:nvPicPr>
+        <p:blipFill>
+          <a:blip r:embed="rId10">
+            <a:extLst>
+              <a:ext uri="{28A0092B-C50C-407E-A947-70E740481C1C}">
+                <a14:useLocalDpi xmlns:a14="http://schemas.microsoft.com/office/drawing/2010/main" val="0"/>
+              </a:ext>
+            </a:extLst>
+          </a:blip>
+          <a:stretch>
+            <a:fillRect/>
+          </a:stretch>
+        </p:blipFill>
+        <p:spPr>
+          <a:xfrm>
+            <a:off x="4614913" y="4009957"/>
+            <a:ext cx="3240000" cy="1159110"/>
+          </a:xfrm>
+          <a:prstGeom prst="rect">
+            <a:avLst/>
+          </a:prstGeom>
+        </p:spPr>
+      </p:pic>
+      <p:pic>
+        <p:nvPicPr>
+          <p:cNvPr id="27" name="Picture 26">
+            <a:extLst>
+              <a:ext uri="{FF2B5EF4-FFF2-40B4-BE49-F238E27FC236}">
+                <a16:creationId xmlns:a16="http://schemas.microsoft.com/office/drawing/2014/main" id="{0F3190B1-6274-47EB-8330-2BFA7F35AAA5}"/>
+              </a:ext>
+            </a:extLst>
+          </p:cNvPr>
+          <p:cNvPicPr>
+            <a:picLocks noChangeAspect="1"/>
+          </p:cNvPicPr>
+          <p:nvPr/>
+        </p:nvPicPr>
+        <p:blipFill>
+          <a:blip r:embed="rId11">
+            <a:extLst>
+              <a:ext uri="{28A0092B-C50C-407E-A947-70E740481C1C}">
+                <a14:useLocalDpi xmlns:a14="http://schemas.microsoft.com/office/drawing/2010/main" val="0"/>
+              </a:ext>
+            </a:extLst>
+          </a:blip>
+          <a:stretch>
+            <a:fillRect/>
+          </a:stretch>
+        </p:blipFill>
+        <p:spPr>
+          <a:xfrm>
+            <a:off x="379670" y="4118812"/>
+            <a:ext cx="3600000" cy="941400"/>
+          </a:xfrm>
+          <a:prstGeom prst="rect">
+            <a:avLst/>
+          </a:prstGeom>
+        </p:spPr>
+      </p:pic>
+      <p:pic>
+        <p:nvPicPr>
+          <p:cNvPr id="31" name="Picture 30">
+            <a:extLst>
+              <a:ext uri="{FF2B5EF4-FFF2-40B4-BE49-F238E27FC236}">
+                <a16:creationId xmlns:a16="http://schemas.microsoft.com/office/drawing/2014/main" id="{031F0B12-5541-4374-9BBC-29D2BCC814D8}"/>
+              </a:ext>
+            </a:extLst>
+          </p:cNvPr>
+          <p:cNvPicPr>
+            <a:picLocks noChangeAspect="1"/>
+          </p:cNvPicPr>
+          <p:nvPr/>
+        </p:nvPicPr>
+        <p:blipFill>
+          <a:blip r:embed="rId12">
+            <a:extLst>
+              <a:ext uri="{28A0092B-C50C-407E-A947-70E740481C1C}">
+                <a14:useLocalDpi xmlns:a14="http://schemas.microsoft.com/office/drawing/2010/main" val="0"/>
+              </a:ext>
+            </a:extLst>
+          </a:blip>
+          <a:stretch>
+            <a:fillRect/>
+          </a:stretch>
+        </p:blipFill>
+        <p:spPr>
+          <a:xfrm>
+            <a:off x="8482432" y="4282734"/>
+            <a:ext cx="3240000" cy="613555"/>
+          </a:xfrm>
+          <a:prstGeom prst="rect">
+            <a:avLst/>
+          </a:prstGeom>
+        </p:spPr>
+      </p:pic>
+    </p:spTree>
+    <p:extLst>
+      <p:ext uri="{BB962C8B-B14F-4D97-AF65-F5344CB8AC3E}">
+        <p14:creationId xmlns:p14="http://schemas.microsoft.com/office/powerpoint/2010/main" val="2744658008"/>
       </p:ext>
     </p:extLst>
   </p:cSld>
@@ -6848,6 +7735,33 @@
 </file>
 
 <file path=customXml/item1.xml><?xml version="1.0" encoding="utf-8"?>
+<?mso-contentType ?>
+<FormTemplates xmlns="http://schemas.microsoft.com/sharepoint/v3/contenttype/forms">
+  <Display>DocumentLibraryForm</Display>
+  <Edit>DocumentLibraryForm</Edit>
+  <New>DocumentLibraryForm</New>
+</FormTemplates>
+</file>
+
+<file path=customXml/item2.xml><?xml version="1.0" encoding="utf-8"?>
+<p:properties xmlns:p="http://schemas.microsoft.com/office/2006/metadata/properties" xmlns:xsi="http://www.w3.org/2001/XMLSchema-instance" xmlns:pc="http://schemas.microsoft.com/office/infopath/2007/PartnerControls">
+  <documentManagement>
+    <_ip_UnifiedCompliancePolicyProperties xmlns="http://schemas.microsoft.com/sharepoint/v3" xsi:nil="true"/>
+    <_ip_UnifiedCompliancePolicyUIAction xmlns="http://schemas.microsoft.com/sharepoint/v3" xsi:nil="true"/>
+    <LastSharedByUser xmlns="11245976-3b4d-4794-a754-317688483df2">jogallow@microsoft.com</LastSharedByUser>
+    <SharedWithUsers xmlns="11245976-3b4d-4794-a754-317688483df2">
+      <UserInfo>
+        <DisplayName>Martin Woodward</DisplayName>
+        <AccountId>67</AccountId>
+        <AccountType/>
+      </UserInfo>
+    </SharedWithUsers>
+    <LastSharedByTime xmlns="11245976-3b4d-4794-a754-317688483df2">2018-03-16T04:12:59+00:00</LastSharedByTime>
+  </documentManagement>
+</p:properties>
+</file>
+
+<file path=customXml/item3.xml><?xml version="1.0" encoding="utf-8"?>
 <ct:contentTypeSchema xmlns:ct="http://schemas.microsoft.com/office/2006/metadata/contentType" xmlns:ma="http://schemas.microsoft.com/office/2006/metadata/properties/metaAttributes" ct:_="" ma:_="" ma:contentTypeName="Document" ma:contentTypeID="0x01010022F88B0CCF1BBA489747F146E6B5E06D" ma:contentTypeVersion="11" ma:contentTypeDescription="Create a new document." ma:contentTypeScope="" ma:versionID="4679f38185fefde8b23806f702b522cc">
   <xsd:schema xmlns:xsd="http://www.w3.org/2001/XMLSchema" xmlns:xs="http://www.w3.org/2001/XMLSchema" xmlns:p="http://schemas.microsoft.com/office/2006/metadata/properties" xmlns:ns1="http://schemas.microsoft.com/sharepoint/v3" xmlns:ns2="569b343d-e775-480b-9b2b-6a6986deb9b0" xmlns:ns3="11245976-3b4d-4794-a754-317688483df2" targetNamespace="http://schemas.microsoft.com/office/2006/metadata/properties" ma:root="true" ma:fieldsID="366371b317520ec9a5ad3c1303c823ef" ns1:_="" ns2:_="" ns3:_="">
     <xsd:import namespace="http://schemas.microsoft.com/sharepoint/v3"/>
@@ -7061,49 +7975,10 @@
 </ct:contentTypeSchema>
 </file>
 
-<file path=customXml/item2.xml><?xml version="1.0" encoding="utf-8"?>
-<p:properties xmlns:p="http://schemas.microsoft.com/office/2006/metadata/properties" xmlns:xsi="http://www.w3.org/2001/XMLSchema-instance" xmlns:pc="http://schemas.microsoft.com/office/infopath/2007/PartnerControls">
-  <documentManagement>
-    <_ip_UnifiedCompliancePolicyProperties xmlns="http://schemas.microsoft.com/sharepoint/v3" xsi:nil="true"/>
-    <_ip_UnifiedCompliancePolicyUIAction xmlns="http://schemas.microsoft.com/sharepoint/v3" xsi:nil="true"/>
-    <LastSharedByUser xmlns="11245976-3b4d-4794-a754-317688483df2">jogallow@microsoft.com</LastSharedByUser>
-    <SharedWithUsers xmlns="11245976-3b4d-4794-a754-317688483df2">
-      <UserInfo>
-        <DisplayName>Martin Woodward</DisplayName>
-        <AccountId>67</AccountId>
-        <AccountType/>
-      </UserInfo>
-    </SharedWithUsers>
-    <LastSharedByTime xmlns="11245976-3b4d-4794-a754-317688483df2">2018-03-16T04:12:59+00:00</LastSharedByTime>
-  </documentManagement>
-</p:properties>
-</file>
-
-<file path=customXml/item3.xml><?xml version="1.0" encoding="utf-8"?>
-<?mso-contentType ?>
-<FormTemplates xmlns="http://schemas.microsoft.com/sharepoint/v3/contenttype/forms">
-  <Display>DocumentLibraryForm</Display>
-  <Edit>DocumentLibraryForm</Edit>
-  <New>DocumentLibraryForm</New>
-</FormTemplates>
-</file>
-
 <file path=customXml/itemProps1.xml><?xml version="1.0" encoding="utf-8"?>
-<ds:datastoreItem xmlns:ds="http://schemas.openxmlformats.org/officeDocument/2006/customXml" ds:itemID="{16E8CB18-CF19-487B-A6ED-834044BC878F}">
+<ds:datastoreItem xmlns:ds="http://schemas.openxmlformats.org/officeDocument/2006/customXml" ds:itemID="{093821A7-5528-48BE-BD00-067FBFDD28D5}">
   <ds:schemaRefs>
-    <ds:schemaRef ds:uri="http://schemas.microsoft.com/office/2006/metadata/contentType"/>
-    <ds:schemaRef ds:uri="http://schemas.microsoft.com/office/2006/metadata/properties/metaAttributes"/>
-    <ds:schemaRef ds:uri="http://www.w3.org/2001/XMLSchema"/>
-    <ds:schemaRef ds:uri="http://schemas.microsoft.com/office/2006/metadata/properties"/>
-    <ds:schemaRef ds:uri="http://schemas.microsoft.com/sharepoint/v3"/>
-    <ds:schemaRef ds:uri="569b343d-e775-480b-9b2b-6a6986deb9b0"/>
-    <ds:schemaRef ds:uri="11245976-3b4d-4794-a754-317688483df2"/>
-    <ds:schemaRef ds:uri="http://schemas.microsoft.com/office/2006/documentManagement/types"/>
-    <ds:schemaRef ds:uri="http://schemas.microsoft.com/office/infopath/2007/PartnerControls"/>
-    <ds:schemaRef ds:uri="http://schemas.openxmlformats.org/package/2006/metadata/core-properties"/>
-    <ds:schemaRef ds:uri="http://purl.org/dc/elements/1.1/"/>
-    <ds:schemaRef ds:uri="http://purl.org/dc/terms/"/>
-    <ds:schemaRef ds:uri="http://schemas.microsoft.com/internal/obd"/>
+    <ds:schemaRef ds:uri="http://schemas.microsoft.com/sharepoint/v3/contenttype/forms"/>
   </ds:schemaRefs>
 </ds:datastoreItem>
 </file>
@@ -7127,9 +8002,21 @@
 </file>
 
 <file path=customXml/itemProps3.xml><?xml version="1.0" encoding="utf-8"?>
-<ds:datastoreItem xmlns:ds="http://schemas.openxmlformats.org/officeDocument/2006/customXml" ds:itemID="{093821A7-5528-48BE-BD00-067FBFDD28D5}">
+<ds:datastoreItem xmlns:ds="http://schemas.openxmlformats.org/officeDocument/2006/customXml" ds:itemID="{16E8CB18-CF19-487B-A6ED-834044BC878F}">
   <ds:schemaRefs>
-    <ds:schemaRef ds:uri="http://schemas.microsoft.com/sharepoint/v3/contenttype/forms"/>
+    <ds:schemaRef ds:uri="http://schemas.microsoft.com/office/2006/metadata/contentType"/>
+    <ds:schemaRef ds:uri="http://schemas.microsoft.com/office/2006/metadata/properties/metaAttributes"/>
+    <ds:schemaRef ds:uri="http://www.w3.org/2001/XMLSchema"/>
+    <ds:schemaRef ds:uri="http://schemas.microsoft.com/office/2006/metadata/properties"/>
+    <ds:schemaRef ds:uri="http://schemas.microsoft.com/sharepoint/v3"/>
+    <ds:schemaRef ds:uri="569b343d-e775-480b-9b2b-6a6986deb9b0"/>
+    <ds:schemaRef ds:uri="11245976-3b4d-4794-a754-317688483df2"/>
+    <ds:schemaRef ds:uri="http://schemas.microsoft.com/office/2006/documentManagement/types"/>
+    <ds:schemaRef ds:uri="http://schemas.microsoft.com/office/infopath/2007/PartnerControls"/>
+    <ds:schemaRef ds:uri="http://schemas.openxmlformats.org/package/2006/metadata/core-properties"/>
+    <ds:schemaRef ds:uri="http://purl.org/dc/elements/1.1/"/>
+    <ds:schemaRef ds:uri="http://purl.org/dc/terms/"/>
+    <ds:schemaRef ds:uri="http://schemas.microsoft.com/internal/obd"/>
   </ds:schemaRefs>
 </ds:datastoreItem>
 </file>
--- a/templates/DotnetConf2019_PresentationTemplate_Barcelona.pptx
+++ b/templates/DotnetConf2019_PresentationTemplate_Barcelona.pptx
@@ -2,20 +2,21 @@
 <file path=ppt/presentation.xml><?xml version="1.0" encoding="utf-8"?>
 <p:presentation xmlns:a="http://schemas.openxmlformats.org/drawingml/2006/main" xmlns:r="http://schemas.openxmlformats.org/officeDocument/2006/relationships" xmlns:p="http://schemas.openxmlformats.org/presentationml/2006/main" saveSubsetFonts="1">
   <p:sldMasterIdLst>
-    <p:sldMasterId id="2147483715" r:id="rId4"/>
+    <p:sldMasterId id="2147483715" r:id="rId10"/>
+    <p:sldMasterId id="2147483755" r:id="rId11"/>
   </p:sldMasterIdLst>
   <p:notesMasterIdLst>
-    <p:notesMasterId r:id="rId13"/>
+    <p:notesMasterId r:id="rId20"/>
   </p:notesMasterIdLst>
   <p:sldIdLst>
-    <p:sldId id="256" r:id="rId5"/>
-    <p:sldId id="257" r:id="rId6"/>
-    <p:sldId id="264" r:id="rId7"/>
-    <p:sldId id="263" r:id="rId8"/>
-    <p:sldId id="260" r:id="rId9"/>
-    <p:sldId id="261" r:id="rId10"/>
-    <p:sldId id="262" r:id="rId11"/>
-    <p:sldId id="265" r:id="rId12"/>
+    <p:sldId id="256" r:id="rId12"/>
+    <p:sldId id="257" r:id="rId13"/>
+    <p:sldId id="264" r:id="rId14"/>
+    <p:sldId id="263" r:id="rId15"/>
+    <p:sldId id="260" r:id="rId16"/>
+    <p:sldId id="261" r:id="rId17"/>
+    <p:sldId id="262" r:id="rId18"/>
+    <p:sldId id="265" r:id="rId19"/>
   </p:sldIdLst>
   <p:sldSz cx="12192000" cy="6858000"/>
   <p:notesSz cx="6858000" cy="9144000"/>
@@ -220,7 +221,7 @@
           <a:p>
             <a:fld id="{18438622-0837-4E9E-A16C-0B0206CE676E}" type="datetimeFigureOut">
               <a:rPr lang="en-US" smtClean="0"/>
-              <a:t>10/18/2019</a:t>
+              <a:t>10/19/2019</a:t>
             </a:fld>
             <a:endParaRPr lang="en-US"/>
           </a:p>
@@ -2125,6 +2126,1176 @@
   </p:cSld>
   <p:clrMapOvr>
     <a:masterClrMapping/>
+  </p:clrMapOvr>
+  <p:transition>
+    <p:fade/>
+  </p:transition>
+</p:sldLayout>
+</file>
+
+<file path=ppt/slideLayouts/slideLayout16.xml><?xml version="1.0" encoding="utf-8"?>
+<p:sldLayout xmlns:a="http://schemas.openxmlformats.org/drawingml/2006/main" xmlns:r="http://schemas.openxmlformats.org/officeDocument/2006/relationships" xmlns:p="http://schemas.openxmlformats.org/presentationml/2006/main" preserve="1">
+  <p:cSld name="Walkin">
+    <p:bg>
+      <p:bgPr>
+        <a:solidFill>
+          <a:schemeClr val="tx2"/>
+        </a:solidFill>
+        <a:effectLst/>
+      </p:bgPr>
+    </p:bg>
+    <p:spTree>
+      <p:nvGrpSpPr>
+        <p:cNvPr id="1" name=""/>
+        <p:cNvGrpSpPr/>
+        <p:nvPr/>
+      </p:nvGrpSpPr>
+      <p:grpSpPr>
+        <a:xfrm>
+          <a:off x="0" y="0"/>
+          <a:ext cx="0" cy="0"/>
+          <a:chOff x="0" y="0"/>
+          <a:chExt cx="0" cy="0"/>
+        </a:xfrm>
+      </p:grpSpPr>
+      <p:pic>
+        <p:nvPicPr>
+          <p:cNvPr id="4" name="Picture 3">
+            <a:extLst>
+              <a:ext uri="{FF2B5EF4-FFF2-40B4-BE49-F238E27FC236}">
+                <a16:creationId xmlns:a16="http://schemas.microsoft.com/office/drawing/2014/main" id="{7EC29070-1FD3-47A5-811F-38481046D8D9}"/>
+              </a:ext>
+            </a:extLst>
+          </p:cNvPr>
+          <p:cNvPicPr>
+            <a:picLocks noChangeAspect="1"/>
+          </p:cNvPicPr>
+          <p:nvPr/>
+        </p:nvPicPr>
+        <p:blipFill>
+          <a:blip r:embed="rId2">
+            <a:extLst>
+              <a:ext uri="{28A0092B-C50C-407E-A947-70E740481C1C}">
+                <a14:useLocalDpi xmlns:a14="http://schemas.microsoft.com/office/drawing/2010/main" val="0"/>
+              </a:ext>
+            </a:extLst>
+          </a:blip>
+          <a:stretch>
+            <a:fillRect/>
+          </a:stretch>
+        </p:blipFill>
+        <p:spPr>
+          <a:xfrm>
+            <a:off x="0" y="79513"/>
+            <a:ext cx="12192000" cy="6778487"/>
+          </a:xfrm>
+          <a:prstGeom prst="rect">
+            <a:avLst/>
+          </a:prstGeom>
+        </p:spPr>
+      </p:pic>
+      <p:pic>
+        <p:nvPicPr>
+          <p:cNvPr id="19" name="Picture 18" hidden="1"/>
+          <p:cNvPicPr>
+            <a:picLocks noChangeAspect="1"/>
+          </p:cNvPicPr>
+          <p:nvPr/>
+        </p:nvPicPr>
+        <p:blipFill>
+          <a:blip r:embed="rId3" cstate="screen">
+            <a:extLst>
+              <a:ext uri="{28A0092B-C50C-407E-A947-70E740481C1C}">
+                <a14:useLocalDpi xmlns:a14="http://schemas.microsoft.com/office/drawing/2010/main"/>
+              </a:ext>
+            </a:extLst>
+          </a:blip>
+          <a:stretch>
+            <a:fillRect/>
+          </a:stretch>
+        </p:blipFill>
+        <p:spPr>
+          <a:xfrm>
+            <a:off x="450203" y="6119147"/>
+            <a:ext cx="1253377" cy="268786"/>
+          </a:xfrm>
+          <a:prstGeom prst="rect">
+            <a:avLst/>
+          </a:prstGeom>
+        </p:spPr>
+      </p:pic>
+      <p:sp>
+        <p:nvSpPr>
+          <p:cNvPr id="2" name="TextBox 1">
+            <a:extLst>
+              <a:ext uri="{FF2B5EF4-FFF2-40B4-BE49-F238E27FC236}">
+                <a16:creationId xmlns:a16="http://schemas.microsoft.com/office/drawing/2014/main" id="{6E3E4BBD-D484-4B33-8113-1E7DD1741B22}"/>
+              </a:ext>
+            </a:extLst>
+          </p:cNvPr>
+          <p:cNvSpPr txBox="1"/>
+          <p:nvPr/>
+        </p:nvSpPr>
+        <p:spPr>
+          <a:xfrm>
+            <a:off x="7401464" y="5855677"/>
+            <a:ext cx="4046121" cy="627864"/>
+          </a:xfrm>
+          <a:prstGeom prst="rect">
+            <a:avLst/>
+          </a:prstGeom>
+          <a:solidFill>
+            <a:srgbClr val="E2068C"/>
+          </a:solidFill>
+        </p:spPr>
+        <p:txBody>
+          <a:bodyPr wrap="square" lIns="182880" tIns="146304" rIns="182880" bIns="146304" rtlCol="0">
+            <a:spAutoFit/>
+          </a:bodyPr>
+          <a:lstStyle/>
+          <a:p>
+            <a:pPr algn="ctr">
+              <a:lnSpc>
+                <a:spcPct val="90000"/>
+              </a:lnSpc>
+              <a:spcAft>
+                <a:spcPts val="600"/>
+              </a:spcAft>
+            </a:pPr>
+            <a:r>
+              <a:rPr lang="en-US" sz="2400" dirty="0">
+                <a:solidFill>
+                  <a:schemeClr val="bg1"/>
+                </a:solidFill>
+              </a:rPr>
+              <a:t>Barcelona</a:t>
+            </a:r>
+          </a:p>
+        </p:txBody>
+      </p:sp>
+      <p:pic>
+        <p:nvPicPr>
+          <p:cNvPr id="5" name="Picture 4">
+            <a:extLst>
+              <a:ext uri="{FF2B5EF4-FFF2-40B4-BE49-F238E27FC236}">
+                <a16:creationId xmlns:a16="http://schemas.microsoft.com/office/drawing/2014/main" id="{72D4AFCF-8547-40E5-BCB4-28FF5D85196F}"/>
+              </a:ext>
+            </a:extLst>
+          </p:cNvPr>
+          <p:cNvPicPr>
+            <a:picLocks noChangeAspect="1"/>
+          </p:cNvPicPr>
+          <p:nvPr userDrawn="1"/>
+        </p:nvPicPr>
+        <p:blipFill>
+          <a:blip r:embed="rId2">
+            <a:extLst>
+              <a:ext uri="{28A0092B-C50C-407E-A947-70E740481C1C}">
+                <a14:useLocalDpi xmlns:a14="http://schemas.microsoft.com/office/drawing/2010/main" val="0"/>
+              </a:ext>
+            </a:extLst>
+          </a:blip>
+          <a:stretch>
+            <a:fillRect/>
+          </a:stretch>
+        </p:blipFill>
+        <p:spPr>
+          <a:xfrm>
+            <a:off x="0" y="238125"/>
+            <a:ext cx="12192000" cy="6381750"/>
+          </a:xfrm>
+          <a:prstGeom prst="rect">
+            <a:avLst/>
+          </a:prstGeom>
+        </p:spPr>
+      </p:pic>
+      <p:sp>
+        <p:nvSpPr>
+          <p:cNvPr id="6" name="TextBox 5">
+            <a:extLst>
+              <a:ext uri="{FF2B5EF4-FFF2-40B4-BE49-F238E27FC236}">
+                <a16:creationId xmlns:a16="http://schemas.microsoft.com/office/drawing/2014/main" id="{1D12FA2B-9B72-4B41-892E-DF188F2AFD76}"/>
+              </a:ext>
+            </a:extLst>
+          </p:cNvPr>
+          <p:cNvSpPr txBox="1"/>
+          <p:nvPr userDrawn="1"/>
+        </p:nvSpPr>
+        <p:spPr>
+          <a:xfrm>
+            <a:off x="7401464" y="5855677"/>
+            <a:ext cx="4046121" cy="627864"/>
+          </a:xfrm>
+          <a:prstGeom prst="rect">
+            <a:avLst/>
+          </a:prstGeom>
+          <a:solidFill>
+            <a:srgbClr val="E2068C"/>
+          </a:solidFill>
+        </p:spPr>
+        <p:txBody>
+          <a:bodyPr wrap="square" lIns="182880" tIns="146304" rIns="182880" bIns="146304" rtlCol="0">
+            <a:spAutoFit/>
+          </a:bodyPr>
+          <a:lstStyle/>
+          <a:p>
+            <a:pPr algn="ctr">
+              <a:lnSpc>
+                <a:spcPct val="90000"/>
+              </a:lnSpc>
+              <a:spcAft>
+                <a:spcPts val="600"/>
+              </a:spcAft>
+            </a:pPr>
+            <a:r>
+              <a:rPr lang="en-US" sz="2400" dirty="0">
+                <a:solidFill>
+                  <a:schemeClr val="bg1"/>
+                </a:solidFill>
+              </a:rPr>
+              <a:t>Barcelona</a:t>
+            </a:r>
+          </a:p>
+        </p:txBody>
+      </p:sp>
+    </p:spTree>
+    <p:extLst>
+      <p:ext uri="{BB962C8B-B14F-4D97-AF65-F5344CB8AC3E}">
+        <p14:creationId xmlns:p14="http://schemas.microsoft.com/office/powerpoint/2010/main" val="3716913413"/>
+      </p:ext>
+    </p:extLst>
+  </p:cSld>
+  <p:clrMapOvr>
+    <a:overrideClrMapping bg1="lt1" tx1="dk1" bg2="lt2" tx2="dk2" accent1="accent1" accent2="accent2" accent3="accent3" accent4="accent4" accent5="accent5" accent6="accent6" hlink="hlink" folHlink="folHlink"/>
+  </p:clrMapOvr>
+  <mc:AlternateContent xmlns:mc="http://schemas.openxmlformats.org/markup-compatibility/2006" xmlns:p14="http://schemas.microsoft.com/office/powerpoint/2010/main">
+    <mc:Choice Requires="p14">
+      <p:transition spd="med" p14:dur="700">
+        <p:fade/>
+      </p:transition>
+    </mc:Choice>
+    <mc:Fallback xmlns="">
+      <p:transition spd="med">
+        <p:fade/>
+      </p:transition>
+    </mc:Fallback>
+  </mc:AlternateContent>
+</p:sldLayout>
+</file>
+
+<file path=ppt/slideLayouts/slideLayout17.xml><?xml version="1.0" encoding="utf-8"?>
+<p:sldLayout xmlns:a="http://schemas.openxmlformats.org/drawingml/2006/main" xmlns:r="http://schemas.openxmlformats.org/officeDocument/2006/relationships" xmlns:p="http://schemas.openxmlformats.org/presentationml/2006/main" preserve="1">
+  <p:cSld name="Title Slide - 1">
+    <p:bg>
+      <p:bgPr>
+        <a:solidFill>
+          <a:schemeClr val="bg2"/>
+        </a:solidFill>
+        <a:effectLst/>
+      </p:bgPr>
+    </p:bg>
+    <p:spTree>
+      <p:nvGrpSpPr>
+        <p:cNvPr id="1" name=""/>
+        <p:cNvGrpSpPr/>
+        <p:nvPr/>
+      </p:nvGrpSpPr>
+      <p:grpSpPr>
+        <a:xfrm>
+          <a:off x="0" y="0"/>
+          <a:ext cx="0" cy="0"/>
+          <a:chOff x="0" y="0"/>
+          <a:chExt cx="0" cy="0"/>
+        </a:xfrm>
+      </p:grpSpPr>
+      <p:pic>
+        <p:nvPicPr>
+          <p:cNvPr id="11" name="Graphic 10">
+            <a:extLst>
+              <a:ext uri="{FF2B5EF4-FFF2-40B4-BE49-F238E27FC236}">
+                <a16:creationId xmlns:a16="http://schemas.microsoft.com/office/drawing/2014/main" id="{279FFEB9-2BE6-4DB6-8DCA-DBA500633B62}"/>
+              </a:ext>
+            </a:extLst>
+          </p:cNvPr>
+          <p:cNvPicPr>
+            <a:picLocks noChangeAspect="1"/>
+          </p:cNvPicPr>
+          <p:nvPr/>
+        </p:nvPicPr>
+        <p:blipFill>
+          <a:blip r:embed="rId2">
+            <a:extLst>
+              <a:ext uri="{96DAC541-7B7A-43D3-8B79-37D633B846F1}">
+                <asvg:svgBlip xmlns:asvg="http://schemas.microsoft.com/office/drawing/2016/SVG/main" r:embed="rId3"/>
+              </a:ext>
+            </a:extLst>
+          </a:blip>
+          <a:stretch>
+            <a:fillRect/>
+          </a:stretch>
+        </p:blipFill>
+        <p:spPr>
+          <a:xfrm>
+            <a:off x="0" y="0"/>
+            <a:ext cx="12192000" cy="6858000"/>
+          </a:xfrm>
+          <a:prstGeom prst="rect">
+            <a:avLst/>
+          </a:prstGeom>
+        </p:spPr>
+      </p:pic>
+      <p:pic>
+        <p:nvPicPr>
+          <p:cNvPr id="10" name="Graphic 9">
+            <a:extLst>
+              <a:ext uri="{FF2B5EF4-FFF2-40B4-BE49-F238E27FC236}">
+                <a16:creationId xmlns:a16="http://schemas.microsoft.com/office/drawing/2014/main" id="{9E39216E-F59B-4BC9-B7CE-10A9447E2059}"/>
+              </a:ext>
+            </a:extLst>
+          </p:cNvPr>
+          <p:cNvPicPr>
+            <a:picLocks noChangeAspect="1"/>
+          </p:cNvPicPr>
+          <p:nvPr/>
+        </p:nvPicPr>
+        <p:blipFill>
+          <a:blip r:embed="rId4">
+            <a:extLst>
+              <a:ext uri="{96DAC541-7B7A-43D3-8B79-37D633B846F1}">
+                <asvg:svgBlip xmlns:asvg="http://schemas.microsoft.com/office/drawing/2016/SVG/main" r:embed="rId5"/>
+              </a:ext>
+            </a:extLst>
+          </a:blip>
+          <a:stretch>
+            <a:fillRect/>
+          </a:stretch>
+        </p:blipFill>
+        <p:spPr>
+          <a:xfrm>
+            <a:off x="11430" y="0"/>
+            <a:ext cx="12169140" cy="6858000"/>
+          </a:xfrm>
+          <a:prstGeom prst="rect">
+            <a:avLst/>
+          </a:prstGeom>
+        </p:spPr>
+      </p:pic>
+      <p:sp>
+        <p:nvSpPr>
+          <p:cNvPr id="18" name="Rectangle 17">
+            <a:extLst>
+              <a:ext uri="{FF2B5EF4-FFF2-40B4-BE49-F238E27FC236}">
+                <a16:creationId xmlns:a16="http://schemas.microsoft.com/office/drawing/2014/main" id="{00414B93-1C7A-463B-94D3-C75120E48B38}"/>
+              </a:ext>
+            </a:extLst>
+          </p:cNvPr>
+          <p:cNvSpPr/>
+          <p:nvPr/>
+        </p:nvSpPr>
+        <p:spPr bwMode="auto">
+          <a:xfrm>
+            <a:off x="11430" y="1758462"/>
+            <a:ext cx="12192000" cy="3446584"/>
+          </a:xfrm>
+          <a:prstGeom prst="rect">
+            <a:avLst/>
+          </a:prstGeom>
+          <a:solidFill>
+            <a:schemeClr val="accent1"/>
+          </a:solidFill>
+          <a:ln>
+            <a:noFill/>
+            <a:headEnd type="none" w="med" len="med"/>
+            <a:tailEnd type="none" w="med" len="med"/>
+          </a:ln>
+          <a:effectLst/>
+        </p:spPr>
+        <p:style>
+          <a:lnRef idx="1">
+            <a:schemeClr val="accent2"/>
+          </a:lnRef>
+          <a:fillRef idx="3">
+            <a:schemeClr val="accent2"/>
+          </a:fillRef>
+          <a:effectRef idx="2">
+            <a:schemeClr val="accent2"/>
+          </a:effectRef>
+          <a:fontRef idx="minor">
+            <a:schemeClr val="lt1"/>
+          </a:fontRef>
+        </p:style>
+        <p:txBody>
+          <a:bodyPr rot="0" spcFirstLastPara="0" vertOverflow="overflow" horzOverflow="overflow" vert="horz" wrap="square" lIns="182880" tIns="146304" rIns="182880" bIns="146304" numCol="1" spcCol="0" rtlCol="0" fromWordArt="0" anchor="t" anchorCtr="0" forceAA="0" compatLnSpc="1">
+            <a:prstTxWarp prst="textNoShape">
+              <a:avLst/>
+            </a:prstTxWarp>
+            <a:noAutofit/>
+          </a:bodyPr>
+          <a:lstStyle/>
+          <a:p>
+            <a:pPr algn="ctr" defTabSz="932472" fontAlgn="base">
+              <a:lnSpc>
+                <a:spcPct val="90000"/>
+              </a:lnSpc>
+              <a:spcBef>
+                <a:spcPct val="0"/>
+              </a:spcBef>
+              <a:spcAft>
+                <a:spcPct val="0"/>
+              </a:spcAft>
+            </a:pPr>
+            <a:endParaRPr lang="en-US" sz="2400" dirty="0" err="1">
+              <a:gradFill>
+                <a:gsLst>
+                  <a:gs pos="0">
+                    <a:srgbClr val="FFFFFF"/>
+                  </a:gs>
+                  <a:gs pos="100000">
+                    <a:srgbClr val="FFFFFF"/>
+                  </a:gs>
+                </a:gsLst>
+                <a:lin ang="5400000" scaled="0"/>
+              </a:gradFill>
+              <a:ea typeface="Segoe UI" pitchFamily="34" charset="0"/>
+              <a:cs typeface="Segoe UI" pitchFamily="34" charset="0"/>
+            </a:endParaRPr>
+          </a:p>
+        </p:txBody>
+      </p:sp>
+      <p:pic>
+        <p:nvPicPr>
+          <p:cNvPr id="16" name="Picture 15" hidden="1"/>
+          <p:cNvPicPr>
+            <a:picLocks noChangeAspect="1"/>
+          </p:cNvPicPr>
+          <p:nvPr/>
+        </p:nvPicPr>
+        <p:blipFill>
+          <a:blip r:embed="rId6" cstate="screen">
+            <a:extLst>
+              <a:ext uri="{28A0092B-C50C-407E-A947-70E740481C1C}">
+                <a14:useLocalDpi xmlns:a14="http://schemas.microsoft.com/office/drawing/2010/main"/>
+              </a:ext>
+            </a:extLst>
+          </a:blip>
+          <a:stretch>
+            <a:fillRect/>
+          </a:stretch>
+        </p:blipFill>
+        <p:spPr bwMode="black">
+          <a:xfrm>
+            <a:off x="450203" y="6119147"/>
+            <a:ext cx="1253377" cy="268786"/>
+          </a:xfrm>
+          <a:prstGeom prst="rect">
+            <a:avLst/>
+          </a:prstGeom>
+        </p:spPr>
+      </p:pic>
+      <p:pic>
+        <p:nvPicPr>
+          <p:cNvPr id="7" name="Graphic 6">
+            <a:extLst>
+              <a:ext uri="{FF2B5EF4-FFF2-40B4-BE49-F238E27FC236}">
+                <a16:creationId xmlns:a16="http://schemas.microsoft.com/office/drawing/2014/main" id="{0EDE7E98-2515-4CF5-A7F5-85F9915B5AC4}"/>
+              </a:ext>
+            </a:extLst>
+          </p:cNvPr>
+          <p:cNvPicPr>
+            <a:picLocks noChangeAspect="1"/>
+          </p:cNvPicPr>
+          <p:nvPr/>
+        </p:nvPicPr>
+        <p:blipFill>
+          <a:blip r:embed="rId7">
+            <a:extLst>
+              <a:ext uri="{96DAC541-7B7A-43D3-8B79-37D633B846F1}">
+                <asvg:svgBlip xmlns:asvg="http://schemas.microsoft.com/office/drawing/2016/SVG/main" r:embed="rId8"/>
+              </a:ext>
+            </a:extLst>
+          </a:blip>
+          <a:stretch>
+            <a:fillRect/>
+          </a:stretch>
+        </p:blipFill>
+        <p:spPr>
+          <a:xfrm>
+            <a:off x="9949183" y="3714094"/>
+            <a:ext cx="2168764" cy="2317429"/>
+          </a:xfrm>
+          <a:prstGeom prst="rect">
+            <a:avLst/>
+          </a:prstGeom>
+        </p:spPr>
+      </p:pic>
+      <p:sp>
+        <p:nvSpPr>
+          <p:cNvPr id="13" name="Title 1"/>
+          <p:cNvSpPr>
+            <a:spLocks noGrp="1"/>
+          </p:cNvSpPr>
+          <p:nvPr>
+            <p:ph type="title" hasCustomPrompt="1"/>
+          </p:nvPr>
+        </p:nvSpPr>
+        <p:spPr>
+          <a:xfrm>
+            <a:off x="543146" y="1925787"/>
+            <a:ext cx="11062699" cy="1793090"/>
+          </a:xfrm>
+          <a:noFill/>
+        </p:spPr>
+        <p:txBody>
+          <a:bodyPr lIns="146304" tIns="91440" rIns="146304" bIns="91440" anchor="t" anchorCtr="0"/>
+          <a:lstStyle>
+            <a:lvl1pPr>
+              <a:defRPr sz="5294" spc="-98" baseline="0">
+                <a:gradFill>
+                  <a:gsLst>
+                    <a:gs pos="100000">
+                      <a:schemeClr val="tx2"/>
+                    </a:gs>
+                    <a:gs pos="0">
+                      <a:schemeClr val="tx2"/>
+                    </a:gs>
+                  </a:gsLst>
+                  <a:lin ang="5400000" scaled="0"/>
+                </a:gradFill>
+              </a:defRPr>
+            </a:lvl1pPr>
+          </a:lstStyle>
+          <a:p>
+            <a:r>
+              <a:rPr lang="en-US" dirty="0"/>
+              <a:t>Presentation title</a:t>
+            </a:r>
+          </a:p>
+        </p:txBody>
+      </p:sp>
+      <p:sp>
+        <p:nvSpPr>
+          <p:cNvPr id="14" name="Text Placeholder 4"/>
+          <p:cNvSpPr>
+            <a:spLocks noGrp="1"/>
+          </p:cNvSpPr>
+          <p:nvPr>
+            <p:ph type="body" sz="quarter" idx="12" hasCustomPrompt="1"/>
+          </p:nvPr>
+        </p:nvSpPr>
+        <p:spPr>
+          <a:xfrm>
+            <a:off x="543146" y="3821145"/>
+            <a:ext cx="9860611" cy="1165866"/>
+          </a:xfrm>
+          <a:noFill/>
+        </p:spPr>
+        <p:txBody>
+          <a:bodyPr lIns="146304" tIns="109728" rIns="146304" bIns="109728">
+            <a:noAutofit/>
+          </a:bodyPr>
+          <a:lstStyle>
+            <a:lvl1pPr marL="0" indent="0">
+              <a:spcBef>
+                <a:spcPts val="0"/>
+              </a:spcBef>
+              <a:buNone/>
+              <a:defRPr sz="3137" spc="0" baseline="0">
+                <a:gradFill>
+                  <a:gsLst>
+                    <a:gs pos="91000">
+                      <a:schemeClr val="tx1"/>
+                    </a:gs>
+                    <a:gs pos="0">
+                      <a:schemeClr val="tx1"/>
+                    </a:gs>
+                  </a:gsLst>
+                  <a:lin ang="5400000" scaled="0"/>
+                </a:gradFill>
+                <a:latin typeface="+mj-lt"/>
+              </a:defRPr>
+            </a:lvl1pPr>
+          </a:lstStyle>
+          <a:p>
+            <a:pPr lvl="0"/>
+            <a:r>
+              <a:rPr lang="en-US" dirty="0"/>
+              <a:t>Speaker Name</a:t>
+            </a:r>
+          </a:p>
+        </p:txBody>
+      </p:sp>
+      <p:pic>
+        <p:nvPicPr>
+          <p:cNvPr id="9" name="Graphic 8">
+            <a:extLst>
+              <a:ext uri="{FF2B5EF4-FFF2-40B4-BE49-F238E27FC236}">
+                <a16:creationId xmlns:a16="http://schemas.microsoft.com/office/drawing/2014/main" id="{F4CC5636-404B-4D54-813F-C984B685660D}"/>
+              </a:ext>
+            </a:extLst>
+          </p:cNvPr>
+          <p:cNvPicPr>
+            <a:picLocks noChangeAspect="1"/>
+          </p:cNvPicPr>
+          <p:nvPr userDrawn="1"/>
+        </p:nvPicPr>
+        <p:blipFill>
+          <a:blip r:embed="rId2">
+            <a:extLst>
+              <a:ext uri="{96DAC541-7B7A-43D3-8B79-37D633B846F1}">
+                <asvg:svgBlip xmlns:asvg="http://schemas.microsoft.com/office/drawing/2016/SVG/main" r:embed="rId3"/>
+              </a:ext>
+            </a:extLst>
+          </a:blip>
+          <a:stretch>
+            <a:fillRect/>
+          </a:stretch>
+        </p:blipFill>
+        <p:spPr>
+          <a:xfrm>
+            <a:off x="0" y="0"/>
+            <a:ext cx="12192000" cy="6858000"/>
+          </a:xfrm>
+          <a:prstGeom prst="rect">
+            <a:avLst/>
+          </a:prstGeom>
+        </p:spPr>
+      </p:pic>
+      <p:pic>
+        <p:nvPicPr>
+          <p:cNvPr id="12" name="Graphic 11">
+            <a:extLst>
+              <a:ext uri="{FF2B5EF4-FFF2-40B4-BE49-F238E27FC236}">
+                <a16:creationId xmlns:a16="http://schemas.microsoft.com/office/drawing/2014/main" id="{CB2C1A4C-992F-4C82-8B35-A7814DFC672C}"/>
+              </a:ext>
+            </a:extLst>
+          </p:cNvPr>
+          <p:cNvPicPr>
+            <a:picLocks noChangeAspect="1"/>
+          </p:cNvPicPr>
+          <p:nvPr userDrawn="1"/>
+        </p:nvPicPr>
+        <p:blipFill>
+          <a:blip r:embed="rId4">
+            <a:extLst>
+              <a:ext uri="{96DAC541-7B7A-43D3-8B79-37D633B846F1}">
+                <asvg:svgBlip xmlns:asvg="http://schemas.microsoft.com/office/drawing/2016/SVG/main" r:embed="rId5"/>
+              </a:ext>
+            </a:extLst>
+          </a:blip>
+          <a:stretch>
+            <a:fillRect/>
+          </a:stretch>
+        </p:blipFill>
+        <p:spPr>
+          <a:xfrm>
+            <a:off x="11430" y="0"/>
+            <a:ext cx="12169140" cy="6858000"/>
+          </a:xfrm>
+          <a:prstGeom prst="rect">
+            <a:avLst/>
+          </a:prstGeom>
+        </p:spPr>
+      </p:pic>
+      <p:sp>
+        <p:nvSpPr>
+          <p:cNvPr id="15" name="Rectangle 14">
+            <a:extLst>
+              <a:ext uri="{FF2B5EF4-FFF2-40B4-BE49-F238E27FC236}">
+                <a16:creationId xmlns:a16="http://schemas.microsoft.com/office/drawing/2014/main" id="{2777E169-C6A9-4AD7-AA4C-5D73E7CC2EE1}"/>
+              </a:ext>
+            </a:extLst>
+          </p:cNvPr>
+          <p:cNvSpPr/>
+          <p:nvPr userDrawn="1"/>
+        </p:nvSpPr>
+        <p:spPr bwMode="auto">
+          <a:xfrm>
+            <a:off x="11430" y="1758462"/>
+            <a:ext cx="12192000" cy="3446584"/>
+          </a:xfrm>
+          <a:prstGeom prst="rect">
+            <a:avLst/>
+          </a:prstGeom>
+          <a:solidFill>
+            <a:schemeClr val="accent1"/>
+          </a:solidFill>
+          <a:ln>
+            <a:noFill/>
+            <a:headEnd type="none" w="med" len="med"/>
+            <a:tailEnd type="none" w="med" len="med"/>
+          </a:ln>
+          <a:effectLst/>
+        </p:spPr>
+        <p:style>
+          <a:lnRef idx="1">
+            <a:schemeClr val="accent2"/>
+          </a:lnRef>
+          <a:fillRef idx="3">
+            <a:schemeClr val="accent2"/>
+          </a:fillRef>
+          <a:effectRef idx="2">
+            <a:schemeClr val="accent2"/>
+          </a:effectRef>
+          <a:fontRef idx="minor">
+            <a:schemeClr val="lt1"/>
+          </a:fontRef>
+        </p:style>
+        <p:txBody>
+          <a:bodyPr rot="0" spcFirstLastPara="0" vertOverflow="overflow" horzOverflow="overflow" vert="horz" wrap="square" lIns="182880" tIns="146304" rIns="182880" bIns="146304" numCol="1" spcCol="0" rtlCol="0" fromWordArt="0" anchor="t" anchorCtr="0" forceAA="0" compatLnSpc="1">
+            <a:prstTxWarp prst="textNoShape">
+              <a:avLst/>
+            </a:prstTxWarp>
+            <a:noAutofit/>
+          </a:bodyPr>
+          <a:lstStyle/>
+          <a:p>
+            <a:pPr algn="ctr" defTabSz="932472" fontAlgn="base">
+              <a:lnSpc>
+                <a:spcPct val="90000"/>
+              </a:lnSpc>
+              <a:spcBef>
+                <a:spcPct val="0"/>
+              </a:spcBef>
+              <a:spcAft>
+                <a:spcPct val="0"/>
+              </a:spcAft>
+            </a:pPr>
+            <a:endParaRPr lang="en-US" sz="2400" dirty="0" err="1">
+              <a:gradFill>
+                <a:gsLst>
+                  <a:gs pos="0">
+                    <a:srgbClr val="FFFFFF"/>
+                  </a:gs>
+                  <a:gs pos="100000">
+                    <a:srgbClr val="FFFFFF"/>
+                  </a:gs>
+                </a:gsLst>
+                <a:lin ang="5400000" scaled="0"/>
+              </a:gradFill>
+              <a:ea typeface="Segoe UI" pitchFamily="34" charset="0"/>
+              <a:cs typeface="Segoe UI" pitchFamily="34" charset="0"/>
+            </a:endParaRPr>
+          </a:p>
+        </p:txBody>
+      </p:sp>
+      <p:pic>
+        <p:nvPicPr>
+          <p:cNvPr id="17" name="Graphic 16">
+            <a:extLst>
+              <a:ext uri="{FF2B5EF4-FFF2-40B4-BE49-F238E27FC236}">
+                <a16:creationId xmlns:a16="http://schemas.microsoft.com/office/drawing/2014/main" id="{6A4870F0-9115-41A7-8FF8-6B476996C221}"/>
+              </a:ext>
+            </a:extLst>
+          </p:cNvPr>
+          <p:cNvPicPr>
+            <a:picLocks noChangeAspect="1"/>
+          </p:cNvPicPr>
+          <p:nvPr userDrawn="1"/>
+        </p:nvPicPr>
+        <p:blipFill>
+          <a:blip r:embed="rId7">
+            <a:extLst>
+              <a:ext uri="{96DAC541-7B7A-43D3-8B79-37D633B846F1}">
+                <asvg:svgBlip xmlns:asvg="http://schemas.microsoft.com/office/drawing/2016/SVG/main" r:embed="rId8"/>
+              </a:ext>
+            </a:extLst>
+          </a:blip>
+          <a:stretch>
+            <a:fillRect/>
+          </a:stretch>
+        </p:blipFill>
+        <p:spPr>
+          <a:xfrm>
+            <a:off x="9949183" y="3714094"/>
+            <a:ext cx="2168764" cy="2317429"/>
+          </a:xfrm>
+          <a:prstGeom prst="rect">
+            <a:avLst/>
+          </a:prstGeom>
+        </p:spPr>
+      </p:pic>
+    </p:spTree>
+    <p:extLst>
+      <p:ext uri="{BB962C8B-B14F-4D97-AF65-F5344CB8AC3E}">
+        <p14:creationId xmlns:p14="http://schemas.microsoft.com/office/powerpoint/2010/main" val="1162209641"/>
+      </p:ext>
+    </p:extLst>
+  </p:cSld>
+  <p:clrMapOvr>
+    <a:overrideClrMapping bg1="dk1" tx1="lt1" bg2="dk2" tx2="lt2" accent1="accent1" accent2="accent2" accent3="accent3" accent4="accent4" accent5="accent5" accent6="accent6" hlink="hlink" folHlink="folHlink"/>
+  </p:clrMapOvr>
+  <mc:AlternateContent xmlns:mc="http://schemas.openxmlformats.org/markup-compatibility/2006" xmlns:p14="http://schemas.microsoft.com/office/powerpoint/2010/main">
+    <mc:Choice Requires="p14">
+      <p:transition spd="med" p14:dur="700">
+        <p:fade/>
+      </p:transition>
+    </mc:Choice>
+    <mc:Fallback xmlns="">
+      <p:transition spd="med">
+        <p:fade/>
+      </p:transition>
+    </mc:Fallback>
+  </mc:AlternateContent>
+</p:sldLayout>
+</file>
+
+<file path=ppt/slideLayouts/slideLayout18.xml><?xml version="1.0" encoding="utf-8"?>
+<p:sldLayout xmlns:a="http://schemas.openxmlformats.org/drawingml/2006/main" xmlns:r="http://schemas.openxmlformats.org/officeDocument/2006/relationships" xmlns:p="http://schemas.openxmlformats.org/presentationml/2006/main" preserve="1">
+  <p:cSld name="Title and Content">
+    <p:bg>
+      <p:bgPr>
+        <a:solidFill>
+          <a:srgbClr val="F8F8F8"/>
+        </a:solidFill>
+        <a:effectLst/>
+      </p:bgPr>
+    </p:bg>
+    <p:spTree>
+      <p:nvGrpSpPr>
+        <p:cNvPr id="1" name=""/>
+        <p:cNvGrpSpPr/>
+        <p:nvPr/>
+      </p:nvGrpSpPr>
+      <p:grpSpPr>
+        <a:xfrm>
+          <a:off x="0" y="0"/>
+          <a:ext cx="0" cy="0"/>
+          <a:chOff x="0" y="0"/>
+          <a:chExt cx="0" cy="0"/>
+        </a:xfrm>
+      </p:grpSpPr>
+      <p:sp>
+        <p:nvSpPr>
+          <p:cNvPr id="4" name="Text Placeholder 3"/>
+          <p:cNvSpPr>
+            <a:spLocks noGrp="1"/>
+          </p:cNvSpPr>
+          <p:nvPr>
+            <p:ph type="body" sz="quarter" idx="10"/>
+          </p:nvPr>
+        </p:nvSpPr>
+        <p:spPr>
+          <a:xfrm>
+            <a:off x="269239" y="1189177"/>
+            <a:ext cx="11653523" cy="2052030"/>
+          </a:xfrm>
+        </p:spPr>
+        <p:txBody>
+          <a:bodyPr>
+            <a:spAutoFit/>
+          </a:bodyPr>
+          <a:lstStyle>
+            <a:lvl1pPr>
+              <a:defRPr sz="3921"/>
+            </a:lvl1pPr>
+          </a:lstStyle>
+          <a:p>
+            <a:pPr lvl="0"/>
+            <a:r>
+              <a:rPr lang="en-US"/>
+              <a:t>Click to edit Master text styles</a:t>
+            </a:r>
+          </a:p>
+          <a:p>
+            <a:pPr lvl="1"/>
+            <a:r>
+              <a:rPr lang="en-US"/>
+              <a:t>Second level</a:t>
+            </a:r>
+          </a:p>
+          <a:p>
+            <a:pPr lvl="2"/>
+            <a:r>
+              <a:rPr lang="en-US"/>
+              <a:t>Third level</a:t>
+            </a:r>
+          </a:p>
+          <a:p>
+            <a:pPr lvl="3"/>
+            <a:r>
+              <a:rPr lang="en-US"/>
+              <a:t>Fourth level</a:t>
+            </a:r>
+          </a:p>
+          <a:p>
+            <a:pPr lvl="4"/>
+            <a:r>
+              <a:rPr lang="en-US"/>
+              <a:t>Fifth level</a:t>
+            </a:r>
+          </a:p>
+        </p:txBody>
+      </p:sp>
+      <p:sp>
+        <p:nvSpPr>
+          <p:cNvPr id="6" name="Title 5"/>
+          <p:cNvSpPr>
+            <a:spLocks noGrp="1"/>
+          </p:cNvSpPr>
+          <p:nvPr>
+            <p:ph type="title"/>
+          </p:nvPr>
+        </p:nvSpPr>
+        <p:spPr/>
+        <p:txBody>
+          <a:bodyPr/>
+          <a:lstStyle/>
+          <a:p>
+            <a:r>
+              <a:rPr lang="en-US"/>
+              <a:t>Click to edit Master title style</a:t>
+            </a:r>
+          </a:p>
+        </p:txBody>
+      </p:sp>
+    </p:spTree>
+    <p:extLst>
+      <p:ext uri="{BB962C8B-B14F-4D97-AF65-F5344CB8AC3E}">
+        <p14:creationId xmlns:p14="http://schemas.microsoft.com/office/powerpoint/2010/main" val="2606346221"/>
+      </p:ext>
+    </p:extLst>
+  </p:cSld>
+  <p:clrMapOvr>
+    <a:overrideClrMapping bg1="lt1" tx1="dk1" bg2="lt2" tx2="dk2" accent1="accent1" accent2="accent2" accent3="accent3" accent4="accent4" accent5="accent5" accent6="accent6" hlink="hlink" folHlink="folHlink"/>
+  </p:clrMapOvr>
+  <p:transition>
+    <p:fade/>
+  </p:transition>
+</p:sldLayout>
+</file>
+
+<file path=ppt/slideLayouts/slideLayout19.xml><?xml version="1.0" encoding="utf-8"?>
+<p:sldLayout xmlns:a="http://schemas.openxmlformats.org/drawingml/2006/main" xmlns:r="http://schemas.openxmlformats.org/officeDocument/2006/relationships" xmlns:p="http://schemas.openxmlformats.org/presentationml/2006/main" preserve="1">
+  <p:cSld name="Two Column Non-bulleted text">
+    <p:bg>
+      <p:bgPr>
+        <a:solidFill>
+          <a:srgbClr val="F8F8F8"/>
+        </a:solidFill>
+        <a:effectLst/>
+      </p:bgPr>
+    </p:bg>
+    <p:spTree>
+      <p:nvGrpSpPr>
+        <p:cNvPr id="1" name=""/>
+        <p:cNvGrpSpPr/>
+        <p:nvPr/>
+      </p:nvGrpSpPr>
+      <p:grpSpPr>
+        <a:xfrm>
+          <a:off x="0" y="0"/>
+          <a:ext cx="0" cy="0"/>
+          <a:chOff x="0" y="0"/>
+          <a:chExt cx="0" cy="0"/>
+        </a:xfrm>
+      </p:grpSpPr>
+      <p:sp>
+        <p:nvSpPr>
+          <p:cNvPr id="2" name="Title 1"/>
+          <p:cNvSpPr>
+            <a:spLocks noGrp="1"/>
+          </p:cNvSpPr>
+          <p:nvPr>
+            <p:ph type="title"/>
+          </p:nvPr>
+        </p:nvSpPr>
+        <p:spPr/>
+        <p:txBody>
+          <a:bodyPr/>
+          <a:lstStyle/>
+          <a:p>
+            <a:r>
+              <a:rPr lang="en-US"/>
+              <a:t>Click to edit Master title style</a:t>
+            </a:r>
+          </a:p>
+        </p:txBody>
+      </p:sp>
+      <p:sp>
+        <p:nvSpPr>
+          <p:cNvPr id="4" name="Text Placeholder 3"/>
+          <p:cNvSpPr>
+            <a:spLocks noGrp="1"/>
+          </p:cNvSpPr>
+          <p:nvPr>
+            <p:ph type="body" sz="quarter" idx="10"/>
+          </p:nvPr>
+        </p:nvSpPr>
+        <p:spPr>
+          <a:xfrm>
+            <a:off x="269241" y="1189175"/>
+            <a:ext cx="5378548" cy="1877004"/>
+          </a:xfrm>
+        </p:spPr>
+        <p:txBody>
+          <a:bodyPr wrap="square">
+            <a:spAutoFit/>
+          </a:bodyPr>
+          <a:lstStyle>
+            <a:lvl1pPr marL="0" indent="0">
+              <a:spcBef>
+                <a:spcPts val="1200"/>
+              </a:spcBef>
+              <a:buClr>
+                <a:schemeClr val="tx1"/>
+              </a:buClr>
+              <a:buFont typeface="Wingdings" pitchFamily="2" charset="2"/>
+              <a:buNone/>
+              <a:defRPr sz="3137"/>
+            </a:lvl1pPr>
+            <a:lvl2pPr marL="0" indent="0">
+              <a:buNone/>
+              <a:defRPr sz="1961"/>
+            </a:lvl2pPr>
+            <a:lvl3pPr marL="227209" indent="0">
+              <a:buNone/>
+              <a:tabLst/>
+              <a:defRPr sz="1961"/>
+            </a:lvl3pPr>
+            <a:lvl4pPr marL="451306" indent="0">
+              <a:buNone/>
+              <a:defRPr/>
+            </a:lvl4pPr>
+            <a:lvl5pPr marL="672290" indent="0">
+              <a:buNone/>
+              <a:tabLst/>
+              <a:defRPr/>
+            </a:lvl5pPr>
+          </a:lstStyle>
+          <a:p>
+            <a:pPr lvl="0"/>
+            <a:r>
+              <a:rPr lang="en-US"/>
+              <a:t>Click to edit Master text styles</a:t>
+            </a:r>
+          </a:p>
+          <a:p>
+            <a:pPr lvl="1"/>
+            <a:r>
+              <a:rPr lang="en-US"/>
+              <a:t>Second level</a:t>
+            </a:r>
+          </a:p>
+          <a:p>
+            <a:pPr lvl="2"/>
+            <a:r>
+              <a:rPr lang="en-US"/>
+              <a:t>Third level</a:t>
+            </a:r>
+          </a:p>
+          <a:p>
+            <a:pPr lvl="3"/>
+            <a:r>
+              <a:rPr lang="en-US"/>
+              <a:t>Fourth level</a:t>
+            </a:r>
+          </a:p>
+          <a:p>
+            <a:pPr lvl="4"/>
+            <a:r>
+              <a:rPr lang="en-US"/>
+              <a:t>Fifth level</a:t>
+            </a:r>
+          </a:p>
+        </p:txBody>
+      </p:sp>
+      <p:sp>
+        <p:nvSpPr>
+          <p:cNvPr id="5" name="Text Placeholder 3"/>
+          <p:cNvSpPr>
+            <a:spLocks noGrp="1"/>
+          </p:cNvSpPr>
+          <p:nvPr>
+            <p:ph type="body" sz="quarter" idx="11"/>
+          </p:nvPr>
+        </p:nvSpPr>
+        <p:spPr>
+          <a:xfrm>
+            <a:off x="6544214" y="1189175"/>
+            <a:ext cx="5378548" cy="1877004"/>
+          </a:xfrm>
+        </p:spPr>
+        <p:txBody>
+          <a:bodyPr wrap="square">
+            <a:spAutoFit/>
+          </a:bodyPr>
+          <a:lstStyle>
+            <a:lvl1pPr marL="0" indent="0">
+              <a:spcBef>
+                <a:spcPts val="1200"/>
+              </a:spcBef>
+              <a:buClr>
+                <a:schemeClr val="tx1"/>
+              </a:buClr>
+              <a:buFont typeface="Wingdings" pitchFamily="2" charset="2"/>
+              <a:buNone/>
+              <a:defRPr sz="3137"/>
+            </a:lvl1pPr>
+            <a:lvl2pPr marL="0" indent="0">
+              <a:buNone/>
+              <a:defRPr sz="1961"/>
+            </a:lvl2pPr>
+            <a:lvl3pPr marL="227209" indent="0">
+              <a:buNone/>
+              <a:tabLst/>
+              <a:defRPr sz="1961"/>
+            </a:lvl3pPr>
+            <a:lvl4pPr marL="451306" indent="0">
+              <a:buNone/>
+              <a:defRPr/>
+            </a:lvl4pPr>
+            <a:lvl5pPr marL="672290" indent="0">
+              <a:buNone/>
+              <a:tabLst/>
+              <a:defRPr/>
+            </a:lvl5pPr>
+          </a:lstStyle>
+          <a:p>
+            <a:pPr lvl="0"/>
+            <a:r>
+              <a:rPr lang="en-US"/>
+              <a:t>Click to edit Master text styles</a:t>
+            </a:r>
+          </a:p>
+          <a:p>
+            <a:pPr lvl="1"/>
+            <a:r>
+              <a:rPr lang="en-US"/>
+              <a:t>Second level</a:t>
+            </a:r>
+          </a:p>
+          <a:p>
+            <a:pPr lvl="2"/>
+            <a:r>
+              <a:rPr lang="en-US"/>
+              <a:t>Third level</a:t>
+            </a:r>
+          </a:p>
+          <a:p>
+            <a:pPr lvl="3"/>
+            <a:r>
+              <a:rPr lang="en-US"/>
+              <a:t>Fourth level</a:t>
+            </a:r>
+          </a:p>
+          <a:p>
+            <a:pPr lvl="4"/>
+            <a:r>
+              <a:rPr lang="en-US"/>
+              <a:t>Fifth level</a:t>
+            </a:r>
+          </a:p>
+        </p:txBody>
+      </p:sp>
+    </p:spTree>
+    <p:extLst>
+      <p:ext uri="{BB962C8B-B14F-4D97-AF65-F5344CB8AC3E}">
+        <p14:creationId xmlns:p14="http://schemas.microsoft.com/office/powerpoint/2010/main" val="1880578272"/>
+      </p:ext>
+    </p:extLst>
+  </p:cSld>
+  <p:clrMapOvr>
+    <a:overrideClrMapping bg1="lt1" tx1="dk1" bg2="lt2" tx2="dk2" accent1="accent1" accent2="accent2" accent3="accent3" accent4="accent4" accent5="accent5" accent6="accent6" hlink="hlink" folHlink="folHlink"/>
   </p:clrMapOvr>
   <p:transition>
     <p:fade/>
@@ -2498,6 +3669,2563 @@
 </p:sldLayout>
 </file>
 
+<file path=ppt/slideLayouts/slideLayout20.xml><?xml version="1.0" encoding="utf-8"?>
+<p:sldLayout xmlns:a="http://schemas.openxmlformats.org/drawingml/2006/main" xmlns:r="http://schemas.openxmlformats.org/officeDocument/2006/relationships" xmlns:p="http://schemas.openxmlformats.org/presentationml/2006/main" preserve="1">
+  <p:cSld name="Title Only">
+    <p:bg>
+      <p:bgPr>
+        <a:solidFill>
+          <a:srgbClr val="F8F8F8"/>
+        </a:solidFill>
+        <a:effectLst/>
+      </p:bgPr>
+    </p:bg>
+    <p:spTree>
+      <p:nvGrpSpPr>
+        <p:cNvPr id="1" name=""/>
+        <p:cNvGrpSpPr/>
+        <p:nvPr/>
+      </p:nvGrpSpPr>
+      <p:grpSpPr>
+        <a:xfrm>
+          <a:off x="0" y="0"/>
+          <a:ext cx="0" cy="0"/>
+          <a:chOff x="0" y="0"/>
+          <a:chExt cx="0" cy="0"/>
+        </a:xfrm>
+      </p:grpSpPr>
+      <p:sp>
+        <p:nvSpPr>
+          <p:cNvPr id="2" name="Title 1"/>
+          <p:cNvSpPr>
+            <a:spLocks noGrp="1"/>
+          </p:cNvSpPr>
+          <p:nvPr>
+            <p:ph type="title"/>
+          </p:nvPr>
+        </p:nvSpPr>
+        <p:spPr/>
+        <p:txBody>
+          <a:bodyPr/>
+          <a:lstStyle/>
+          <a:p>
+            <a:r>
+              <a:rPr lang="en-US"/>
+              <a:t>Click to edit Master title style</a:t>
+            </a:r>
+          </a:p>
+        </p:txBody>
+      </p:sp>
+    </p:spTree>
+    <p:extLst>
+      <p:ext uri="{BB962C8B-B14F-4D97-AF65-F5344CB8AC3E}">
+        <p14:creationId xmlns:p14="http://schemas.microsoft.com/office/powerpoint/2010/main" val="2472371985"/>
+      </p:ext>
+    </p:extLst>
+  </p:cSld>
+  <p:clrMapOvr>
+    <a:overrideClrMapping bg1="lt1" tx1="dk1" bg2="lt2" tx2="dk2" accent1="accent1" accent2="accent2" accent3="accent3" accent4="accent4" accent5="accent5" accent6="accent6" hlink="hlink" folHlink="folHlink"/>
+  </p:clrMapOvr>
+  <p:transition>
+    <p:fade/>
+  </p:transition>
+</p:sldLayout>
+</file>
+
+<file path=ppt/slideLayouts/slideLayout21.xml><?xml version="1.0" encoding="utf-8"?>
+<p:sldLayout xmlns:a="http://schemas.openxmlformats.org/drawingml/2006/main" xmlns:r="http://schemas.openxmlformats.org/officeDocument/2006/relationships" xmlns:p="http://schemas.openxmlformats.org/presentationml/2006/main" preserve="1">
+  <p:cSld name="Video slide">
+    <p:bg>
+      <p:bgRef idx="1001">
+        <a:schemeClr val="bg2"/>
+      </p:bgRef>
+    </p:bg>
+    <p:spTree>
+      <p:nvGrpSpPr>
+        <p:cNvPr id="1" name=""/>
+        <p:cNvGrpSpPr/>
+        <p:nvPr/>
+      </p:nvGrpSpPr>
+      <p:grpSpPr>
+        <a:xfrm>
+          <a:off x="0" y="0"/>
+          <a:ext cx="0" cy="0"/>
+          <a:chOff x="0" y="0"/>
+          <a:chExt cx="0" cy="0"/>
+        </a:xfrm>
+      </p:grpSpPr>
+      <p:pic>
+        <p:nvPicPr>
+          <p:cNvPr id="2" name="Graphic 1">
+            <a:extLst>
+              <a:ext uri="{FF2B5EF4-FFF2-40B4-BE49-F238E27FC236}">
+                <a16:creationId xmlns:a16="http://schemas.microsoft.com/office/drawing/2014/main" id="{5E0A57BE-82BA-4DCD-B0B6-AC816A5C5DB7}"/>
+              </a:ext>
+            </a:extLst>
+          </p:cNvPr>
+          <p:cNvPicPr>
+            <a:picLocks noChangeAspect="1"/>
+          </p:cNvPicPr>
+          <p:nvPr/>
+        </p:nvPicPr>
+        <p:blipFill>
+          <a:blip r:embed="rId3">
+            <a:extLst>
+              <a:ext uri="{96DAC541-7B7A-43D3-8B79-37D633B846F1}">
+                <asvg:svgBlip xmlns:asvg="http://schemas.microsoft.com/office/drawing/2016/SVG/main" r:embed="rId4"/>
+              </a:ext>
+            </a:extLst>
+          </a:blip>
+          <a:stretch>
+            <a:fillRect/>
+          </a:stretch>
+        </p:blipFill>
+        <p:spPr>
+          <a:xfrm>
+            <a:off x="11430" y="0"/>
+            <a:ext cx="12169140" cy="6858000"/>
+          </a:xfrm>
+          <a:prstGeom prst="rect">
+            <a:avLst/>
+          </a:prstGeom>
+        </p:spPr>
+      </p:pic>
+      <p:pic>
+        <p:nvPicPr>
+          <p:cNvPr id="6" name="Picture 5"/>
+          <p:cNvPicPr>
+            <a:picLocks noChangeAspect="1"/>
+          </p:cNvPicPr>
+          <p:nvPr/>
+        </p:nvPicPr>
+        <p:blipFill rotWithShape="1">
+          <a:blip r:embed="rId5" cstate="print">
+            <a:extLst>
+              <a:ext uri="{28A0092B-C50C-407E-A947-70E740481C1C}">
+                <a14:useLocalDpi xmlns:a14="http://schemas.microsoft.com/office/drawing/2010/main"/>
+              </a:ext>
+            </a:extLst>
+          </a:blip>
+          <a:srcRect l="17176"/>
+          <a:stretch/>
+        </p:blipFill>
+        <p:spPr>
+          <a:xfrm>
+            <a:off x="0" y="798242"/>
+            <a:ext cx="5872872" cy="5096933"/>
+          </a:xfrm>
+          <a:prstGeom prst="rect">
+            <a:avLst/>
+          </a:prstGeom>
+        </p:spPr>
+      </p:pic>
+      <p:grpSp>
+        <p:nvGrpSpPr>
+          <p:cNvPr id="5" name="Group 4">
+            <a:extLst>
+              <a:ext uri="{FF2B5EF4-FFF2-40B4-BE49-F238E27FC236}">
+                <a16:creationId xmlns:a16="http://schemas.microsoft.com/office/drawing/2014/main" id="{90EF4A5C-345F-488C-AC5E-0AF3B8376036}"/>
+              </a:ext>
+            </a:extLst>
+          </p:cNvPr>
+          <p:cNvGrpSpPr/>
+          <p:nvPr/>
+        </p:nvGrpSpPr>
+        <p:grpSpPr>
+          <a:xfrm>
+            <a:off x="3019127" y="448578"/>
+            <a:ext cx="9646191" cy="6621296"/>
+            <a:chOff x="3019127" y="448578"/>
+            <a:chExt cx="9646191" cy="6621296"/>
+          </a:xfrm>
+        </p:grpSpPr>
+        <p:pic>
+          <p:nvPicPr>
+            <p:cNvPr id="7" name="Picture 6">
+              <a:extLst>
+                <a:ext uri="{FF2B5EF4-FFF2-40B4-BE49-F238E27FC236}">
+                  <a16:creationId xmlns:a16="http://schemas.microsoft.com/office/drawing/2014/main" id="{CC8E3C5F-48E2-412C-A5AF-F85384D5EE53}"/>
+                </a:ext>
+              </a:extLst>
+            </p:cNvPr>
+            <p:cNvPicPr>
+              <a:picLocks noChangeAspect="1"/>
+            </p:cNvPicPr>
+            <p:nvPr userDrawn="1"/>
+          </p:nvPicPr>
+          <p:blipFill>
+            <a:blip r:embed="rId6">
+              <a:extLst>
+                <a:ext uri="{28A0092B-C50C-407E-A947-70E740481C1C}">
+                  <a14:useLocalDpi xmlns:a14="http://schemas.microsoft.com/office/drawing/2010/main"/>
+                </a:ext>
+              </a:extLst>
+            </a:blip>
+            <a:stretch>
+              <a:fillRect/>
+            </a:stretch>
+          </p:blipFill>
+          <p:spPr>
+            <a:xfrm>
+              <a:off x="3019127" y="448578"/>
+              <a:ext cx="9172873" cy="6621296"/>
+            </a:xfrm>
+            <a:prstGeom prst="rect">
+              <a:avLst/>
+            </a:prstGeom>
+          </p:spPr>
+        </p:pic>
+        <p:sp>
+          <p:nvSpPr>
+            <p:cNvPr id="8" name="TextBox 7">
+              <a:extLst>
+                <a:ext uri="{FF2B5EF4-FFF2-40B4-BE49-F238E27FC236}">
+                  <a16:creationId xmlns:a16="http://schemas.microsoft.com/office/drawing/2014/main" id="{0A9EAD12-9B65-48D0-91A3-85F3DD932746}"/>
+                </a:ext>
+              </a:extLst>
+            </p:cNvPr>
+            <p:cNvSpPr txBox="1"/>
+            <p:nvPr userDrawn="1"/>
+          </p:nvSpPr>
+          <p:spPr>
+            <a:xfrm>
+              <a:off x="10792557" y="3506769"/>
+              <a:ext cx="1872761" cy="794064"/>
+            </a:xfrm>
+            <a:prstGeom prst="rect">
+              <a:avLst/>
+            </a:prstGeom>
+            <a:noFill/>
+          </p:spPr>
+          <p:txBody>
+            <a:bodyPr wrap="square" lIns="182880" tIns="146304" rIns="182880" bIns="146304" rtlCol="0">
+              <a:spAutoFit/>
+            </a:bodyPr>
+            <a:lstStyle/>
+            <a:p>
+              <a:pPr>
+                <a:lnSpc>
+                  <a:spcPct val="90000"/>
+                </a:lnSpc>
+                <a:spcAft>
+                  <a:spcPts val="600"/>
+                </a:spcAft>
+              </a:pPr>
+              <a:r>
+                <a:rPr lang="en-US" sz="3600" dirty="0">
+                  <a:solidFill>
+                    <a:schemeClr val="tx2">
+                      <a:alpha val="49000"/>
+                    </a:schemeClr>
+                  </a:solidFill>
+                </a:rPr>
+                <a:t>.NET</a:t>
+              </a:r>
+            </a:p>
+          </p:txBody>
+        </p:sp>
+      </p:grpSp>
+      <p:sp>
+        <p:nvSpPr>
+          <p:cNvPr id="12" name="Rectángulo 2">
+            <a:extLst>
+              <a:ext uri="{FF2B5EF4-FFF2-40B4-BE49-F238E27FC236}">
+                <a16:creationId xmlns:a16="http://schemas.microsoft.com/office/drawing/2014/main" id="{73CB6C71-09E8-4EC7-A61B-C7F3B62D2EC1}"/>
+              </a:ext>
+            </a:extLst>
+          </p:cNvPr>
+          <p:cNvSpPr/>
+          <p:nvPr>
+            <p:custDataLst>
+              <p:custData r:id="rId1"/>
+            </p:custDataLst>
+          </p:nvPr>
+        </p:nvSpPr>
+        <p:spPr>
+          <a:xfrm>
+            <a:off x="269384" y="6297908"/>
+            <a:ext cx="2436886" cy="480131"/>
+          </a:xfrm>
+          <a:prstGeom prst="rect">
+            <a:avLst/>
+          </a:prstGeom>
+        </p:spPr>
+        <p:txBody>
+          <a:bodyPr wrap="square">
+            <a:spAutoFit/>
+          </a:bodyPr>
+          <a:lstStyle/>
+          <a:p>
+            <a:pPr algn="ctr">
+              <a:lnSpc>
+                <a:spcPct val="90000"/>
+              </a:lnSpc>
+              <a:spcAft>
+                <a:spcPts val="600"/>
+              </a:spcAft>
+            </a:pPr>
+            <a:r>
+              <a:rPr lang="es-ES" sz="2800" b="1" u="none" dirty="0">
+                <a:solidFill>
+                  <a:schemeClr val="tx2"/>
+                </a:solidFill>
+              </a:rPr>
+              <a:t>#</a:t>
+            </a:r>
+            <a:r>
+              <a:rPr lang="es-ES" sz="2800" b="1" u="none" dirty="0" err="1">
+                <a:solidFill>
+                  <a:schemeClr val="tx2"/>
+                </a:solidFill>
+              </a:rPr>
+              <a:t>NetConfBcn</a:t>
+            </a:r>
+            <a:endParaRPr lang="en-US" sz="2800" b="1" u="none" dirty="0">
+              <a:solidFill>
+                <a:schemeClr val="tx2"/>
+              </a:solidFill>
+            </a:endParaRPr>
+          </a:p>
+        </p:txBody>
+      </p:sp>
+      <p:pic>
+        <p:nvPicPr>
+          <p:cNvPr id="9" name="Graphic 8">
+            <a:extLst>
+              <a:ext uri="{FF2B5EF4-FFF2-40B4-BE49-F238E27FC236}">
+                <a16:creationId xmlns:a16="http://schemas.microsoft.com/office/drawing/2014/main" id="{35B525EE-F7AF-4E2E-8D8D-5875242BCB8B}"/>
+              </a:ext>
+            </a:extLst>
+          </p:cNvPr>
+          <p:cNvPicPr>
+            <a:picLocks noChangeAspect="1"/>
+          </p:cNvPicPr>
+          <p:nvPr userDrawn="1"/>
+        </p:nvPicPr>
+        <p:blipFill>
+          <a:blip r:embed="rId3">
+            <a:extLst>
+              <a:ext uri="{96DAC541-7B7A-43D3-8B79-37D633B846F1}">
+                <asvg:svgBlip xmlns:asvg="http://schemas.microsoft.com/office/drawing/2016/SVG/main" r:embed="rId4"/>
+              </a:ext>
+            </a:extLst>
+          </a:blip>
+          <a:stretch>
+            <a:fillRect/>
+          </a:stretch>
+        </p:blipFill>
+        <p:spPr>
+          <a:xfrm>
+            <a:off x="11430" y="0"/>
+            <a:ext cx="12169140" cy="6858000"/>
+          </a:xfrm>
+          <a:prstGeom prst="rect">
+            <a:avLst/>
+          </a:prstGeom>
+        </p:spPr>
+      </p:pic>
+      <p:grpSp>
+        <p:nvGrpSpPr>
+          <p:cNvPr id="10" name="Group 9">
+            <a:extLst>
+              <a:ext uri="{FF2B5EF4-FFF2-40B4-BE49-F238E27FC236}">
+                <a16:creationId xmlns:a16="http://schemas.microsoft.com/office/drawing/2014/main" id="{23E25A0E-D015-41F0-B52D-FCDAAE74A314}"/>
+              </a:ext>
+            </a:extLst>
+          </p:cNvPr>
+          <p:cNvGrpSpPr/>
+          <p:nvPr userDrawn="1"/>
+        </p:nvGrpSpPr>
+        <p:grpSpPr>
+          <a:xfrm>
+            <a:off x="3019127" y="448578"/>
+            <a:ext cx="9646191" cy="6621296"/>
+            <a:chOff x="3019127" y="448578"/>
+            <a:chExt cx="9646191" cy="6621296"/>
+          </a:xfrm>
+        </p:grpSpPr>
+        <p:pic>
+          <p:nvPicPr>
+            <p:cNvPr id="11" name="Picture 10">
+              <a:extLst>
+                <a:ext uri="{FF2B5EF4-FFF2-40B4-BE49-F238E27FC236}">
+                  <a16:creationId xmlns:a16="http://schemas.microsoft.com/office/drawing/2014/main" id="{357A4A87-225D-414C-9A60-CFDD67A44DB5}"/>
+                </a:ext>
+              </a:extLst>
+            </p:cNvPr>
+            <p:cNvPicPr>
+              <a:picLocks noChangeAspect="1"/>
+            </p:cNvPicPr>
+            <p:nvPr userDrawn="1"/>
+          </p:nvPicPr>
+          <p:blipFill>
+            <a:blip r:embed="rId6">
+              <a:extLst>
+                <a:ext uri="{28A0092B-C50C-407E-A947-70E740481C1C}">
+                  <a14:useLocalDpi xmlns:a14="http://schemas.microsoft.com/office/drawing/2010/main"/>
+                </a:ext>
+              </a:extLst>
+            </a:blip>
+            <a:stretch>
+              <a:fillRect/>
+            </a:stretch>
+          </p:blipFill>
+          <p:spPr>
+            <a:xfrm>
+              <a:off x="3019127" y="448578"/>
+              <a:ext cx="9172873" cy="6621296"/>
+            </a:xfrm>
+            <a:prstGeom prst="rect">
+              <a:avLst/>
+            </a:prstGeom>
+          </p:spPr>
+        </p:pic>
+        <p:sp>
+          <p:nvSpPr>
+            <p:cNvPr id="13" name="TextBox 12">
+              <a:extLst>
+                <a:ext uri="{FF2B5EF4-FFF2-40B4-BE49-F238E27FC236}">
+                  <a16:creationId xmlns:a16="http://schemas.microsoft.com/office/drawing/2014/main" id="{5EE914D1-3C17-4172-B9EF-1D977CFE3F38}"/>
+                </a:ext>
+              </a:extLst>
+            </p:cNvPr>
+            <p:cNvSpPr txBox="1"/>
+            <p:nvPr userDrawn="1"/>
+          </p:nvSpPr>
+          <p:spPr>
+            <a:xfrm>
+              <a:off x="10792557" y="3506769"/>
+              <a:ext cx="1872761" cy="794064"/>
+            </a:xfrm>
+            <a:prstGeom prst="rect">
+              <a:avLst/>
+            </a:prstGeom>
+            <a:noFill/>
+          </p:spPr>
+          <p:txBody>
+            <a:bodyPr wrap="square" lIns="182880" tIns="146304" rIns="182880" bIns="146304" rtlCol="0">
+              <a:spAutoFit/>
+            </a:bodyPr>
+            <a:lstStyle/>
+            <a:p>
+              <a:pPr>
+                <a:lnSpc>
+                  <a:spcPct val="90000"/>
+                </a:lnSpc>
+                <a:spcAft>
+                  <a:spcPts val="600"/>
+                </a:spcAft>
+              </a:pPr>
+              <a:r>
+                <a:rPr lang="en-US" sz="3600" dirty="0">
+                  <a:solidFill>
+                    <a:schemeClr val="tx2">
+                      <a:alpha val="49000"/>
+                    </a:schemeClr>
+                  </a:solidFill>
+                </a:rPr>
+                <a:t>.NET</a:t>
+              </a:r>
+            </a:p>
+          </p:txBody>
+        </p:sp>
+      </p:grpSp>
+    </p:spTree>
+    <p:extLst>
+      <p:ext uri="{BB962C8B-B14F-4D97-AF65-F5344CB8AC3E}">
+        <p14:creationId xmlns:p14="http://schemas.microsoft.com/office/powerpoint/2010/main" val="1338239692"/>
+      </p:ext>
+    </p:extLst>
+  </p:cSld>
+  <p:clrMapOvr>
+    <a:overrideClrMapping bg1="dk1" tx1="lt1" bg2="dk2" tx2="lt2" accent1="accent1" accent2="accent2" accent3="accent3" accent4="accent4" accent5="accent5" accent6="accent6" hlink="hlink" folHlink="folHlink"/>
+  </p:clrMapOvr>
+  <mc:AlternateContent xmlns:mc="http://schemas.openxmlformats.org/markup-compatibility/2006" xmlns:p14="http://schemas.microsoft.com/office/powerpoint/2010/main">
+    <mc:Choice Requires="p14">
+      <p:transition spd="slow" p14:dur="3400">
+        <p14:reveal/>
+      </p:transition>
+    </mc:Choice>
+    <mc:Fallback xmlns="">
+      <p:transition spd="slow">
+        <p:fade/>
+      </p:transition>
+    </mc:Fallback>
+  </mc:AlternateContent>
+</p:sldLayout>
+</file>
+
+<file path=ppt/slideLayouts/slideLayout22.xml><?xml version="1.0" encoding="utf-8"?>
+<p:sldLayout xmlns:a="http://schemas.openxmlformats.org/drawingml/2006/main" xmlns:r="http://schemas.openxmlformats.org/officeDocument/2006/relationships" xmlns:p="http://schemas.openxmlformats.org/presentationml/2006/main" preserve="1">
+  <p:cSld name="Demo slide">
+    <p:bg>
+      <p:bgRef idx="1001">
+        <a:schemeClr val="bg2"/>
+      </p:bgRef>
+    </p:bg>
+    <p:spTree>
+      <p:nvGrpSpPr>
+        <p:cNvPr id="1" name=""/>
+        <p:cNvGrpSpPr/>
+        <p:nvPr/>
+      </p:nvGrpSpPr>
+      <p:grpSpPr>
+        <a:xfrm>
+          <a:off x="0" y="0"/>
+          <a:ext cx="0" cy="0"/>
+          <a:chOff x="0" y="0"/>
+          <a:chExt cx="0" cy="0"/>
+        </a:xfrm>
+      </p:grpSpPr>
+      <p:sp>
+        <p:nvSpPr>
+          <p:cNvPr id="2" name="Title 1"/>
+          <p:cNvSpPr>
+            <a:spLocks noGrp="1"/>
+          </p:cNvSpPr>
+          <p:nvPr>
+            <p:ph type="title" hasCustomPrompt="1"/>
+          </p:nvPr>
+        </p:nvSpPr>
+        <p:spPr>
+          <a:xfrm>
+            <a:off x="1285498" y="2881341"/>
+            <a:ext cx="10010687" cy="1015663"/>
+          </a:xfrm>
+          <a:noFill/>
+        </p:spPr>
+        <p:txBody>
+          <a:bodyPr wrap="square" tIns="91440" bIns="91440" anchor="t" anchorCtr="0">
+            <a:spAutoFit/>
+          </a:bodyPr>
+          <a:lstStyle>
+            <a:lvl1pPr>
+              <a:defRPr sz="6000" spc="-98" baseline="0">
+                <a:gradFill>
+                  <a:gsLst>
+                    <a:gs pos="0">
+                      <a:schemeClr val="tx1"/>
+                    </a:gs>
+                    <a:gs pos="100000">
+                      <a:schemeClr val="tx1"/>
+                    </a:gs>
+                  </a:gsLst>
+                  <a:lin ang="5400000" scaled="0"/>
+                </a:gradFill>
+              </a:defRPr>
+            </a:lvl1pPr>
+          </a:lstStyle>
+          <a:p>
+            <a:r>
+              <a:rPr lang="en-US" dirty="0"/>
+              <a:t>Demo</a:t>
+            </a:r>
+          </a:p>
+        </p:txBody>
+      </p:sp>
+      <p:sp>
+        <p:nvSpPr>
+          <p:cNvPr id="6" name="Rectangle 5"/>
+          <p:cNvSpPr/>
+          <p:nvPr/>
+        </p:nvSpPr>
+        <p:spPr bwMode="auto">
+          <a:xfrm>
+            <a:off x="880949" y="1070515"/>
+            <a:ext cx="10415239" cy="4638908"/>
+          </a:xfrm>
+          <a:prstGeom prst="rect">
+            <a:avLst/>
+          </a:prstGeom>
+          <a:noFill/>
+          <a:ln w="12700">
+            <a:solidFill>
+              <a:schemeClr val="tx1"/>
+            </a:solidFill>
+            <a:headEnd type="none" w="med" len="med"/>
+            <a:tailEnd type="none" w="med" len="med"/>
+          </a:ln>
+          <a:effectLst/>
+        </p:spPr>
+        <p:style>
+          <a:lnRef idx="1">
+            <a:schemeClr val="accent2"/>
+          </a:lnRef>
+          <a:fillRef idx="3">
+            <a:schemeClr val="accent2"/>
+          </a:fillRef>
+          <a:effectRef idx="2">
+            <a:schemeClr val="accent2"/>
+          </a:effectRef>
+          <a:fontRef idx="minor">
+            <a:schemeClr val="lt1"/>
+          </a:fontRef>
+        </p:style>
+        <p:txBody>
+          <a:bodyPr rot="0" spcFirstLastPara="0" vertOverflow="overflow" horzOverflow="overflow" vert="horz" wrap="square" lIns="182880" tIns="146304" rIns="182880" bIns="146304" numCol="1" spcCol="0" rtlCol="0" fromWordArt="0" anchor="t" anchorCtr="0" forceAA="0" compatLnSpc="1">
+            <a:prstTxWarp prst="textNoShape">
+              <a:avLst/>
+            </a:prstTxWarp>
+            <a:noAutofit/>
+          </a:bodyPr>
+          <a:lstStyle/>
+          <a:p>
+            <a:pPr algn="ctr" defTabSz="932472" fontAlgn="base">
+              <a:lnSpc>
+                <a:spcPct val="90000"/>
+              </a:lnSpc>
+              <a:spcBef>
+                <a:spcPct val="0"/>
+              </a:spcBef>
+              <a:spcAft>
+                <a:spcPct val="0"/>
+              </a:spcAft>
+            </a:pPr>
+            <a:endParaRPr lang="en-US" sz="2400" err="1">
+              <a:gradFill>
+                <a:gsLst>
+                  <a:gs pos="0">
+                    <a:srgbClr val="FFFFFF"/>
+                  </a:gs>
+                  <a:gs pos="100000">
+                    <a:srgbClr val="FFFFFF"/>
+                  </a:gs>
+                </a:gsLst>
+                <a:lin ang="5400000" scaled="0"/>
+              </a:gradFill>
+              <a:ea typeface="Segoe UI" pitchFamily="34" charset="0"/>
+              <a:cs typeface="Segoe UI" pitchFamily="34" charset="0"/>
+            </a:endParaRPr>
+          </a:p>
+        </p:txBody>
+      </p:sp>
+      <p:grpSp>
+        <p:nvGrpSpPr>
+          <p:cNvPr id="7" name="Group 6">
+            <a:extLst>
+              <a:ext uri="{FF2B5EF4-FFF2-40B4-BE49-F238E27FC236}">
+                <a16:creationId xmlns:a16="http://schemas.microsoft.com/office/drawing/2014/main" id="{97550BA1-B17C-488A-B13B-EAE642576B33}"/>
+              </a:ext>
+            </a:extLst>
+          </p:cNvPr>
+          <p:cNvGrpSpPr/>
+          <p:nvPr/>
+        </p:nvGrpSpPr>
+        <p:grpSpPr>
+          <a:xfrm>
+            <a:off x="2112911" y="118352"/>
+            <a:ext cx="9646191" cy="6621296"/>
+            <a:chOff x="3019127" y="448578"/>
+            <a:chExt cx="9646191" cy="6621296"/>
+          </a:xfrm>
+        </p:grpSpPr>
+        <p:pic>
+          <p:nvPicPr>
+            <p:cNvPr id="8" name="Picture 7">
+              <a:extLst>
+                <a:ext uri="{FF2B5EF4-FFF2-40B4-BE49-F238E27FC236}">
+                  <a16:creationId xmlns:a16="http://schemas.microsoft.com/office/drawing/2014/main" id="{26C5F131-CDD3-4833-8C45-E235D5E9F73B}"/>
+                </a:ext>
+              </a:extLst>
+            </p:cNvPr>
+            <p:cNvPicPr>
+              <a:picLocks noChangeAspect="1"/>
+            </p:cNvPicPr>
+            <p:nvPr userDrawn="1"/>
+          </p:nvPicPr>
+          <p:blipFill>
+            <a:blip r:embed="rId3">
+              <a:extLst>
+                <a:ext uri="{28A0092B-C50C-407E-A947-70E740481C1C}">
+                  <a14:useLocalDpi xmlns:a14="http://schemas.microsoft.com/office/drawing/2010/main"/>
+                </a:ext>
+              </a:extLst>
+            </a:blip>
+            <a:stretch>
+              <a:fillRect/>
+            </a:stretch>
+          </p:blipFill>
+          <p:spPr>
+            <a:xfrm>
+              <a:off x="3019127" y="448578"/>
+              <a:ext cx="9172873" cy="6621296"/>
+            </a:xfrm>
+            <a:prstGeom prst="rect">
+              <a:avLst/>
+            </a:prstGeom>
+          </p:spPr>
+        </p:pic>
+        <p:sp>
+          <p:nvSpPr>
+            <p:cNvPr id="9" name="TextBox 8">
+              <a:extLst>
+                <a:ext uri="{FF2B5EF4-FFF2-40B4-BE49-F238E27FC236}">
+                  <a16:creationId xmlns:a16="http://schemas.microsoft.com/office/drawing/2014/main" id="{9DBC19F9-263B-4FF9-BEAE-41F5BF5689F3}"/>
+                </a:ext>
+              </a:extLst>
+            </p:cNvPr>
+            <p:cNvSpPr txBox="1"/>
+            <p:nvPr userDrawn="1"/>
+          </p:nvSpPr>
+          <p:spPr>
+            <a:xfrm>
+              <a:off x="10792557" y="3506769"/>
+              <a:ext cx="1872761" cy="794064"/>
+            </a:xfrm>
+            <a:prstGeom prst="rect">
+              <a:avLst/>
+            </a:prstGeom>
+            <a:noFill/>
+          </p:spPr>
+          <p:txBody>
+            <a:bodyPr wrap="square" lIns="182880" tIns="146304" rIns="182880" bIns="146304" rtlCol="0">
+              <a:spAutoFit/>
+            </a:bodyPr>
+            <a:lstStyle/>
+            <a:p>
+              <a:pPr>
+                <a:lnSpc>
+                  <a:spcPct val="90000"/>
+                </a:lnSpc>
+                <a:spcAft>
+                  <a:spcPts val="600"/>
+                </a:spcAft>
+              </a:pPr>
+              <a:r>
+                <a:rPr lang="en-US" sz="3600" dirty="0">
+                  <a:solidFill>
+                    <a:schemeClr val="tx2">
+                      <a:alpha val="49000"/>
+                    </a:schemeClr>
+                  </a:solidFill>
+                </a:rPr>
+                <a:t>.NET</a:t>
+              </a:r>
+            </a:p>
+          </p:txBody>
+        </p:sp>
+      </p:grpSp>
+      <p:pic>
+        <p:nvPicPr>
+          <p:cNvPr id="3" name="Graphic 2">
+            <a:extLst>
+              <a:ext uri="{FF2B5EF4-FFF2-40B4-BE49-F238E27FC236}">
+                <a16:creationId xmlns:a16="http://schemas.microsoft.com/office/drawing/2014/main" id="{01202919-2AB2-4208-B4CC-1AAF68D6BF31}"/>
+              </a:ext>
+            </a:extLst>
+          </p:cNvPr>
+          <p:cNvPicPr>
+            <a:picLocks noChangeAspect="1"/>
+          </p:cNvPicPr>
+          <p:nvPr/>
+        </p:nvPicPr>
+        <p:blipFill>
+          <a:blip r:embed="rId4">
+            <a:extLst>
+              <a:ext uri="{96DAC541-7B7A-43D3-8B79-37D633B846F1}">
+                <asvg:svgBlip xmlns:asvg="http://schemas.microsoft.com/office/drawing/2016/SVG/main" r:embed="rId5"/>
+              </a:ext>
+            </a:extLst>
+          </a:blip>
+          <a:stretch>
+            <a:fillRect/>
+          </a:stretch>
+        </p:blipFill>
+        <p:spPr>
+          <a:xfrm>
+            <a:off x="11430" y="0"/>
+            <a:ext cx="12169140" cy="6858000"/>
+          </a:xfrm>
+          <a:prstGeom prst="rect">
+            <a:avLst/>
+          </a:prstGeom>
+        </p:spPr>
+      </p:pic>
+      <p:sp>
+        <p:nvSpPr>
+          <p:cNvPr id="13" name="Rectángulo 2">
+            <a:extLst>
+              <a:ext uri="{FF2B5EF4-FFF2-40B4-BE49-F238E27FC236}">
+                <a16:creationId xmlns:a16="http://schemas.microsoft.com/office/drawing/2014/main" id="{6ADD93EB-9E26-4FAB-A574-64DC0908D854}"/>
+              </a:ext>
+            </a:extLst>
+          </p:cNvPr>
+          <p:cNvSpPr/>
+          <p:nvPr>
+            <p:custDataLst>
+              <p:custData r:id="rId1"/>
+            </p:custDataLst>
+          </p:nvPr>
+        </p:nvSpPr>
+        <p:spPr>
+          <a:xfrm>
+            <a:off x="269384" y="6297908"/>
+            <a:ext cx="2436886" cy="480131"/>
+          </a:xfrm>
+          <a:prstGeom prst="rect">
+            <a:avLst/>
+          </a:prstGeom>
+        </p:spPr>
+        <p:txBody>
+          <a:bodyPr wrap="square">
+            <a:spAutoFit/>
+          </a:bodyPr>
+          <a:lstStyle/>
+          <a:p>
+            <a:pPr algn="ctr">
+              <a:lnSpc>
+                <a:spcPct val="90000"/>
+              </a:lnSpc>
+              <a:spcAft>
+                <a:spcPts val="600"/>
+              </a:spcAft>
+            </a:pPr>
+            <a:r>
+              <a:rPr lang="es-ES" sz="2800" b="1" u="none" dirty="0">
+                <a:solidFill>
+                  <a:schemeClr val="tx2"/>
+                </a:solidFill>
+              </a:rPr>
+              <a:t>#</a:t>
+            </a:r>
+            <a:r>
+              <a:rPr lang="es-ES" sz="2800" b="1" u="none" dirty="0" err="1">
+                <a:solidFill>
+                  <a:schemeClr val="tx2"/>
+                </a:solidFill>
+              </a:rPr>
+              <a:t>NetConfBcn</a:t>
+            </a:r>
+            <a:endParaRPr lang="en-US" sz="2800" b="1" u="none" dirty="0">
+              <a:solidFill>
+                <a:schemeClr val="tx2"/>
+              </a:solidFill>
+            </a:endParaRPr>
+          </a:p>
+        </p:txBody>
+      </p:sp>
+      <p:grpSp>
+        <p:nvGrpSpPr>
+          <p:cNvPr id="10" name="Group 9">
+            <a:extLst>
+              <a:ext uri="{FF2B5EF4-FFF2-40B4-BE49-F238E27FC236}">
+                <a16:creationId xmlns:a16="http://schemas.microsoft.com/office/drawing/2014/main" id="{599302C1-ADE8-4ECE-A5FB-126272E18317}"/>
+              </a:ext>
+            </a:extLst>
+          </p:cNvPr>
+          <p:cNvGrpSpPr/>
+          <p:nvPr userDrawn="1"/>
+        </p:nvGrpSpPr>
+        <p:grpSpPr>
+          <a:xfrm>
+            <a:off x="2112911" y="118352"/>
+            <a:ext cx="9646191" cy="6621296"/>
+            <a:chOff x="3019127" y="448578"/>
+            <a:chExt cx="9646191" cy="6621296"/>
+          </a:xfrm>
+        </p:grpSpPr>
+        <p:pic>
+          <p:nvPicPr>
+            <p:cNvPr id="11" name="Picture 10">
+              <a:extLst>
+                <a:ext uri="{FF2B5EF4-FFF2-40B4-BE49-F238E27FC236}">
+                  <a16:creationId xmlns:a16="http://schemas.microsoft.com/office/drawing/2014/main" id="{ABBDB4DA-FA10-48E8-B1C2-6BB20FF5C3FF}"/>
+                </a:ext>
+              </a:extLst>
+            </p:cNvPr>
+            <p:cNvPicPr>
+              <a:picLocks noChangeAspect="1"/>
+            </p:cNvPicPr>
+            <p:nvPr userDrawn="1"/>
+          </p:nvPicPr>
+          <p:blipFill>
+            <a:blip r:embed="rId3">
+              <a:extLst>
+                <a:ext uri="{28A0092B-C50C-407E-A947-70E740481C1C}">
+                  <a14:useLocalDpi xmlns:a14="http://schemas.microsoft.com/office/drawing/2010/main"/>
+                </a:ext>
+              </a:extLst>
+            </a:blip>
+            <a:stretch>
+              <a:fillRect/>
+            </a:stretch>
+          </p:blipFill>
+          <p:spPr>
+            <a:xfrm>
+              <a:off x="3019127" y="448578"/>
+              <a:ext cx="9172873" cy="6621296"/>
+            </a:xfrm>
+            <a:prstGeom prst="rect">
+              <a:avLst/>
+            </a:prstGeom>
+          </p:spPr>
+        </p:pic>
+        <p:sp>
+          <p:nvSpPr>
+            <p:cNvPr id="12" name="TextBox 11">
+              <a:extLst>
+                <a:ext uri="{FF2B5EF4-FFF2-40B4-BE49-F238E27FC236}">
+                  <a16:creationId xmlns:a16="http://schemas.microsoft.com/office/drawing/2014/main" id="{500C7DBC-1AE1-40AA-97C7-DE3A1833EC96}"/>
+                </a:ext>
+              </a:extLst>
+            </p:cNvPr>
+            <p:cNvSpPr txBox="1"/>
+            <p:nvPr userDrawn="1"/>
+          </p:nvSpPr>
+          <p:spPr>
+            <a:xfrm>
+              <a:off x="10792557" y="3506769"/>
+              <a:ext cx="1872761" cy="794064"/>
+            </a:xfrm>
+            <a:prstGeom prst="rect">
+              <a:avLst/>
+            </a:prstGeom>
+            <a:noFill/>
+          </p:spPr>
+          <p:txBody>
+            <a:bodyPr wrap="square" lIns="182880" tIns="146304" rIns="182880" bIns="146304" rtlCol="0">
+              <a:spAutoFit/>
+            </a:bodyPr>
+            <a:lstStyle/>
+            <a:p>
+              <a:pPr>
+                <a:lnSpc>
+                  <a:spcPct val="90000"/>
+                </a:lnSpc>
+                <a:spcAft>
+                  <a:spcPts val="600"/>
+                </a:spcAft>
+              </a:pPr>
+              <a:r>
+                <a:rPr lang="en-US" sz="3600" dirty="0">
+                  <a:solidFill>
+                    <a:schemeClr val="tx2">
+                      <a:alpha val="49000"/>
+                    </a:schemeClr>
+                  </a:solidFill>
+                </a:rPr>
+                <a:t>.NET</a:t>
+              </a:r>
+            </a:p>
+          </p:txBody>
+        </p:sp>
+      </p:grpSp>
+      <p:pic>
+        <p:nvPicPr>
+          <p:cNvPr id="14" name="Graphic 13">
+            <a:extLst>
+              <a:ext uri="{FF2B5EF4-FFF2-40B4-BE49-F238E27FC236}">
+                <a16:creationId xmlns:a16="http://schemas.microsoft.com/office/drawing/2014/main" id="{69C7B48B-114B-41B4-BDB7-E90FA20D2188}"/>
+              </a:ext>
+            </a:extLst>
+          </p:cNvPr>
+          <p:cNvPicPr>
+            <a:picLocks noChangeAspect="1"/>
+          </p:cNvPicPr>
+          <p:nvPr userDrawn="1"/>
+        </p:nvPicPr>
+        <p:blipFill>
+          <a:blip r:embed="rId4">
+            <a:extLst>
+              <a:ext uri="{96DAC541-7B7A-43D3-8B79-37D633B846F1}">
+                <asvg:svgBlip xmlns:asvg="http://schemas.microsoft.com/office/drawing/2016/SVG/main" r:embed="rId5"/>
+              </a:ext>
+            </a:extLst>
+          </a:blip>
+          <a:stretch>
+            <a:fillRect/>
+          </a:stretch>
+        </p:blipFill>
+        <p:spPr>
+          <a:xfrm>
+            <a:off x="11430" y="0"/>
+            <a:ext cx="12169140" cy="6858000"/>
+          </a:xfrm>
+          <a:prstGeom prst="rect">
+            <a:avLst/>
+          </a:prstGeom>
+        </p:spPr>
+      </p:pic>
+    </p:spTree>
+    <p:extLst>
+      <p:ext uri="{BB962C8B-B14F-4D97-AF65-F5344CB8AC3E}">
+        <p14:creationId xmlns:p14="http://schemas.microsoft.com/office/powerpoint/2010/main" val="2202177123"/>
+      </p:ext>
+    </p:extLst>
+  </p:cSld>
+  <p:clrMapOvr>
+    <a:overrideClrMapping bg1="dk1" tx1="lt1" bg2="dk2" tx2="lt2" accent1="accent1" accent2="accent2" accent3="accent3" accent4="accent4" accent5="accent5" accent6="accent6" hlink="hlink" folHlink="folHlink"/>
+  </p:clrMapOvr>
+  <mc:AlternateContent xmlns:mc="http://schemas.openxmlformats.org/markup-compatibility/2006" xmlns:p14="http://schemas.microsoft.com/office/powerpoint/2010/main">
+    <mc:Choice Requires="p14">
+      <p:transition spd="slow" p14:dur="3400">
+        <p14:reveal/>
+      </p:transition>
+    </mc:Choice>
+    <mc:Fallback xmlns="">
+      <p:transition spd="slow">
+        <p:fade/>
+      </p:transition>
+    </mc:Fallback>
+  </mc:AlternateContent>
+</p:sldLayout>
+</file>
+
+<file path=ppt/slideLayouts/slideLayout23.xml><?xml version="1.0" encoding="utf-8"?>
+<p:sldLayout xmlns:a="http://schemas.openxmlformats.org/drawingml/2006/main" xmlns:r="http://schemas.openxmlformats.org/officeDocument/2006/relationships" xmlns:p="http://schemas.openxmlformats.org/presentationml/2006/main" preserve="1">
+  <p:cSld name="Section Title Plain">
+    <p:bg>
+      <p:bgRef idx="1001">
+        <a:schemeClr val="bg2"/>
+      </p:bgRef>
+    </p:bg>
+    <p:spTree>
+      <p:nvGrpSpPr>
+        <p:cNvPr id="1" name=""/>
+        <p:cNvGrpSpPr/>
+        <p:nvPr/>
+      </p:nvGrpSpPr>
+      <p:grpSpPr>
+        <a:xfrm>
+          <a:off x="0" y="0"/>
+          <a:ext cx="0" cy="0"/>
+          <a:chOff x="0" y="0"/>
+          <a:chExt cx="0" cy="0"/>
+        </a:xfrm>
+      </p:grpSpPr>
+      <p:pic>
+        <p:nvPicPr>
+          <p:cNvPr id="2" name="Graphic 1">
+            <a:extLst>
+              <a:ext uri="{FF2B5EF4-FFF2-40B4-BE49-F238E27FC236}">
+                <a16:creationId xmlns:a16="http://schemas.microsoft.com/office/drawing/2014/main" id="{344B1990-E922-475D-BDA2-9E23A047A14F}"/>
+              </a:ext>
+            </a:extLst>
+          </p:cNvPr>
+          <p:cNvPicPr>
+            <a:picLocks noChangeAspect="1"/>
+          </p:cNvPicPr>
+          <p:nvPr/>
+        </p:nvPicPr>
+        <p:blipFill>
+          <a:blip r:embed="rId3">
+            <a:extLst>
+              <a:ext uri="{96DAC541-7B7A-43D3-8B79-37D633B846F1}">
+                <asvg:svgBlip xmlns:asvg="http://schemas.microsoft.com/office/drawing/2016/SVG/main" r:embed="rId4"/>
+              </a:ext>
+            </a:extLst>
+          </a:blip>
+          <a:stretch>
+            <a:fillRect/>
+          </a:stretch>
+        </p:blipFill>
+        <p:spPr>
+          <a:xfrm>
+            <a:off x="11430" y="0"/>
+            <a:ext cx="12169140" cy="6858000"/>
+          </a:xfrm>
+          <a:prstGeom prst="rect">
+            <a:avLst/>
+          </a:prstGeom>
+        </p:spPr>
+      </p:pic>
+      <p:sp>
+        <p:nvSpPr>
+          <p:cNvPr id="3" name="Title 1"/>
+          <p:cNvSpPr>
+            <a:spLocks noGrp="1"/>
+          </p:cNvSpPr>
+          <p:nvPr>
+            <p:ph type="title" hasCustomPrompt="1"/>
+          </p:nvPr>
+        </p:nvSpPr>
+        <p:spPr>
+          <a:xfrm>
+            <a:off x="568047" y="2084172"/>
+            <a:ext cx="11354714" cy="1158793"/>
+          </a:xfrm>
+          <a:noFill/>
+        </p:spPr>
+        <p:txBody>
+          <a:bodyPr wrap="square" tIns="91440" bIns="91440" anchor="t" anchorCtr="0">
+            <a:spAutoFit/>
+          </a:bodyPr>
+          <a:lstStyle>
+            <a:lvl1pPr>
+              <a:defRPr sz="7058" spc="-98" baseline="0">
+                <a:solidFill>
+                  <a:schemeClr val="tx1"/>
+                </a:solidFill>
+              </a:defRPr>
+            </a:lvl1pPr>
+          </a:lstStyle>
+          <a:p>
+            <a:r>
+              <a:rPr lang="en-US"/>
+              <a:t>Section title</a:t>
+            </a:r>
+          </a:p>
+        </p:txBody>
+      </p:sp>
+      <p:pic>
+        <p:nvPicPr>
+          <p:cNvPr id="17" name="Picture 16">
+            <a:extLst>
+              <a:ext uri="{FF2B5EF4-FFF2-40B4-BE49-F238E27FC236}">
+                <a16:creationId xmlns:a16="http://schemas.microsoft.com/office/drawing/2014/main" id="{14FDA669-E474-4468-AC09-ED6F4A19D7A0}"/>
+              </a:ext>
+            </a:extLst>
+          </p:cNvPr>
+          <p:cNvPicPr>
+            <a:picLocks noChangeAspect="1"/>
+          </p:cNvPicPr>
+          <p:nvPr/>
+        </p:nvPicPr>
+        <p:blipFill>
+          <a:blip r:embed="rId5">
+            <a:extLst>
+              <a:ext uri="{28A0092B-C50C-407E-A947-70E740481C1C}">
+                <a14:useLocalDpi xmlns:a14="http://schemas.microsoft.com/office/drawing/2010/main"/>
+              </a:ext>
+            </a:extLst>
+          </a:blip>
+          <a:stretch>
+            <a:fillRect/>
+          </a:stretch>
+        </p:blipFill>
+        <p:spPr>
+          <a:xfrm>
+            <a:off x="3009404" y="448578"/>
+            <a:ext cx="9172873" cy="6621296"/>
+          </a:xfrm>
+          <a:prstGeom prst="rect">
+            <a:avLst/>
+          </a:prstGeom>
+        </p:spPr>
+      </p:pic>
+      <p:sp>
+        <p:nvSpPr>
+          <p:cNvPr id="18" name="TextBox 17">
+            <a:extLst>
+              <a:ext uri="{FF2B5EF4-FFF2-40B4-BE49-F238E27FC236}">
+                <a16:creationId xmlns:a16="http://schemas.microsoft.com/office/drawing/2014/main" id="{64B34822-29D0-402A-B058-E76EB9B985CC}"/>
+              </a:ext>
+            </a:extLst>
+          </p:cNvPr>
+          <p:cNvSpPr txBox="1"/>
+          <p:nvPr/>
+        </p:nvSpPr>
+        <p:spPr>
+          <a:xfrm>
+            <a:off x="10792557" y="3506769"/>
+            <a:ext cx="1872761" cy="794064"/>
+          </a:xfrm>
+          <a:prstGeom prst="rect">
+            <a:avLst/>
+          </a:prstGeom>
+          <a:noFill/>
+        </p:spPr>
+        <p:txBody>
+          <a:bodyPr wrap="square" lIns="182880" tIns="146304" rIns="182880" bIns="146304" rtlCol="0">
+            <a:spAutoFit/>
+          </a:bodyPr>
+          <a:lstStyle/>
+          <a:p>
+            <a:pPr marL="0" marR="0" lvl="0" indent="0" defTabSz="914400" eaLnBrk="1" fontAlgn="auto" latinLnBrk="0" hangingPunct="1">
+              <a:lnSpc>
+                <a:spcPct val="90000"/>
+              </a:lnSpc>
+              <a:spcBef>
+                <a:spcPts val="0"/>
+              </a:spcBef>
+              <a:spcAft>
+                <a:spcPts val="600"/>
+              </a:spcAft>
+              <a:buClrTx/>
+              <a:buSzTx/>
+              <a:buFontTx/>
+              <a:buNone/>
+              <a:tabLst/>
+              <a:defRPr/>
+            </a:pPr>
+            <a:r>
+              <a:rPr kumimoji="0" lang="en-US" sz="3600" b="0" i="0" u="none" strike="noStrike" kern="0" cap="none" spc="0" normalizeH="0" baseline="0" noProof="0" dirty="0">
+                <a:ln>
+                  <a:noFill/>
+                </a:ln>
+                <a:solidFill>
+                  <a:srgbClr val="F2F2F2">
+                    <a:alpha val="49000"/>
+                  </a:srgbClr>
+                </a:solidFill>
+                <a:effectLst/>
+                <a:uLnTx/>
+                <a:uFillTx/>
+              </a:rPr>
+              <a:t>.NET</a:t>
+            </a:r>
+          </a:p>
+        </p:txBody>
+      </p:sp>
+      <p:sp>
+        <p:nvSpPr>
+          <p:cNvPr id="9" name="Rectángulo 2">
+            <a:extLst>
+              <a:ext uri="{FF2B5EF4-FFF2-40B4-BE49-F238E27FC236}">
+                <a16:creationId xmlns:a16="http://schemas.microsoft.com/office/drawing/2014/main" id="{1920815F-9AE5-4C4D-9E87-F73E7A7E0921}"/>
+              </a:ext>
+            </a:extLst>
+          </p:cNvPr>
+          <p:cNvSpPr/>
+          <p:nvPr>
+            <p:custDataLst>
+              <p:custData r:id="rId1"/>
+            </p:custDataLst>
+          </p:nvPr>
+        </p:nvSpPr>
+        <p:spPr>
+          <a:xfrm>
+            <a:off x="269384" y="6297908"/>
+            <a:ext cx="2436886" cy="480131"/>
+          </a:xfrm>
+          <a:prstGeom prst="rect">
+            <a:avLst/>
+          </a:prstGeom>
+        </p:spPr>
+        <p:txBody>
+          <a:bodyPr wrap="square">
+            <a:spAutoFit/>
+          </a:bodyPr>
+          <a:lstStyle/>
+          <a:p>
+            <a:pPr algn="ctr">
+              <a:lnSpc>
+                <a:spcPct val="90000"/>
+              </a:lnSpc>
+              <a:spcAft>
+                <a:spcPts val="600"/>
+              </a:spcAft>
+            </a:pPr>
+            <a:r>
+              <a:rPr lang="es-ES" sz="2800" b="1" u="none" dirty="0">
+                <a:solidFill>
+                  <a:schemeClr val="tx2"/>
+                </a:solidFill>
+              </a:rPr>
+              <a:t>#</a:t>
+            </a:r>
+            <a:r>
+              <a:rPr lang="es-ES" sz="2800" b="1" u="none" dirty="0" err="1">
+                <a:solidFill>
+                  <a:schemeClr val="tx2"/>
+                </a:solidFill>
+              </a:rPr>
+              <a:t>NetConfBcn</a:t>
+            </a:r>
+            <a:endParaRPr lang="en-US" sz="2800" b="1" u="none" dirty="0">
+              <a:solidFill>
+                <a:schemeClr val="tx2"/>
+              </a:solidFill>
+            </a:endParaRPr>
+          </a:p>
+        </p:txBody>
+      </p:sp>
+      <p:pic>
+        <p:nvPicPr>
+          <p:cNvPr id="7" name="Graphic 6">
+            <a:extLst>
+              <a:ext uri="{FF2B5EF4-FFF2-40B4-BE49-F238E27FC236}">
+                <a16:creationId xmlns:a16="http://schemas.microsoft.com/office/drawing/2014/main" id="{D16C8BED-8545-4D83-8497-A521F376CC95}"/>
+              </a:ext>
+            </a:extLst>
+          </p:cNvPr>
+          <p:cNvPicPr>
+            <a:picLocks noChangeAspect="1"/>
+          </p:cNvPicPr>
+          <p:nvPr userDrawn="1"/>
+        </p:nvPicPr>
+        <p:blipFill>
+          <a:blip r:embed="rId3">
+            <a:extLst>
+              <a:ext uri="{96DAC541-7B7A-43D3-8B79-37D633B846F1}">
+                <asvg:svgBlip xmlns:asvg="http://schemas.microsoft.com/office/drawing/2016/SVG/main" r:embed="rId4"/>
+              </a:ext>
+            </a:extLst>
+          </a:blip>
+          <a:stretch>
+            <a:fillRect/>
+          </a:stretch>
+        </p:blipFill>
+        <p:spPr>
+          <a:xfrm>
+            <a:off x="11430" y="0"/>
+            <a:ext cx="12169140" cy="6858000"/>
+          </a:xfrm>
+          <a:prstGeom prst="rect">
+            <a:avLst/>
+          </a:prstGeom>
+        </p:spPr>
+      </p:pic>
+      <p:pic>
+        <p:nvPicPr>
+          <p:cNvPr id="8" name="Picture 7">
+            <a:extLst>
+              <a:ext uri="{FF2B5EF4-FFF2-40B4-BE49-F238E27FC236}">
+                <a16:creationId xmlns:a16="http://schemas.microsoft.com/office/drawing/2014/main" id="{42C2CE3C-8EBC-49F9-9686-11C6F12AA5A7}"/>
+              </a:ext>
+            </a:extLst>
+          </p:cNvPr>
+          <p:cNvPicPr>
+            <a:picLocks noChangeAspect="1"/>
+          </p:cNvPicPr>
+          <p:nvPr userDrawn="1"/>
+        </p:nvPicPr>
+        <p:blipFill>
+          <a:blip r:embed="rId5">
+            <a:extLst>
+              <a:ext uri="{28A0092B-C50C-407E-A947-70E740481C1C}">
+                <a14:useLocalDpi xmlns:a14="http://schemas.microsoft.com/office/drawing/2010/main"/>
+              </a:ext>
+            </a:extLst>
+          </a:blip>
+          <a:stretch>
+            <a:fillRect/>
+          </a:stretch>
+        </p:blipFill>
+        <p:spPr>
+          <a:xfrm>
+            <a:off x="3009404" y="448578"/>
+            <a:ext cx="9172873" cy="6621296"/>
+          </a:xfrm>
+          <a:prstGeom prst="rect">
+            <a:avLst/>
+          </a:prstGeom>
+        </p:spPr>
+      </p:pic>
+      <p:sp>
+        <p:nvSpPr>
+          <p:cNvPr id="10" name="TextBox 9">
+            <a:extLst>
+              <a:ext uri="{FF2B5EF4-FFF2-40B4-BE49-F238E27FC236}">
+                <a16:creationId xmlns:a16="http://schemas.microsoft.com/office/drawing/2014/main" id="{DE5D634E-6732-4875-A547-3980EBF309CA}"/>
+              </a:ext>
+            </a:extLst>
+          </p:cNvPr>
+          <p:cNvSpPr txBox="1"/>
+          <p:nvPr userDrawn="1"/>
+        </p:nvSpPr>
+        <p:spPr>
+          <a:xfrm>
+            <a:off x="10792557" y="3506769"/>
+            <a:ext cx="1872761" cy="794064"/>
+          </a:xfrm>
+          <a:prstGeom prst="rect">
+            <a:avLst/>
+          </a:prstGeom>
+          <a:noFill/>
+        </p:spPr>
+        <p:txBody>
+          <a:bodyPr wrap="square" lIns="182880" tIns="146304" rIns="182880" bIns="146304" rtlCol="0">
+            <a:spAutoFit/>
+          </a:bodyPr>
+          <a:lstStyle/>
+          <a:p>
+            <a:pPr marL="0" marR="0" lvl="0" indent="0" defTabSz="914400" eaLnBrk="1" fontAlgn="auto" latinLnBrk="0" hangingPunct="1">
+              <a:lnSpc>
+                <a:spcPct val="90000"/>
+              </a:lnSpc>
+              <a:spcBef>
+                <a:spcPts val="0"/>
+              </a:spcBef>
+              <a:spcAft>
+                <a:spcPts val="600"/>
+              </a:spcAft>
+              <a:buClrTx/>
+              <a:buSzTx/>
+              <a:buFontTx/>
+              <a:buNone/>
+              <a:tabLst/>
+              <a:defRPr/>
+            </a:pPr>
+            <a:r>
+              <a:rPr kumimoji="0" lang="en-US" sz="3600" b="0" i="0" u="none" strike="noStrike" kern="0" cap="none" spc="0" normalizeH="0" baseline="0" noProof="0" dirty="0">
+                <a:ln>
+                  <a:noFill/>
+                </a:ln>
+                <a:solidFill>
+                  <a:srgbClr val="F2F2F2">
+                    <a:alpha val="49000"/>
+                  </a:srgbClr>
+                </a:solidFill>
+                <a:effectLst/>
+                <a:uLnTx/>
+                <a:uFillTx/>
+              </a:rPr>
+              <a:t>.NET</a:t>
+            </a:r>
+          </a:p>
+        </p:txBody>
+      </p:sp>
+    </p:spTree>
+    <p:extLst>
+      <p:ext uri="{BB962C8B-B14F-4D97-AF65-F5344CB8AC3E}">
+        <p14:creationId xmlns:p14="http://schemas.microsoft.com/office/powerpoint/2010/main" val="3993756465"/>
+      </p:ext>
+    </p:extLst>
+  </p:cSld>
+  <p:clrMapOvr>
+    <a:overrideClrMapping bg1="dk1" tx1="lt1" bg2="dk2" tx2="lt2" accent1="accent1" accent2="accent2" accent3="accent3" accent4="accent4" accent5="accent5" accent6="accent6" hlink="hlink" folHlink="folHlink"/>
+  </p:clrMapOvr>
+  <p:transition>
+    <p:fade/>
+  </p:transition>
+</p:sldLayout>
+</file>
+
+<file path=ppt/slideLayouts/slideLayout24.xml><?xml version="1.0" encoding="utf-8"?>
+<p:sldLayout xmlns:a="http://schemas.openxmlformats.org/drawingml/2006/main" xmlns:r="http://schemas.openxmlformats.org/officeDocument/2006/relationships" xmlns:p="http://schemas.openxmlformats.org/presentationml/2006/main">
+  <p:cSld name="1_Title Only">
+    <p:spTree>
+      <p:nvGrpSpPr>
+        <p:cNvPr id="1" name=""/>
+        <p:cNvGrpSpPr/>
+        <p:nvPr/>
+      </p:nvGrpSpPr>
+      <p:grpSpPr>
+        <a:xfrm>
+          <a:off x="0" y="0"/>
+          <a:ext cx="0" cy="0"/>
+          <a:chOff x="0" y="0"/>
+          <a:chExt cx="0" cy="0"/>
+        </a:xfrm>
+      </p:grpSpPr>
+      <p:sp>
+        <p:nvSpPr>
+          <p:cNvPr id="2" name="Title 1"/>
+          <p:cNvSpPr>
+            <a:spLocks noGrp="1"/>
+          </p:cNvSpPr>
+          <p:nvPr>
+            <p:ph type="title"/>
+          </p:nvPr>
+        </p:nvSpPr>
+        <p:spPr/>
+        <p:txBody>
+          <a:bodyPr/>
+          <a:lstStyle/>
+          <a:p>
+            <a:r>
+              <a:rPr lang="en-US"/>
+              <a:t>Click to edit Master title style</a:t>
+            </a:r>
+          </a:p>
+        </p:txBody>
+      </p:sp>
+    </p:spTree>
+    <p:extLst>
+      <p:ext uri="{BB962C8B-B14F-4D97-AF65-F5344CB8AC3E}">
+        <p14:creationId xmlns:p14="http://schemas.microsoft.com/office/powerpoint/2010/main" val="112846149"/>
+      </p:ext>
+    </p:extLst>
+  </p:cSld>
+  <p:clrMapOvr>
+    <a:masterClrMapping/>
+  </p:clrMapOvr>
+  <mc:AlternateContent xmlns:mc="http://schemas.openxmlformats.org/markup-compatibility/2006" xmlns:p14="http://schemas.microsoft.com/office/powerpoint/2010/main">
+    <mc:Choice Requires="p14">
+      <p:transition spd="med" p14:dur="700">
+        <p:fade/>
+      </p:transition>
+    </mc:Choice>
+    <mc:Fallback xmlns="">
+      <p:transition spd="med">
+        <p:fade/>
+      </p:transition>
+    </mc:Fallback>
+  </mc:AlternateContent>
+</p:sldLayout>
+</file>
+
+<file path=ppt/slideLayouts/slideLayout25.xml><?xml version="1.0" encoding="utf-8"?>
+<p:sldLayout xmlns:a="http://schemas.openxmlformats.org/drawingml/2006/main" xmlns:r="http://schemas.openxmlformats.org/officeDocument/2006/relationships" xmlns:p="http://schemas.openxmlformats.org/presentationml/2006/main">
+  <p:cSld name="Title &amp; 2-color Non-bulleted text">
+    <p:spTree>
+      <p:nvGrpSpPr>
+        <p:cNvPr id="1" name=""/>
+        <p:cNvGrpSpPr/>
+        <p:nvPr/>
+      </p:nvGrpSpPr>
+      <p:grpSpPr>
+        <a:xfrm>
+          <a:off x="0" y="0"/>
+          <a:ext cx="0" cy="0"/>
+          <a:chOff x="0" y="0"/>
+          <a:chExt cx="0" cy="0"/>
+        </a:xfrm>
+      </p:grpSpPr>
+      <p:sp>
+        <p:nvSpPr>
+          <p:cNvPr id="2" name="Title 1"/>
+          <p:cNvSpPr>
+            <a:spLocks noGrp="1"/>
+          </p:cNvSpPr>
+          <p:nvPr>
+            <p:ph type="title"/>
+          </p:nvPr>
+        </p:nvSpPr>
+        <p:spPr/>
+        <p:txBody>
+          <a:bodyPr/>
+          <a:lstStyle/>
+          <a:p>
+            <a:r>
+              <a:rPr lang="en-US"/>
+              <a:t>Click to edit Master title style</a:t>
+            </a:r>
+          </a:p>
+        </p:txBody>
+      </p:sp>
+      <p:sp>
+        <p:nvSpPr>
+          <p:cNvPr id="6" name="Text Placeholder 5"/>
+          <p:cNvSpPr>
+            <a:spLocks noGrp="1"/>
+          </p:cNvSpPr>
+          <p:nvPr>
+            <p:ph type="body" sz="quarter" idx="10"/>
+          </p:nvPr>
+        </p:nvSpPr>
+        <p:spPr>
+          <a:xfrm>
+            <a:off x="269239" y="1189177"/>
+            <a:ext cx="11653523" cy="1985641"/>
+          </a:xfrm>
+        </p:spPr>
+        <p:txBody>
+          <a:bodyPr/>
+          <a:lstStyle>
+            <a:lvl1pPr marL="0" indent="0">
+              <a:buNone/>
+              <a:defRPr>
+                <a:gradFill>
+                  <a:gsLst>
+                    <a:gs pos="1250">
+                      <a:schemeClr val="tx2"/>
+                    </a:gs>
+                    <a:gs pos="99000">
+                      <a:schemeClr val="tx2"/>
+                    </a:gs>
+                  </a:gsLst>
+                  <a:lin ang="5400000" scaled="0"/>
+                </a:gradFill>
+              </a:defRPr>
+            </a:lvl1pPr>
+            <a:lvl2pPr marL="0" indent="0">
+              <a:buFontTx/>
+              <a:buNone/>
+              <a:defRPr sz="1961"/>
+            </a:lvl2pPr>
+            <a:lvl3pPr marL="224097" indent="0">
+              <a:buNone/>
+              <a:defRPr/>
+            </a:lvl3pPr>
+            <a:lvl4pPr marL="448193" indent="0">
+              <a:buNone/>
+              <a:defRPr/>
+            </a:lvl4pPr>
+            <a:lvl5pPr marL="672290" indent="0">
+              <a:buNone/>
+              <a:defRPr/>
+            </a:lvl5pPr>
+          </a:lstStyle>
+          <a:p>
+            <a:pPr lvl="0"/>
+            <a:r>
+              <a:rPr lang="en-US"/>
+              <a:t>Click to edit Master text styles</a:t>
+            </a:r>
+          </a:p>
+          <a:p>
+            <a:pPr lvl="1"/>
+            <a:r>
+              <a:rPr lang="en-US"/>
+              <a:t>Second level</a:t>
+            </a:r>
+          </a:p>
+          <a:p>
+            <a:pPr lvl="2"/>
+            <a:r>
+              <a:rPr lang="en-US"/>
+              <a:t>Third level</a:t>
+            </a:r>
+          </a:p>
+          <a:p>
+            <a:pPr lvl="3"/>
+            <a:r>
+              <a:rPr lang="en-US"/>
+              <a:t>Fourth level</a:t>
+            </a:r>
+          </a:p>
+          <a:p>
+            <a:pPr lvl="4"/>
+            <a:r>
+              <a:rPr lang="en-US"/>
+              <a:t>Fifth level</a:t>
+            </a:r>
+          </a:p>
+        </p:txBody>
+      </p:sp>
+    </p:spTree>
+    <p:extLst>
+      <p:ext uri="{BB962C8B-B14F-4D97-AF65-F5344CB8AC3E}">
+        <p14:creationId xmlns:p14="http://schemas.microsoft.com/office/powerpoint/2010/main" val="3388903843"/>
+      </p:ext>
+    </p:extLst>
+  </p:cSld>
+  <p:clrMapOvr>
+    <a:masterClrMapping/>
+  </p:clrMapOvr>
+  <p:transition>
+    <p:fade/>
+  </p:transition>
+</p:sldLayout>
+</file>
+
+<file path=ppt/slideLayouts/slideLayout26.xml><?xml version="1.0" encoding="utf-8"?>
+<p:sldLayout xmlns:a="http://schemas.openxmlformats.org/drawingml/2006/main" xmlns:r="http://schemas.openxmlformats.org/officeDocument/2006/relationships" xmlns:p="http://schemas.openxmlformats.org/presentationml/2006/main" preserve="1">
+  <p:cSld name="Three Column Content Tile Layout">
+    <p:spTree>
+      <p:nvGrpSpPr>
+        <p:cNvPr id="1" name=""/>
+        <p:cNvGrpSpPr/>
+        <p:nvPr/>
+      </p:nvGrpSpPr>
+      <p:grpSpPr>
+        <a:xfrm>
+          <a:off x="0" y="0"/>
+          <a:ext cx="0" cy="0"/>
+          <a:chOff x="0" y="0"/>
+          <a:chExt cx="0" cy="0"/>
+        </a:xfrm>
+      </p:grpSpPr>
+      <p:sp>
+        <p:nvSpPr>
+          <p:cNvPr id="2" name="Title 1"/>
+          <p:cNvSpPr>
+            <a:spLocks noGrp="1"/>
+          </p:cNvSpPr>
+          <p:nvPr>
+            <p:ph type="title"/>
+          </p:nvPr>
+        </p:nvSpPr>
+        <p:spPr/>
+        <p:txBody>
+          <a:bodyPr/>
+          <a:lstStyle/>
+          <a:p>
+            <a:r>
+              <a:rPr lang="en-US"/>
+              <a:t>Click to edit Master title style</a:t>
+            </a:r>
+            <a:endParaRPr lang="en-US" dirty="0"/>
+          </a:p>
+        </p:txBody>
+      </p:sp>
+      <p:sp>
+        <p:nvSpPr>
+          <p:cNvPr id="8" name="Text Placeholder 3"/>
+          <p:cNvSpPr>
+            <a:spLocks noGrp="1"/>
+          </p:cNvSpPr>
+          <p:nvPr>
+            <p:ph type="body" sz="quarter" idx="10"/>
+          </p:nvPr>
+        </p:nvSpPr>
+        <p:spPr>
+          <a:xfrm>
+            <a:off x="178135" y="2082614"/>
+            <a:ext cx="3927804" cy="3586208"/>
+          </a:xfrm>
+          <a:solidFill>
+            <a:schemeClr val="accent2"/>
+          </a:solidFill>
+        </p:spPr>
+        <p:txBody>
+          <a:bodyPr wrap="square" tIns="146304" bIns="146304">
+            <a:noAutofit/>
+          </a:bodyPr>
+          <a:lstStyle>
+            <a:lvl1pPr marL="0" indent="0">
+              <a:spcBef>
+                <a:spcPts val="1200"/>
+              </a:spcBef>
+              <a:buClr>
+                <a:schemeClr val="tx1"/>
+              </a:buClr>
+              <a:buFont typeface="Wingdings" pitchFamily="2" charset="2"/>
+              <a:buNone/>
+              <a:defRPr sz="3920">
+                <a:solidFill>
+                  <a:schemeClr val="bg1"/>
+                </a:solidFill>
+              </a:defRPr>
+            </a:lvl1pPr>
+            <a:lvl2pPr marL="0" indent="0">
+              <a:spcBef>
+                <a:spcPts val="1059"/>
+              </a:spcBef>
+              <a:buNone/>
+              <a:defRPr sz="1961">
+                <a:solidFill>
+                  <a:schemeClr val="bg1"/>
+                </a:solidFill>
+              </a:defRPr>
+            </a:lvl2pPr>
+            <a:lvl3pPr marL="227104" indent="0">
+              <a:buNone/>
+              <a:tabLst/>
+              <a:defRPr sz="1961">
+                <a:solidFill>
+                  <a:schemeClr val="bg1"/>
+                </a:solidFill>
+              </a:defRPr>
+            </a:lvl3pPr>
+            <a:lvl4pPr marL="451097" indent="0">
+              <a:buNone/>
+              <a:defRPr>
+                <a:solidFill>
+                  <a:schemeClr val="bg1"/>
+                </a:solidFill>
+              </a:defRPr>
+            </a:lvl4pPr>
+            <a:lvl5pPr marL="671979" indent="0">
+              <a:buNone/>
+              <a:tabLst/>
+              <a:defRPr>
+                <a:solidFill>
+                  <a:schemeClr val="bg1"/>
+                </a:solidFill>
+              </a:defRPr>
+            </a:lvl5pPr>
+          </a:lstStyle>
+          <a:p>
+            <a:pPr lvl="0"/>
+            <a:r>
+              <a:rPr lang="en-US"/>
+              <a:t>Click to edit Master text styles</a:t>
+            </a:r>
+          </a:p>
+          <a:p>
+            <a:pPr lvl="1"/>
+            <a:r>
+              <a:rPr lang="en-US"/>
+              <a:t>Second level</a:t>
+            </a:r>
+          </a:p>
+          <a:p>
+            <a:pPr lvl="2"/>
+            <a:r>
+              <a:rPr lang="en-US"/>
+              <a:t>Third level</a:t>
+            </a:r>
+          </a:p>
+          <a:p>
+            <a:pPr lvl="3"/>
+            <a:r>
+              <a:rPr lang="en-US"/>
+              <a:t>Fourth level</a:t>
+            </a:r>
+          </a:p>
+          <a:p>
+            <a:pPr lvl="4"/>
+            <a:r>
+              <a:rPr lang="en-US"/>
+              <a:t>Fifth level</a:t>
+            </a:r>
+            <a:endParaRPr lang="en-US" dirty="0"/>
+          </a:p>
+        </p:txBody>
+      </p:sp>
+      <p:sp>
+        <p:nvSpPr>
+          <p:cNvPr id="5" name="Text Placeholder 3"/>
+          <p:cNvSpPr>
+            <a:spLocks noGrp="1"/>
+          </p:cNvSpPr>
+          <p:nvPr>
+            <p:ph type="body" sz="quarter" idx="11"/>
+          </p:nvPr>
+        </p:nvSpPr>
+        <p:spPr>
+          <a:xfrm>
+            <a:off x="4158259" y="2082614"/>
+            <a:ext cx="3927804" cy="3586208"/>
+          </a:xfrm>
+          <a:solidFill>
+            <a:schemeClr val="accent3"/>
+          </a:solidFill>
+          <a:ln>
+            <a:noFill/>
+          </a:ln>
+        </p:spPr>
+        <p:txBody>
+          <a:bodyPr wrap="square" tIns="146304" bIns="146304">
+            <a:noAutofit/>
+          </a:bodyPr>
+          <a:lstStyle>
+            <a:lvl1pPr marL="0" indent="0">
+              <a:spcBef>
+                <a:spcPts val="1200"/>
+              </a:spcBef>
+              <a:buClr>
+                <a:schemeClr val="tx1"/>
+              </a:buClr>
+              <a:buFont typeface="Wingdings" pitchFamily="2" charset="2"/>
+              <a:buNone/>
+              <a:defRPr sz="3920">
+                <a:solidFill>
+                  <a:schemeClr val="bg1"/>
+                </a:solidFill>
+              </a:defRPr>
+            </a:lvl1pPr>
+            <a:lvl2pPr marL="0" indent="0">
+              <a:spcBef>
+                <a:spcPts val="1059"/>
+              </a:spcBef>
+              <a:buNone/>
+              <a:defRPr sz="1961">
+                <a:solidFill>
+                  <a:schemeClr val="bg1"/>
+                </a:solidFill>
+              </a:defRPr>
+            </a:lvl2pPr>
+            <a:lvl3pPr marL="227104" indent="0">
+              <a:buNone/>
+              <a:tabLst/>
+              <a:defRPr sz="1961">
+                <a:solidFill>
+                  <a:schemeClr val="bg1"/>
+                </a:solidFill>
+              </a:defRPr>
+            </a:lvl3pPr>
+            <a:lvl4pPr marL="451097" indent="0">
+              <a:buNone/>
+              <a:defRPr>
+                <a:solidFill>
+                  <a:schemeClr val="bg1"/>
+                </a:solidFill>
+              </a:defRPr>
+            </a:lvl4pPr>
+            <a:lvl5pPr marL="671979" indent="0">
+              <a:buNone/>
+              <a:tabLst/>
+              <a:defRPr>
+                <a:solidFill>
+                  <a:schemeClr val="bg1"/>
+                </a:solidFill>
+              </a:defRPr>
+            </a:lvl5pPr>
+          </a:lstStyle>
+          <a:p>
+            <a:pPr lvl="0"/>
+            <a:r>
+              <a:rPr lang="en-US"/>
+              <a:t>Click to edit Master text styles</a:t>
+            </a:r>
+          </a:p>
+          <a:p>
+            <a:pPr lvl="1"/>
+            <a:r>
+              <a:rPr lang="en-US"/>
+              <a:t>Second level</a:t>
+            </a:r>
+          </a:p>
+          <a:p>
+            <a:pPr lvl="2"/>
+            <a:r>
+              <a:rPr lang="en-US"/>
+              <a:t>Third level</a:t>
+            </a:r>
+          </a:p>
+          <a:p>
+            <a:pPr lvl="3"/>
+            <a:r>
+              <a:rPr lang="en-US"/>
+              <a:t>Fourth level</a:t>
+            </a:r>
+          </a:p>
+          <a:p>
+            <a:pPr lvl="4"/>
+            <a:r>
+              <a:rPr lang="en-US"/>
+              <a:t>Fifth level</a:t>
+            </a:r>
+            <a:endParaRPr lang="en-US" dirty="0"/>
+          </a:p>
+        </p:txBody>
+      </p:sp>
+      <p:sp>
+        <p:nvSpPr>
+          <p:cNvPr id="6" name="Text Placeholder 3"/>
+          <p:cNvSpPr>
+            <a:spLocks noGrp="1"/>
+          </p:cNvSpPr>
+          <p:nvPr>
+            <p:ph type="body" sz="quarter" idx="12"/>
+          </p:nvPr>
+        </p:nvSpPr>
+        <p:spPr>
+          <a:xfrm>
+            <a:off x="8138382" y="2082614"/>
+            <a:ext cx="3875483" cy="3586208"/>
+          </a:xfrm>
+          <a:solidFill>
+            <a:schemeClr val="accent1"/>
+          </a:solidFill>
+        </p:spPr>
+        <p:txBody>
+          <a:bodyPr wrap="square" tIns="146304" bIns="146304">
+            <a:noAutofit/>
+          </a:bodyPr>
+          <a:lstStyle>
+            <a:lvl1pPr marL="0" indent="0">
+              <a:spcBef>
+                <a:spcPts val="1200"/>
+              </a:spcBef>
+              <a:buClr>
+                <a:schemeClr val="tx1"/>
+              </a:buClr>
+              <a:buFont typeface="Wingdings" pitchFamily="2" charset="2"/>
+              <a:buNone/>
+              <a:defRPr sz="3920">
+                <a:solidFill>
+                  <a:schemeClr val="bg1"/>
+                </a:solidFill>
+              </a:defRPr>
+            </a:lvl1pPr>
+            <a:lvl2pPr marL="0" indent="0">
+              <a:spcBef>
+                <a:spcPts val="1059"/>
+              </a:spcBef>
+              <a:buNone/>
+              <a:defRPr sz="1961">
+                <a:solidFill>
+                  <a:schemeClr val="bg1"/>
+                </a:solidFill>
+              </a:defRPr>
+            </a:lvl2pPr>
+            <a:lvl3pPr marL="227104" indent="0">
+              <a:buNone/>
+              <a:tabLst/>
+              <a:defRPr sz="1961">
+                <a:solidFill>
+                  <a:schemeClr val="bg1"/>
+                </a:solidFill>
+              </a:defRPr>
+            </a:lvl3pPr>
+            <a:lvl4pPr marL="451097" indent="0">
+              <a:buNone/>
+              <a:defRPr>
+                <a:solidFill>
+                  <a:schemeClr val="bg1"/>
+                </a:solidFill>
+              </a:defRPr>
+            </a:lvl4pPr>
+            <a:lvl5pPr marL="671979" indent="0">
+              <a:buNone/>
+              <a:tabLst/>
+              <a:defRPr>
+                <a:solidFill>
+                  <a:schemeClr val="bg1"/>
+                </a:solidFill>
+              </a:defRPr>
+            </a:lvl5pPr>
+          </a:lstStyle>
+          <a:p>
+            <a:pPr lvl="0"/>
+            <a:r>
+              <a:rPr lang="en-US"/>
+              <a:t>Click to edit Master text styles</a:t>
+            </a:r>
+          </a:p>
+          <a:p>
+            <a:pPr lvl="1"/>
+            <a:r>
+              <a:rPr lang="en-US"/>
+              <a:t>Second level</a:t>
+            </a:r>
+          </a:p>
+          <a:p>
+            <a:pPr lvl="2"/>
+            <a:r>
+              <a:rPr lang="en-US"/>
+              <a:t>Third level</a:t>
+            </a:r>
+          </a:p>
+          <a:p>
+            <a:pPr lvl="3"/>
+            <a:r>
+              <a:rPr lang="en-US"/>
+              <a:t>Fourth level</a:t>
+            </a:r>
+          </a:p>
+          <a:p>
+            <a:pPr lvl="4"/>
+            <a:r>
+              <a:rPr lang="en-US"/>
+              <a:t>Fifth level</a:t>
+            </a:r>
+            <a:endParaRPr lang="en-US" dirty="0"/>
+          </a:p>
+        </p:txBody>
+      </p:sp>
+    </p:spTree>
+    <p:extLst>
+      <p:ext uri="{BB962C8B-B14F-4D97-AF65-F5344CB8AC3E}">
+        <p14:creationId xmlns:p14="http://schemas.microsoft.com/office/powerpoint/2010/main" val="130781081"/>
+      </p:ext>
+    </p:extLst>
+  </p:cSld>
+  <p:clrMapOvr>
+    <a:masterClrMapping/>
+  </p:clrMapOvr>
+  <p:transition>
+    <p:fade/>
+  </p:transition>
+</p:sldLayout>
+</file>
+
+<file path=ppt/slideLayouts/slideLayout27.xml><?xml version="1.0" encoding="utf-8"?>
+<p:sldLayout xmlns:a="http://schemas.openxmlformats.org/drawingml/2006/main" xmlns:r="http://schemas.openxmlformats.org/officeDocument/2006/relationships" xmlns:p="http://schemas.openxmlformats.org/presentationml/2006/main" preserve="1">
+  <p:cSld name="Code Sample Layout">
+    <p:spTree>
+      <p:nvGrpSpPr>
+        <p:cNvPr id="1" name=""/>
+        <p:cNvGrpSpPr/>
+        <p:nvPr/>
+      </p:nvGrpSpPr>
+      <p:grpSpPr>
+        <a:xfrm>
+          <a:off x="0" y="0"/>
+          <a:ext cx="0" cy="0"/>
+          <a:chOff x="0" y="0"/>
+          <a:chExt cx="0" cy="0"/>
+        </a:xfrm>
+      </p:grpSpPr>
+      <p:sp>
+        <p:nvSpPr>
+          <p:cNvPr id="2" name="Title 1">
+            <a:extLst>
+              <a:ext uri="{FF2B5EF4-FFF2-40B4-BE49-F238E27FC236}">
+                <a16:creationId xmlns:a16="http://schemas.microsoft.com/office/drawing/2014/main" id="{6F594C3A-647A-4380-8F58-7DACBC37B8D6}"/>
+              </a:ext>
+            </a:extLst>
+          </p:cNvPr>
+          <p:cNvSpPr>
+            <a:spLocks noGrp="1"/>
+          </p:cNvSpPr>
+          <p:nvPr>
+            <p:ph type="title"/>
+          </p:nvPr>
+        </p:nvSpPr>
+        <p:spPr/>
+        <p:txBody>
+          <a:bodyPr/>
+          <a:lstStyle/>
+          <a:p>
+            <a:r>
+              <a:rPr lang="en-US"/>
+              <a:t>Click to edit Master title style</a:t>
+            </a:r>
+          </a:p>
+        </p:txBody>
+      </p:sp>
+      <p:sp>
+        <p:nvSpPr>
+          <p:cNvPr id="3" name="TextBox 2">
+            <a:extLst>
+              <a:ext uri="{FF2B5EF4-FFF2-40B4-BE49-F238E27FC236}">
+                <a16:creationId xmlns:a16="http://schemas.microsoft.com/office/drawing/2014/main" id="{E231ED1D-3304-42EE-8EF4-679A6BE4CBA5}"/>
+              </a:ext>
+            </a:extLst>
+          </p:cNvPr>
+          <p:cNvSpPr txBox="1"/>
+          <p:nvPr/>
+        </p:nvSpPr>
+        <p:spPr>
+          <a:xfrm>
+            <a:off x="269240" y="1459523"/>
+            <a:ext cx="11655840" cy="627864"/>
+          </a:xfrm>
+          <a:prstGeom prst="rect">
+            <a:avLst/>
+          </a:prstGeom>
+          <a:noFill/>
+        </p:spPr>
+        <p:txBody>
+          <a:bodyPr wrap="square" lIns="182880" tIns="146304" rIns="182880" bIns="146304" rtlCol="0">
+            <a:spAutoFit/>
+          </a:bodyPr>
+          <a:lstStyle/>
+          <a:p>
+            <a:pPr>
+              <a:lnSpc>
+                <a:spcPct val="90000"/>
+              </a:lnSpc>
+              <a:spcAft>
+                <a:spcPts val="600"/>
+              </a:spcAft>
+            </a:pPr>
+            <a:r>
+              <a:rPr lang="en-US" sz="2400" dirty="0">
+                <a:gradFill>
+                  <a:gsLst>
+                    <a:gs pos="2917">
+                      <a:schemeClr val="tx1"/>
+                    </a:gs>
+                    <a:gs pos="30000">
+                      <a:schemeClr val="tx1"/>
+                    </a:gs>
+                  </a:gsLst>
+                  <a:lin ang="5400000" scaled="0"/>
+                </a:gradFill>
+                <a:latin typeface="Consolas" panose="020B0609020204030204" pitchFamily="49" charset="0"/>
+              </a:rPr>
+              <a:t>Code Sample</a:t>
+            </a:r>
+          </a:p>
+        </p:txBody>
+      </p:sp>
+      <p:sp>
+        <p:nvSpPr>
+          <p:cNvPr id="4" name="TextBox 3">
+            <a:extLst>
+              <a:ext uri="{FF2B5EF4-FFF2-40B4-BE49-F238E27FC236}">
+                <a16:creationId xmlns:a16="http://schemas.microsoft.com/office/drawing/2014/main" id="{613DB83D-D629-41F1-A716-A8231565964C}"/>
+              </a:ext>
+            </a:extLst>
+          </p:cNvPr>
+          <p:cNvSpPr txBox="1"/>
+          <p:nvPr userDrawn="1"/>
+        </p:nvSpPr>
+        <p:spPr>
+          <a:xfrm>
+            <a:off x="269240" y="1459523"/>
+            <a:ext cx="11655840" cy="627864"/>
+          </a:xfrm>
+          <a:prstGeom prst="rect">
+            <a:avLst/>
+          </a:prstGeom>
+          <a:noFill/>
+        </p:spPr>
+        <p:txBody>
+          <a:bodyPr wrap="square" lIns="182880" tIns="146304" rIns="182880" bIns="146304" rtlCol="0">
+            <a:spAutoFit/>
+          </a:bodyPr>
+          <a:lstStyle/>
+          <a:p>
+            <a:pPr>
+              <a:lnSpc>
+                <a:spcPct val="90000"/>
+              </a:lnSpc>
+              <a:spcAft>
+                <a:spcPts val="600"/>
+              </a:spcAft>
+            </a:pPr>
+            <a:r>
+              <a:rPr lang="en-US" sz="2400" dirty="0">
+                <a:gradFill>
+                  <a:gsLst>
+                    <a:gs pos="2917">
+                      <a:schemeClr val="tx1"/>
+                    </a:gs>
+                    <a:gs pos="30000">
+                      <a:schemeClr val="tx1"/>
+                    </a:gs>
+                  </a:gsLst>
+                  <a:lin ang="5400000" scaled="0"/>
+                </a:gradFill>
+                <a:latin typeface="Consolas" panose="020B0609020204030204" pitchFamily="49" charset="0"/>
+              </a:rPr>
+              <a:t>Code Sample</a:t>
+            </a:r>
+          </a:p>
+        </p:txBody>
+      </p:sp>
+    </p:spTree>
+    <p:extLst>
+      <p:ext uri="{BB962C8B-B14F-4D97-AF65-F5344CB8AC3E}">
+        <p14:creationId xmlns:p14="http://schemas.microsoft.com/office/powerpoint/2010/main" val="909151669"/>
+      </p:ext>
+    </p:extLst>
+  </p:cSld>
+  <p:clrMapOvr>
+    <a:masterClrMapping/>
+  </p:clrMapOvr>
+  <p:transition>
+    <p:fade/>
+  </p:transition>
+</p:sldLayout>
+</file>
+
+<file path=ppt/slideLayouts/slideLayout28.xml><?xml version="1.0" encoding="utf-8"?>
+<p:sldLayout xmlns:a="http://schemas.openxmlformats.org/drawingml/2006/main" xmlns:r="http://schemas.openxmlformats.org/officeDocument/2006/relationships" xmlns:p="http://schemas.openxmlformats.org/presentationml/2006/main" preserve="1">
+  <p:cSld name="Announcement">
+    <p:bg>
+      <p:bgPr>
+        <a:solidFill>
+          <a:schemeClr val="tx2"/>
+        </a:solidFill>
+        <a:effectLst/>
+      </p:bgPr>
+    </p:bg>
+    <p:spTree>
+      <p:nvGrpSpPr>
+        <p:cNvPr id="1" name=""/>
+        <p:cNvGrpSpPr/>
+        <p:nvPr/>
+      </p:nvGrpSpPr>
+      <p:grpSpPr>
+        <a:xfrm>
+          <a:off x="0" y="0"/>
+          <a:ext cx="0" cy="0"/>
+          <a:chOff x="0" y="0"/>
+          <a:chExt cx="0" cy="0"/>
+        </a:xfrm>
+      </p:grpSpPr>
+      <p:sp>
+        <p:nvSpPr>
+          <p:cNvPr id="8" name="Rectangle 7"/>
+          <p:cNvSpPr/>
+          <p:nvPr/>
+        </p:nvSpPr>
+        <p:spPr bwMode="auto">
+          <a:xfrm>
+            <a:off x="1624135" y="0"/>
+            <a:ext cx="8943730" cy="6858000"/>
+          </a:xfrm>
+          <a:prstGeom prst="rect">
+            <a:avLst/>
+          </a:prstGeom>
+          <a:solidFill>
+            <a:schemeClr val="accent1">
+              <a:alpha val="95000"/>
+            </a:schemeClr>
+          </a:solidFill>
+          <a:ln>
+            <a:noFill/>
+            <a:headEnd type="none" w="med" len="med"/>
+            <a:tailEnd type="none" w="med" len="med"/>
+          </a:ln>
+          <a:effectLst/>
+        </p:spPr>
+        <p:style>
+          <a:lnRef idx="1">
+            <a:schemeClr val="accent2"/>
+          </a:lnRef>
+          <a:fillRef idx="3">
+            <a:schemeClr val="accent2"/>
+          </a:fillRef>
+          <a:effectRef idx="2">
+            <a:schemeClr val="accent2"/>
+          </a:effectRef>
+          <a:fontRef idx="minor">
+            <a:schemeClr val="lt1"/>
+          </a:fontRef>
+        </p:style>
+        <p:txBody>
+          <a:bodyPr rot="0" spcFirstLastPara="0" vertOverflow="overflow" horzOverflow="overflow" vert="horz" wrap="square" lIns="182880" tIns="146304" rIns="182880" bIns="146304" numCol="1" spcCol="0" rtlCol="0" fromWordArt="0" anchor="t" anchorCtr="0" forceAA="0" compatLnSpc="1">
+            <a:prstTxWarp prst="textNoShape">
+              <a:avLst/>
+            </a:prstTxWarp>
+            <a:noAutofit/>
+          </a:bodyPr>
+          <a:lstStyle/>
+          <a:p>
+            <a:pPr algn="ctr" defTabSz="932472" fontAlgn="base">
+              <a:lnSpc>
+                <a:spcPct val="90000"/>
+              </a:lnSpc>
+              <a:spcBef>
+                <a:spcPct val="0"/>
+              </a:spcBef>
+              <a:spcAft>
+                <a:spcPct val="0"/>
+              </a:spcAft>
+            </a:pPr>
+            <a:endParaRPr lang="en-US" sz="2400" err="1">
+              <a:gradFill>
+                <a:gsLst>
+                  <a:gs pos="0">
+                    <a:srgbClr val="FFFFFF"/>
+                  </a:gs>
+                  <a:gs pos="100000">
+                    <a:srgbClr val="FFFFFF"/>
+                  </a:gs>
+                </a:gsLst>
+                <a:lin ang="5400000" scaled="0"/>
+              </a:gradFill>
+              <a:ea typeface="Segoe UI" pitchFamily="34" charset="0"/>
+              <a:cs typeface="Segoe UI" pitchFamily="34" charset="0"/>
+            </a:endParaRPr>
+          </a:p>
+        </p:txBody>
+      </p:sp>
+      <p:pic>
+        <p:nvPicPr>
+          <p:cNvPr id="2" name="Graphic 1">
+            <a:extLst>
+              <a:ext uri="{FF2B5EF4-FFF2-40B4-BE49-F238E27FC236}">
+                <a16:creationId xmlns:a16="http://schemas.microsoft.com/office/drawing/2014/main" id="{BB4BD62E-DE50-443B-986C-2AABE50DB880}"/>
+              </a:ext>
+            </a:extLst>
+          </p:cNvPr>
+          <p:cNvPicPr>
+            <a:picLocks noChangeAspect="1"/>
+          </p:cNvPicPr>
+          <p:nvPr/>
+        </p:nvPicPr>
+        <p:blipFill>
+          <a:blip r:embed="rId3">
+            <a:extLst>
+              <a:ext uri="{96DAC541-7B7A-43D3-8B79-37D633B846F1}">
+                <asvg:svgBlip xmlns:asvg="http://schemas.microsoft.com/office/drawing/2016/SVG/main" r:embed="rId4"/>
+              </a:ext>
+            </a:extLst>
+          </a:blip>
+          <a:stretch>
+            <a:fillRect/>
+          </a:stretch>
+        </p:blipFill>
+        <p:spPr>
+          <a:xfrm>
+            <a:off x="11430" y="0"/>
+            <a:ext cx="12169140" cy="6858000"/>
+          </a:xfrm>
+          <a:prstGeom prst="rect">
+            <a:avLst/>
+          </a:prstGeom>
+        </p:spPr>
+      </p:pic>
+      <p:sp>
+        <p:nvSpPr>
+          <p:cNvPr id="7" name="Rectángulo 2">
+            <a:extLst>
+              <a:ext uri="{FF2B5EF4-FFF2-40B4-BE49-F238E27FC236}">
+                <a16:creationId xmlns:a16="http://schemas.microsoft.com/office/drawing/2014/main" id="{8D4A2C7F-D78A-4A79-8105-D30F06827021}"/>
+              </a:ext>
+            </a:extLst>
+          </p:cNvPr>
+          <p:cNvSpPr/>
+          <p:nvPr>
+            <p:custDataLst>
+              <p:custData r:id="rId1"/>
+            </p:custDataLst>
+          </p:nvPr>
+        </p:nvSpPr>
+        <p:spPr>
+          <a:xfrm>
+            <a:off x="269384" y="6297908"/>
+            <a:ext cx="2436886" cy="480131"/>
+          </a:xfrm>
+          <a:prstGeom prst="rect">
+            <a:avLst/>
+          </a:prstGeom>
+        </p:spPr>
+        <p:txBody>
+          <a:bodyPr wrap="square">
+            <a:spAutoFit/>
+          </a:bodyPr>
+          <a:lstStyle/>
+          <a:p>
+            <a:pPr algn="ctr">
+              <a:lnSpc>
+                <a:spcPct val="90000"/>
+              </a:lnSpc>
+              <a:spcAft>
+                <a:spcPts val="600"/>
+              </a:spcAft>
+            </a:pPr>
+            <a:r>
+              <a:rPr lang="es-ES" sz="2800" b="1" u="none" dirty="0">
+                <a:solidFill>
+                  <a:schemeClr val="bg1"/>
+                </a:solidFill>
+              </a:rPr>
+              <a:t>#</a:t>
+            </a:r>
+            <a:r>
+              <a:rPr lang="es-ES" sz="2800" b="1" u="none" dirty="0" err="1">
+                <a:solidFill>
+                  <a:schemeClr val="bg1"/>
+                </a:solidFill>
+              </a:rPr>
+              <a:t>NetConfBcn</a:t>
+            </a:r>
+            <a:endParaRPr lang="en-US" sz="2800" b="1" u="none" dirty="0">
+              <a:solidFill>
+                <a:schemeClr val="bg1"/>
+              </a:solidFill>
+            </a:endParaRPr>
+          </a:p>
+        </p:txBody>
+      </p:sp>
+      <p:pic>
+        <p:nvPicPr>
+          <p:cNvPr id="5" name="Graphic 4">
+            <a:extLst>
+              <a:ext uri="{FF2B5EF4-FFF2-40B4-BE49-F238E27FC236}">
+                <a16:creationId xmlns:a16="http://schemas.microsoft.com/office/drawing/2014/main" id="{DDDE686A-A970-4743-859D-907B321C2C19}"/>
+              </a:ext>
+            </a:extLst>
+          </p:cNvPr>
+          <p:cNvPicPr>
+            <a:picLocks noChangeAspect="1"/>
+          </p:cNvPicPr>
+          <p:nvPr userDrawn="1"/>
+        </p:nvPicPr>
+        <p:blipFill>
+          <a:blip r:embed="rId3">
+            <a:extLst>
+              <a:ext uri="{96DAC541-7B7A-43D3-8B79-37D633B846F1}">
+                <asvg:svgBlip xmlns:asvg="http://schemas.microsoft.com/office/drawing/2016/SVG/main" r:embed="rId4"/>
+              </a:ext>
+            </a:extLst>
+          </a:blip>
+          <a:stretch>
+            <a:fillRect/>
+          </a:stretch>
+        </p:blipFill>
+        <p:spPr>
+          <a:xfrm>
+            <a:off x="11430" y="0"/>
+            <a:ext cx="12169140" cy="6858000"/>
+          </a:xfrm>
+          <a:prstGeom prst="rect">
+            <a:avLst/>
+          </a:prstGeom>
+        </p:spPr>
+      </p:pic>
+    </p:spTree>
+    <p:extLst>
+      <p:ext uri="{BB962C8B-B14F-4D97-AF65-F5344CB8AC3E}">
+        <p14:creationId xmlns:p14="http://schemas.microsoft.com/office/powerpoint/2010/main" val="2692131031"/>
+      </p:ext>
+    </p:extLst>
+  </p:cSld>
+  <p:clrMapOvr>
+    <a:overrideClrMapping bg1="lt1" tx1="dk1" bg2="lt2" tx2="dk2" accent1="accent1" accent2="accent2" accent3="accent3" accent4="accent4" accent5="accent5" accent6="accent6" hlink="hlink" folHlink="folHlink"/>
+  </p:clrMapOvr>
+  <p:transition>
+    <p:fade/>
+  </p:transition>
+</p:sldLayout>
+</file>
+
+<file path=ppt/slideLayouts/slideLayout29.xml><?xml version="1.0" encoding="utf-8"?>
+<p:sldLayout xmlns:a="http://schemas.openxmlformats.org/drawingml/2006/main" xmlns:r="http://schemas.openxmlformats.org/officeDocument/2006/relationships" xmlns:p="http://schemas.openxmlformats.org/presentationml/2006/main" preserve="1">
+  <p:cSld name="Blank Purple">
+    <p:bg>
+      <p:bgPr>
+        <a:solidFill>
+          <a:schemeClr val="accent1"/>
+        </a:solidFill>
+        <a:effectLst/>
+      </p:bgPr>
+    </p:bg>
+    <p:spTree>
+      <p:nvGrpSpPr>
+        <p:cNvPr id="1" name=""/>
+        <p:cNvGrpSpPr/>
+        <p:nvPr/>
+      </p:nvGrpSpPr>
+      <p:grpSpPr>
+        <a:xfrm>
+          <a:off x="0" y="0"/>
+          <a:ext cx="0" cy="0"/>
+          <a:chOff x="0" y="0"/>
+          <a:chExt cx="0" cy="0"/>
+        </a:xfrm>
+      </p:grpSpPr>
+      <p:sp>
+        <p:nvSpPr>
+          <p:cNvPr id="5" name="Rectángulo 2">
+            <a:extLst>
+              <a:ext uri="{FF2B5EF4-FFF2-40B4-BE49-F238E27FC236}">
+                <a16:creationId xmlns:a16="http://schemas.microsoft.com/office/drawing/2014/main" id="{9975DA80-B06D-4884-A0E1-EA93D9A214B3}"/>
+              </a:ext>
+            </a:extLst>
+          </p:cNvPr>
+          <p:cNvSpPr/>
+          <p:nvPr>
+            <p:custDataLst>
+              <p:custData r:id="rId1"/>
+            </p:custDataLst>
+          </p:nvPr>
+        </p:nvSpPr>
+        <p:spPr>
+          <a:xfrm>
+            <a:off x="269384" y="6297908"/>
+            <a:ext cx="2436886" cy="480131"/>
+          </a:xfrm>
+          <a:prstGeom prst="rect">
+            <a:avLst/>
+          </a:prstGeom>
+        </p:spPr>
+        <p:txBody>
+          <a:bodyPr wrap="square">
+            <a:spAutoFit/>
+          </a:bodyPr>
+          <a:lstStyle/>
+          <a:p>
+            <a:pPr algn="ctr">
+              <a:lnSpc>
+                <a:spcPct val="90000"/>
+              </a:lnSpc>
+              <a:spcAft>
+                <a:spcPts val="600"/>
+              </a:spcAft>
+            </a:pPr>
+            <a:r>
+              <a:rPr lang="es-ES" sz="2800" b="1" u="none" dirty="0">
+                <a:solidFill>
+                  <a:schemeClr val="bg1"/>
+                </a:solidFill>
+              </a:rPr>
+              <a:t>#</a:t>
+            </a:r>
+            <a:r>
+              <a:rPr lang="es-ES" sz="2800" b="1" u="none" dirty="0" err="1">
+                <a:solidFill>
+                  <a:schemeClr val="bg1"/>
+                </a:solidFill>
+              </a:rPr>
+              <a:t>NetConfBcn</a:t>
+            </a:r>
+            <a:endParaRPr lang="en-US" sz="2800" b="1" u="none" dirty="0">
+              <a:solidFill>
+                <a:schemeClr val="bg1"/>
+              </a:solidFill>
+            </a:endParaRPr>
+          </a:p>
+        </p:txBody>
+      </p:sp>
+    </p:spTree>
+    <p:extLst>
+      <p:ext uri="{BB962C8B-B14F-4D97-AF65-F5344CB8AC3E}">
+        <p14:creationId xmlns:p14="http://schemas.microsoft.com/office/powerpoint/2010/main" val="3142857319"/>
+      </p:ext>
+    </p:extLst>
+  </p:cSld>
+  <p:clrMapOvr>
+    <a:overrideClrMapping bg1="lt1" tx1="dk1" bg2="lt2" tx2="dk2" accent1="accent1" accent2="accent2" accent3="accent3" accent4="accent4" accent5="accent5" accent6="accent6" hlink="hlink" folHlink="folHlink"/>
+  </p:clrMapOvr>
+  <p:transition>
+    <p:fade/>
+  </p:transition>
+</p:sldLayout>
+</file>
+
 <file path=ppt/slideLayouts/slideLayout3.xml><?xml version="1.0" encoding="utf-8"?>
 <p:sldLayout xmlns:a="http://schemas.openxmlformats.org/drawingml/2006/main" xmlns:r="http://schemas.openxmlformats.org/officeDocument/2006/relationships" xmlns:p="http://schemas.openxmlformats.org/presentationml/2006/main" preserve="1">
   <p:cSld name="Title and Content">
@@ -2616,6 +6344,39 @@
   </p:cSld>
   <p:clrMapOvr>
     <a:overrideClrMapping bg1="lt1" tx1="dk1" bg2="lt2" tx2="dk2" accent1="accent1" accent2="accent2" accent3="accent3" accent4="accent4" accent5="accent5" accent6="accent6" hlink="hlink" folHlink="folHlink"/>
+  </p:clrMapOvr>
+  <p:transition>
+    <p:fade/>
+  </p:transition>
+</p:sldLayout>
+</file>
+
+<file path=ppt/slideLayouts/slideLayout30.xml><?xml version="1.0" encoding="utf-8"?>
+<p:sldLayout xmlns:a="http://schemas.openxmlformats.org/drawingml/2006/main" xmlns:r="http://schemas.openxmlformats.org/officeDocument/2006/relationships" xmlns:p="http://schemas.openxmlformats.org/presentationml/2006/main" preserve="1">
+  <p:cSld name="Blank Light">
+    <p:spTree>
+      <p:nvGrpSpPr>
+        <p:cNvPr id="1" name=""/>
+        <p:cNvGrpSpPr/>
+        <p:nvPr/>
+      </p:nvGrpSpPr>
+      <p:grpSpPr>
+        <a:xfrm>
+          <a:off x="0" y="0"/>
+          <a:ext cx="0" cy="0"/>
+          <a:chOff x="0" y="0"/>
+          <a:chExt cx="0" cy="0"/>
+        </a:xfrm>
+      </p:grpSpPr>
+    </p:spTree>
+    <p:extLst>
+      <p:ext uri="{BB962C8B-B14F-4D97-AF65-F5344CB8AC3E}">
+        <p14:creationId xmlns:p14="http://schemas.microsoft.com/office/powerpoint/2010/main" val="2272793914"/>
+      </p:ext>
+    </p:extLst>
+  </p:cSld>
+  <p:clrMapOvr>
+    <a:masterClrMapping/>
   </p:clrMapOvr>
   <p:transition>
     <p:fade/>
@@ -5929,6 +9690,2304 @@
 </p:sldMaster>
 </file>
 
+<file path=ppt/slideMasters/slideMaster2.xml><?xml version="1.0" encoding="utf-8"?>
+<p:sldMaster xmlns:a="http://schemas.openxmlformats.org/drawingml/2006/main" xmlns:r="http://schemas.openxmlformats.org/officeDocument/2006/relationships" xmlns:p="http://schemas.openxmlformats.org/presentationml/2006/main" preserve="1">
+  <p:cSld>
+    <p:bg>
+      <p:bgPr>
+        <a:solidFill>
+          <a:srgbClr val="F8F8F8"/>
+        </a:solidFill>
+        <a:effectLst/>
+      </p:bgPr>
+    </p:bg>
+    <p:spTree>
+      <p:nvGrpSpPr>
+        <p:cNvPr id="1" name=""/>
+        <p:cNvGrpSpPr/>
+        <p:nvPr/>
+      </p:nvGrpSpPr>
+      <p:grpSpPr>
+        <a:xfrm>
+          <a:off x="0" y="0"/>
+          <a:ext cx="0" cy="0"/>
+          <a:chOff x="0" y="0"/>
+          <a:chExt cx="0" cy="0"/>
+        </a:xfrm>
+      </p:grpSpPr>
+      <p:sp>
+        <p:nvSpPr>
+          <p:cNvPr id="2" name="Title Placeholder 1"/>
+          <p:cNvSpPr>
+            <a:spLocks noGrp="1"/>
+          </p:cNvSpPr>
+          <p:nvPr>
+            <p:ph type="title"/>
+          </p:nvPr>
+        </p:nvSpPr>
+        <p:spPr>
+          <a:xfrm>
+            <a:off x="269240" y="289511"/>
+            <a:ext cx="11655840" cy="899665"/>
+          </a:xfrm>
+          <a:prstGeom prst="rect">
+            <a:avLst/>
+          </a:prstGeom>
+        </p:spPr>
+        <p:txBody>
+          <a:bodyPr vert="horz" wrap="square" lIns="146304" tIns="91440" rIns="146304" bIns="91440" rtlCol="0" anchor="t">
+            <a:noAutofit/>
+          </a:bodyPr>
+          <a:lstStyle/>
+          <a:p>
+            <a:r>
+              <a:rPr lang="en-US"/>
+              <a:t>Click to edit Master title style</a:t>
+            </a:r>
+          </a:p>
+        </p:txBody>
+      </p:sp>
+      <p:sp>
+        <p:nvSpPr>
+          <p:cNvPr id="4" name="Text Placeholder 3"/>
+          <p:cNvSpPr>
+            <a:spLocks noGrp="1"/>
+          </p:cNvSpPr>
+          <p:nvPr>
+            <p:ph type="body" idx="1"/>
+          </p:nvPr>
+        </p:nvSpPr>
+        <p:spPr>
+          <a:xfrm>
+            <a:off x="269241" y="1189178"/>
+            <a:ext cx="11653521" cy="2052030"/>
+          </a:xfrm>
+          <a:prstGeom prst="rect">
+            <a:avLst/>
+          </a:prstGeom>
+        </p:spPr>
+        <p:txBody>
+          <a:bodyPr vert="horz" wrap="square" lIns="146304" tIns="91440" rIns="146304" bIns="91440" rtlCol="0">
+            <a:spAutoFit/>
+          </a:bodyPr>
+          <a:lstStyle/>
+          <a:p>
+            <a:pPr lvl="0"/>
+            <a:r>
+              <a:rPr lang="en-US"/>
+              <a:t>Click to edit Master text styles</a:t>
+            </a:r>
+          </a:p>
+          <a:p>
+            <a:pPr lvl="1"/>
+            <a:r>
+              <a:rPr lang="en-US"/>
+              <a:t>Second level</a:t>
+            </a:r>
+          </a:p>
+          <a:p>
+            <a:pPr lvl="2"/>
+            <a:r>
+              <a:rPr lang="en-US"/>
+              <a:t>Third level</a:t>
+            </a:r>
+          </a:p>
+          <a:p>
+            <a:pPr lvl="3"/>
+            <a:r>
+              <a:rPr lang="en-US"/>
+              <a:t>Fourth level</a:t>
+            </a:r>
+          </a:p>
+          <a:p>
+            <a:pPr lvl="4"/>
+            <a:r>
+              <a:rPr lang="en-US"/>
+              <a:t>Fifth level</a:t>
+            </a:r>
+          </a:p>
+        </p:txBody>
+      </p:sp>
+      <p:grpSp>
+        <p:nvGrpSpPr>
+          <p:cNvPr id="3" name="Group 2"/>
+          <p:cNvGrpSpPr/>
+          <p:nvPr/>
+        </p:nvGrpSpPr>
+        <p:grpSpPr>
+          <a:xfrm>
+            <a:off x="12370906" y="-217"/>
+            <a:ext cx="935477" cy="5654619"/>
+            <a:chOff x="12618967" y="-221"/>
+            <a:chExt cx="954235" cy="5767187"/>
+          </a:xfrm>
+        </p:grpSpPr>
+        <p:grpSp>
+          <p:nvGrpSpPr>
+            <p:cNvPr id="18" name="Group 17"/>
+            <p:cNvGrpSpPr/>
+            <p:nvPr userDrawn="1"/>
+          </p:nvGrpSpPr>
+          <p:grpSpPr>
+            <a:xfrm>
+              <a:off x="12618967" y="-221"/>
+              <a:ext cx="954235" cy="5767187"/>
+              <a:chOff x="12618967" y="-221"/>
+              <a:chExt cx="954235" cy="5767187"/>
+            </a:xfrm>
+          </p:grpSpPr>
+          <p:grpSp>
+            <p:nvGrpSpPr>
+              <p:cNvPr id="26" name="Group 25"/>
+              <p:cNvGrpSpPr/>
+              <p:nvPr userDrawn="1"/>
+            </p:nvGrpSpPr>
+            <p:grpSpPr>
+              <a:xfrm rot="5400000">
+                <a:off x="11582059" y="1045293"/>
+                <a:ext cx="2703052" cy="629236"/>
+                <a:chOff x="1586734" y="4543426"/>
+                <a:chExt cx="2703052" cy="629236"/>
+              </a:xfrm>
+            </p:grpSpPr>
+            <p:sp>
+              <p:nvSpPr>
+                <p:cNvPr id="45" name="Rectangle 44"/>
+                <p:cNvSpPr/>
+                <p:nvPr userDrawn="1"/>
+              </p:nvSpPr>
+              <p:spPr bwMode="auto">
+                <a:xfrm>
+                  <a:off x="1586734" y="4543427"/>
+                  <a:ext cx="869930" cy="289766"/>
+                </a:xfrm>
+                <a:prstGeom prst="rect">
+                  <a:avLst/>
+                </a:prstGeom>
+                <a:solidFill>
+                  <a:schemeClr val="accent1"/>
+                </a:solidFill>
+                <a:ln>
+                  <a:noFill/>
+                  <a:headEnd type="none" w="med" len="med"/>
+                  <a:tailEnd type="none" w="med" len="med"/>
+                </a:ln>
+                <a:effectLst/>
+              </p:spPr>
+              <p:style>
+                <a:lnRef idx="1">
+                  <a:schemeClr val="accent2"/>
+                </a:lnRef>
+                <a:fillRef idx="3">
+                  <a:schemeClr val="accent2"/>
+                </a:fillRef>
+                <a:effectRef idx="2">
+                  <a:schemeClr val="accent2"/>
+                </a:effectRef>
+                <a:fontRef idx="minor">
+                  <a:schemeClr val="lt1"/>
+                </a:fontRef>
+              </p:style>
+              <p:txBody>
+                <a:bodyPr rot="0" spcFirstLastPara="0" vertOverflow="overflow" horzOverflow="overflow" vert="horz" wrap="square" lIns="45720" tIns="45720" rIns="0" bIns="0" numCol="1" spcCol="0" rtlCol="0" fromWordArt="0" anchor="t" anchorCtr="0" forceAA="0" compatLnSpc="1">
+                  <a:prstTxWarp prst="textNoShape">
+                    <a:avLst/>
+                  </a:prstTxWarp>
+                  <a:noAutofit/>
+                </a:bodyPr>
+                <a:lstStyle/>
+                <a:p>
+                  <a:pPr marL="0" algn="l" defTabSz="914102" rtl="0" eaLnBrk="1" fontAlgn="base" latinLnBrk="0" hangingPunct="1">
+                    <a:lnSpc>
+                      <a:spcPct val="100000"/>
+                    </a:lnSpc>
+                    <a:spcBef>
+                      <a:spcPct val="0"/>
+                    </a:spcBef>
+                    <a:spcAft>
+                      <a:spcPct val="0"/>
+                    </a:spcAft>
+                  </a:pPr>
+                  <a:r>
+                    <a:rPr lang="en-US" sz="490" b="1" kern="1200" baseline="0">
+                      <a:gradFill>
+                        <a:gsLst>
+                          <a:gs pos="0">
+                            <a:srgbClr val="FFFFFF"/>
+                          </a:gs>
+                          <a:gs pos="100000">
+                            <a:srgbClr val="FFFFFF"/>
+                          </a:gs>
+                        </a:gsLst>
+                        <a:lin ang="5400000" scaled="0"/>
+                      </a:gradFill>
+                      <a:latin typeface="+mn-lt"/>
+                      <a:ea typeface="Segoe UI" pitchFamily="34" charset="0"/>
+                      <a:cs typeface="Segoe UI" pitchFamily="34" charset="0"/>
+                    </a:rPr>
+                    <a:t>Blue</a:t>
+                  </a:r>
+                </a:p>
+                <a:p>
+                  <a:pPr algn="l" defTabSz="914102" fontAlgn="base">
+                    <a:lnSpc>
+                      <a:spcPct val="100000"/>
+                    </a:lnSpc>
+                    <a:spcBef>
+                      <a:spcPct val="0"/>
+                    </a:spcBef>
+                    <a:spcAft>
+                      <a:spcPct val="0"/>
+                    </a:spcAft>
+                  </a:pPr>
+                  <a:r>
+                    <a:rPr lang="en-US" sz="490">
+                      <a:gradFill>
+                        <a:gsLst>
+                          <a:gs pos="2092">
+                            <a:srgbClr val="F8F8F8"/>
+                          </a:gs>
+                          <a:gs pos="10042">
+                            <a:srgbClr val="F8F8F8"/>
+                          </a:gs>
+                        </a:gsLst>
+                        <a:lin ang="5400000" scaled="0"/>
+                      </a:gradFill>
+                      <a:ea typeface="Segoe UI" pitchFamily="34" charset="0"/>
+                      <a:cs typeface="Segoe UI" pitchFamily="34" charset="0"/>
+                    </a:rPr>
+                    <a:t>R:</a:t>
+                  </a:r>
+                  <a:r>
+                    <a:rPr lang="en-US" sz="490" baseline="0">
+                      <a:gradFill>
+                        <a:gsLst>
+                          <a:gs pos="2092">
+                            <a:srgbClr val="F8F8F8"/>
+                          </a:gs>
+                          <a:gs pos="10042">
+                            <a:srgbClr val="F8F8F8"/>
+                          </a:gs>
+                        </a:gsLst>
+                        <a:lin ang="5400000" scaled="0"/>
+                      </a:gradFill>
+                      <a:ea typeface="Segoe UI" pitchFamily="34" charset="0"/>
+                      <a:cs typeface="Segoe UI" pitchFamily="34" charset="0"/>
+                    </a:rPr>
+                    <a:t>0 G:120 B:215</a:t>
+                  </a:r>
+                  <a:endParaRPr lang="en-US" sz="490">
+                    <a:gradFill>
+                      <a:gsLst>
+                        <a:gs pos="2092">
+                          <a:srgbClr val="F8F8F8"/>
+                        </a:gs>
+                        <a:gs pos="10042">
+                          <a:srgbClr val="F8F8F8"/>
+                        </a:gs>
+                      </a:gsLst>
+                      <a:lin ang="5400000" scaled="0"/>
+                    </a:gradFill>
+                    <a:ea typeface="Segoe UI" pitchFamily="34" charset="0"/>
+                    <a:cs typeface="Segoe UI" pitchFamily="34" charset="0"/>
+                  </a:endParaRPr>
+                </a:p>
+              </p:txBody>
+            </p:sp>
+            <p:sp>
+              <p:nvSpPr>
+                <p:cNvPr id="37" name="Rectangle 36"/>
+                <p:cNvSpPr/>
+                <p:nvPr userDrawn="1"/>
+              </p:nvSpPr>
+              <p:spPr bwMode="auto">
+                <a:xfrm>
+                  <a:off x="3419856" y="4543428"/>
+                  <a:ext cx="869930" cy="289766"/>
+                </a:xfrm>
+                <a:prstGeom prst="rect">
+                  <a:avLst/>
+                </a:prstGeom>
+                <a:solidFill>
+                  <a:schemeClr val="accent3"/>
+                </a:solidFill>
+                <a:ln>
+                  <a:noFill/>
+                  <a:headEnd type="none" w="med" len="med"/>
+                  <a:tailEnd type="none" w="med" len="med"/>
+                </a:ln>
+                <a:effectLst/>
+              </p:spPr>
+              <p:style>
+                <a:lnRef idx="1">
+                  <a:schemeClr val="accent2"/>
+                </a:lnRef>
+                <a:fillRef idx="3">
+                  <a:schemeClr val="accent2"/>
+                </a:fillRef>
+                <a:effectRef idx="2">
+                  <a:schemeClr val="accent2"/>
+                </a:effectRef>
+                <a:fontRef idx="minor">
+                  <a:schemeClr val="lt1"/>
+                </a:fontRef>
+              </p:style>
+              <p:txBody>
+                <a:bodyPr rot="0" spcFirstLastPara="0" vertOverflow="overflow" horzOverflow="overflow" vert="horz" wrap="square" lIns="45720" tIns="45720" rIns="0" bIns="0" numCol="1" spcCol="0" rtlCol="0" fromWordArt="0" anchor="t" anchorCtr="0" forceAA="0" compatLnSpc="1">
+                  <a:prstTxWarp prst="textNoShape">
+                    <a:avLst/>
+                  </a:prstTxWarp>
+                  <a:noAutofit/>
+                </a:bodyPr>
+                <a:lstStyle/>
+                <a:p>
+                  <a:pPr algn="l" defTabSz="914102" fontAlgn="base">
+                    <a:lnSpc>
+                      <a:spcPct val="100000"/>
+                    </a:lnSpc>
+                    <a:spcBef>
+                      <a:spcPct val="0"/>
+                    </a:spcBef>
+                    <a:spcAft>
+                      <a:spcPct val="0"/>
+                    </a:spcAft>
+                  </a:pPr>
+                  <a:r>
+                    <a:rPr lang="en-US" sz="490" b="1" kern="1200" baseline="0">
+                      <a:gradFill>
+                        <a:gsLst>
+                          <a:gs pos="7965">
+                            <a:srgbClr val="000000"/>
+                          </a:gs>
+                          <a:gs pos="28319">
+                            <a:srgbClr val="000000"/>
+                          </a:gs>
+                        </a:gsLst>
+                        <a:lin ang="5400000" scaled="0"/>
+                      </a:gradFill>
+                      <a:latin typeface="+mn-lt"/>
+                      <a:ea typeface="Segoe UI" pitchFamily="34" charset="0"/>
+                      <a:cs typeface="Segoe UI" pitchFamily="34" charset="0"/>
+                    </a:rPr>
+                    <a:t>Cyan</a:t>
+                  </a:r>
+                </a:p>
+                <a:p>
+                  <a:pPr algn="l" defTabSz="914102" fontAlgn="base">
+                    <a:lnSpc>
+                      <a:spcPct val="100000"/>
+                    </a:lnSpc>
+                    <a:spcBef>
+                      <a:spcPct val="0"/>
+                    </a:spcBef>
+                    <a:spcAft>
+                      <a:spcPct val="0"/>
+                    </a:spcAft>
+                  </a:pPr>
+                  <a:r>
+                    <a:rPr lang="en-US" sz="490">
+                      <a:gradFill>
+                        <a:gsLst>
+                          <a:gs pos="7965">
+                            <a:srgbClr val="000000"/>
+                          </a:gs>
+                          <a:gs pos="28319">
+                            <a:srgbClr val="000000"/>
+                          </a:gs>
+                        </a:gsLst>
+                        <a:lin ang="5400000" scaled="0"/>
+                      </a:gradFill>
+                      <a:ea typeface="Segoe UI" pitchFamily="34" charset="0"/>
+                      <a:cs typeface="Segoe UI" pitchFamily="34" charset="0"/>
+                    </a:rPr>
+                    <a:t>R:</a:t>
+                  </a:r>
+                  <a:r>
+                    <a:rPr lang="en-US" sz="490" baseline="0">
+                      <a:gradFill>
+                        <a:gsLst>
+                          <a:gs pos="7965">
+                            <a:srgbClr val="000000"/>
+                          </a:gs>
+                          <a:gs pos="28319">
+                            <a:srgbClr val="000000"/>
+                          </a:gs>
+                        </a:gsLst>
+                        <a:lin ang="5400000" scaled="0"/>
+                      </a:gradFill>
+                      <a:ea typeface="Segoe UI" pitchFamily="34" charset="0"/>
+                      <a:cs typeface="Segoe UI" pitchFamily="34" charset="0"/>
+                    </a:rPr>
+                    <a:t>0 G:188 B:242</a:t>
+                  </a:r>
+                  <a:endParaRPr lang="en-US" sz="490">
+                    <a:gradFill>
+                      <a:gsLst>
+                        <a:gs pos="7965">
+                          <a:srgbClr val="000000"/>
+                        </a:gs>
+                        <a:gs pos="28319">
+                          <a:srgbClr val="000000"/>
+                        </a:gs>
+                      </a:gsLst>
+                      <a:lin ang="5400000" scaled="0"/>
+                    </a:gradFill>
+                    <a:ea typeface="Segoe UI" pitchFamily="34" charset="0"/>
+                    <a:cs typeface="Segoe UI" pitchFamily="34" charset="0"/>
+                  </a:endParaRPr>
+                </a:p>
+              </p:txBody>
+            </p:sp>
+            <p:sp>
+              <p:nvSpPr>
+                <p:cNvPr id="41" name="Rectangle 40"/>
+                <p:cNvSpPr/>
+                <p:nvPr userDrawn="1"/>
+              </p:nvSpPr>
+              <p:spPr bwMode="auto">
+                <a:xfrm>
+                  <a:off x="1586734" y="4882896"/>
+                  <a:ext cx="869930" cy="289766"/>
+                </a:xfrm>
+                <a:prstGeom prst="rect">
+                  <a:avLst/>
+                </a:prstGeom>
+                <a:solidFill>
+                  <a:srgbClr val="D2D2D2"/>
+                </a:solidFill>
+                <a:ln>
+                  <a:noFill/>
+                  <a:headEnd type="none" w="med" len="med"/>
+                  <a:tailEnd type="none" w="med" len="med"/>
+                </a:ln>
+                <a:effectLst/>
+              </p:spPr>
+              <p:style>
+                <a:lnRef idx="1">
+                  <a:schemeClr val="accent2"/>
+                </a:lnRef>
+                <a:fillRef idx="3">
+                  <a:schemeClr val="accent2"/>
+                </a:fillRef>
+                <a:effectRef idx="2">
+                  <a:schemeClr val="accent2"/>
+                </a:effectRef>
+                <a:fontRef idx="minor">
+                  <a:schemeClr val="lt1"/>
+                </a:fontRef>
+              </p:style>
+              <p:txBody>
+                <a:bodyPr rot="0" spcFirstLastPara="0" vertOverflow="overflow" horzOverflow="overflow" vert="horz" wrap="square" lIns="45720" tIns="45720" rIns="0" bIns="0" numCol="1" spcCol="0" rtlCol="0" fromWordArt="0" anchor="t" anchorCtr="0" forceAA="0" compatLnSpc="1">
+                  <a:prstTxWarp prst="textNoShape">
+                    <a:avLst/>
+                  </a:prstTxWarp>
+                  <a:noAutofit/>
+                </a:bodyPr>
+                <a:lstStyle/>
+                <a:p>
+                  <a:pPr algn="l" defTabSz="914102" fontAlgn="base">
+                    <a:lnSpc>
+                      <a:spcPct val="100000"/>
+                    </a:lnSpc>
+                    <a:spcBef>
+                      <a:spcPct val="0"/>
+                    </a:spcBef>
+                    <a:spcAft>
+                      <a:spcPct val="0"/>
+                    </a:spcAft>
+                  </a:pPr>
+                  <a:r>
+                    <a:rPr lang="en-US" sz="490" b="1" kern="1200" baseline="0">
+                      <a:gradFill>
+                        <a:gsLst>
+                          <a:gs pos="92035">
+                            <a:srgbClr val="505050"/>
+                          </a:gs>
+                          <a:gs pos="27000">
+                            <a:srgbClr val="505050"/>
+                          </a:gs>
+                        </a:gsLst>
+                        <a:lin ang="5400000" scaled="0"/>
+                      </a:gradFill>
+                      <a:latin typeface="+mn-lt"/>
+                      <a:ea typeface="Segoe UI" pitchFamily="34" charset="0"/>
+                      <a:cs typeface="Segoe UI" pitchFamily="34" charset="0"/>
+                    </a:rPr>
+                    <a:t>Light Gray</a:t>
+                  </a:r>
+                </a:p>
+                <a:p>
+                  <a:pPr algn="l" defTabSz="914102" fontAlgn="base">
+                    <a:lnSpc>
+                      <a:spcPct val="100000"/>
+                    </a:lnSpc>
+                    <a:spcBef>
+                      <a:spcPct val="0"/>
+                    </a:spcBef>
+                    <a:spcAft>
+                      <a:spcPct val="0"/>
+                    </a:spcAft>
+                  </a:pPr>
+                  <a:r>
+                    <a:rPr lang="en-US" sz="490">
+                      <a:gradFill>
+                        <a:gsLst>
+                          <a:gs pos="92035">
+                            <a:srgbClr val="505050"/>
+                          </a:gs>
+                          <a:gs pos="27000">
+                            <a:srgbClr val="505050"/>
+                          </a:gs>
+                        </a:gsLst>
+                        <a:lin ang="5400000" scaled="0"/>
+                      </a:gradFill>
+                      <a:ea typeface="Segoe UI" pitchFamily="34" charset="0"/>
+                      <a:cs typeface="Segoe UI" pitchFamily="34" charset="0"/>
+                    </a:rPr>
+                    <a:t>R:</a:t>
+                  </a:r>
+                  <a:r>
+                    <a:rPr lang="en-US" sz="490" baseline="0">
+                      <a:gradFill>
+                        <a:gsLst>
+                          <a:gs pos="92035">
+                            <a:srgbClr val="505050"/>
+                          </a:gs>
+                          <a:gs pos="27000">
+                            <a:srgbClr val="505050"/>
+                          </a:gs>
+                        </a:gsLst>
+                        <a:lin ang="5400000" scaled="0"/>
+                      </a:gradFill>
+                      <a:ea typeface="Segoe UI" pitchFamily="34" charset="0"/>
+                      <a:cs typeface="Segoe UI" pitchFamily="34" charset="0"/>
+                    </a:rPr>
+                    <a:t>210 G:210 B:210</a:t>
+                  </a:r>
+                  <a:endParaRPr lang="en-US" sz="490">
+                    <a:gradFill>
+                      <a:gsLst>
+                        <a:gs pos="92035">
+                          <a:srgbClr val="505050"/>
+                        </a:gs>
+                        <a:gs pos="27000">
+                          <a:srgbClr val="505050"/>
+                        </a:gs>
+                      </a:gsLst>
+                      <a:lin ang="5400000" scaled="0"/>
+                    </a:gradFill>
+                    <a:ea typeface="Segoe UI" pitchFamily="34" charset="0"/>
+                    <a:cs typeface="Segoe UI" pitchFamily="34" charset="0"/>
+                  </a:endParaRPr>
+                </a:p>
+              </p:txBody>
+            </p:sp>
+            <p:sp>
+              <p:nvSpPr>
+                <p:cNvPr id="42" name="Rectangle 41"/>
+                <p:cNvSpPr/>
+                <p:nvPr userDrawn="1"/>
+              </p:nvSpPr>
+              <p:spPr bwMode="auto">
+                <a:xfrm>
+                  <a:off x="2505456" y="4543426"/>
+                  <a:ext cx="869930" cy="289766"/>
+                </a:xfrm>
+                <a:prstGeom prst="rect">
+                  <a:avLst/>
+                </a:prstGeom>
+                <a:solidFill>
+                  <a:srgbClr val="5C2D91"/>
+                </a:solidFill>
+                <a:ln>
+                  <a:noFill/>
+                  <a:headEnd type="none" w="med" len="med"/>
+                  <a:tailEnd type="none" w="med" len="med"/>
+                </a:ln>
+                <a:effectLst/>
+              </p:spPr>
+              <p:style>
+                <a:lnRef idx="1">
+                  <a:schemeClr val="accent2"/>
+                </a:lnRef>
+                <a:fillRef idx="3">
+                  <a:schemeClr val="accent2"/>
+                </a:fillRef>
+                <a:effectRef idx="2">
+                  <a:schemeClr val="accent2"/>
+                </a:effectRef>
+                <a:fontRef idx="minor">
+                  <a:schemeClr val="lt1"/>
+                </a:fontRef>
+              </p:style>
+              <p:txBody>
+                <a:bodyPr rot="0" spcFirstLastPara="0" vertOverflow="overflow" horzOverflow="overflow" vert="horz" wrap="square" lIns="45720" tIns="45720" rIns="0" bIns="0" numCol="1" spcCol="0" rtlCol="0" fromWordArt="0" anchor="t" anchorCtr="0" forceAA="0" compatLnSpc="1">
+                  <a:prstTxWarp prst="textNoShape">
+                    <a:avLst/>
+                  </a:prstTxWarp>
+                  <a:noAutofit/>
+                </a:bodyPr>
+                <a:lstStyle/>
+                <a:p>
+                  <a:pPr marL="0" algn="l" defTabSz="914102" rtl="0" eaLnBrk="1" fontAlgn="base" latinLnBrk="0" hangingPunct="1">
+                    <a:lnSpc>
+                      <a:spcPct val="100000"/>
+                    </a:lnSpc>
+                    <a:spcBef>
+                      <a:spcPct val="0"/>
+                    </a:spcBef>
+                    <a:spcAft>
+                      <a:spcPct val="0"/>
+                    </a:spcAft>
+                  </a:pPr>
+                  <a:r>
+                    <a:rPr lang="en-US" sz="490" b="1" kern="1200" baseline="0">
+                      <a:gradFill>
+                        <a:gsLst>
+                          <a:gs pos="0">
+                            <a:srgbClr val="FFFFFF"/>
+                          </a:gs>
+                          <a:gs pos="100000">
+                            <a:srgbClr val="FFFFFF"/>
+                          </a:gs>
+                        </a:gsLst>
+                        <a:lin ang="5400000" scaled="0"/>
+                      </a:gradFill>
+                      <a:latin typeface="+mn-lt"/>
+                      <a:ea typeface="Segoe UI" pitchFamily="34" charset="0"/>
+                      <a:cs typeface="Segoe UI" pitchFamily="34" charset="0"/>
+                    </a:rPr>
+                    <a:t>Purple</a:t>
+                  </a:r>
+                </a:p>
+                <a:p>
+                  <a:pPr algn="l" defTabSz="914102" fontAlgn="base">
+                    <a:lnSpc>
+                      <a:spcPct val="100000"/>
+                    </a:lnSpc>
+                    <a:spcBef>
+                      <a:spcPct val="0"/>
+                    </a:spcBef>
+                    <a:spcAft>
+                      <a:spcPct val="0"/>
+                    </a:spcAft>
+                  </a:pPr>
+                  <a:r>
+                    <a:rPr lang="en-US" sz="490">
+                      <a:gradFill>
+                        <a:gsLst>
+                          <a:gs pos="0">
+                            <a:srgbClr val="FFFFFF"/>
+                          </a:gs>
+                          <a:gs pos="100000">
+                            <a:srgbClr val="FFFFFF"/>
+                          </a:gs>
+                        </a:gsLst>
+                        <a:lin ang="5400000" scaled="0"/>
+                      </a:gradFill>
+                      <a:ea typeface="Segoe UI" pitchFamily="34" charset="0"/>
+                      <a:cs typeface="Segoe UI" pitchFamily="34" charset="0"/>
+                    </a:rPr>
+                    <a:t>R:92</a:t>
+                  </a:r>
+                  <a:r>
+                    <a:rPr lang="en-US" sz="490" baseline="0">
+                      <a:gradFill>
+                        <a:gsLst>
+                          <a:gs pos="0">
+                            <a:srgbClr val="FFFFFF"/>
+                          </a:gs>
+                          <a:gs pos="100000">
+                            <a:srgbClr val="FFFFFF"/>
+                          </a:gs>
+                        </a:gsLst>
+                        <a:lin ang="5400000" scaled="0"/>
+                      </a:gradFill>
+                      <a:ea typeface="Segoe UI" pitchFamily="34" charset="0"/>
+                      <a:cs typeface="Segoe UI" pitchFamily="34" charset="0"/>
+                    </a:rPr>
+                    <a:t> G:45 B:145</a:t>
+                  </a:r>
+                  <a:endParaRPr lang="en-US" sz="490">
+                    <a:gradFill>
+                      <a:gsLst>
+                        <a:gs pos="0">
+                          <a:srgbClr val="FFFFFF"/>
+                        </a:gs>
+                        <a:gs pos="100000">
+                          <a:srgbClr val="FFFFFF"/>
+                        </a:gs>
+                      </a:gsLst>
+                      <a:lin ang="5400000" scaled="0"/>
+                    </a:gradFill>
+                    <a:ea typeface="Segoe UI" pitchFamily="34" charset="0"/>
+                    <a:cs typeface="Segoe UI" pitchFamily="34" charset="0"/>
+                  </a:endParaRPr>
+                </a:p>
+              </p:txBody>
+            </p:sp>
+            <p:sp>
+              <p:nvSpPr>
+                <p:cNvPr id="43" name="Rectangle 42"/>
+                <p:cNvSpPr/>
+                <p:nvPr userDrawn="1"/>
+              </p:nvSpPr>
+              <p:spPr bwMode="auto">
+                <a:xfrm>
+                  <a:off x="3413144" y="4882896"/>
+                  <a:ext cx="869930" cy="289766"/>
+                </a:xfrm>
+                <a:prstGeom prst="rect">
+                  <a:avLst/>
+                </a:prstGeom>
+                <a:solidFill>
+                  <a:srgbClr val="505050"/>
+                </a:solidFill>
+                <a:ln>
+                  <a:noFill/>
+                  <a:headEnd type="none" w="med" len="med"/>
+                  <a:tailEnd type="none" w="med" len="med"/>
+                </a:ln>
+                <a:effectLst/>
+              </p:spPr>
+              <p:style>
+                <a:lnRef idx="1">
+                  <a:schemeClr val="accent2"/>
+                </a:lnRef>
+                <a:fillRef idx="3">
+                  <a:schemeClr val="accent2"/>
+                </a:fillRef>
+                <a:effectRef idx="2">
+                  <a:schemeClr val="accent2"/>
+                </a:effectRef>
+                <a:fontRef idx="minor">
+                  <a:schemeClr val="lt1"/>
+                </a:fontRef>
+              </p:style>
+              <p:txBody>
+                <a:bodyPr rot="0" spcFirstLastPara="0" vertOverflow="overflow" horzOverflow="overflow" vert="horz" wrap="square" lIns="45720" tIns="45720" rIns="0" bIns="0" numCol="1" spcCol="0" rtlCol="0" fromWordArt="0" anchor="t" anchorCtr="0" forceAA="0" compatLnSpc="1">
+                  <a:prstTxWarp prst="textNoShape">
+                    <a:avLst/>
+                  </a:prstTxWarp>
+                  <a:noAutofit/>
+                </a:bodyPr>
+                <a:lstStyle/>
+                <a:p>
+                  <a:pPr marL="0" algn="l" defTabSz="914102" rtl="0" eaLnBrk="1" fontAlgn="base" latinLnBrk="0" hangingPunct="1">
+                    <a:lnSpc>
+                      <a:spcPct val="100000"/>
+                    </a:lnSpc>
+                    <a:spcBef>
+                      <a:spcPct val="0"/>
+                    </a:spcBef>
+                    <a:spcAft>
+                      <a:spcPct val="0"/>
+                    </a:spcAft>
+                  </a:pPr>
+                  <a:r>
+                    <a:rPr lang="en-US" sz="490" b="1" kern="1200" baseline="0">
+                      <a:gradFill>
+                        <a:gsLst>
+                          <a:gs pos="0">
+                            <a:srgbClr val="FFFFFF"/>
+                          </a:gs>
+                          <a:gs pos="100000">
+                            <a:srgbClr val="FFFFFF"/>
+                          </a:gs>
+                        </a:gsLst>
+                        <a:lin ang="5400000" scaled="0"/>
+                      </a:gradFill>
+                      <a:latin typeface="+mn-lt"/>
+                      <a:ea typeface="Segoe UI" pitchFamily="34" charset="0"/>
+                      <a:cs typeface="Segoe UI" pitchFamily="34" charset="0"/>
+                    </a:rPr>
+                    <a:t>Dark Gray</a:t>
+                  </a:r>
+                </a:p>
+                <a:p>
+                  <a:pPr algn="l" defTabSz="914102" fontAlgn="base">
+                    <a:lnSpc>
+                      <a:spcPct val="100000"/>
+                    </a:lnSpc>
+                    <a:spcBef>
+                      <a:spcPct val="0"/>
+                    </a:spcBef>
+                    <a:spcAft>
+                      <a:spcPct val="0"/>
+                    </a:spcAft>
+                  </a:pPr>
+                  <a:r>
+                    <a:rPr lang="en-US" sz="490">
+                      <a:gradFill>
+                        <a:gsLst>
+                          <a:gs pos="2092">
+                            <a:srgbClr val="F8F8F8"/>
+                          </a:gs>
+                          <a:gs pos="10042">
+                            <a:srgbClr val="F8F8F8"/>
+                          </a:gs>
+                        </a:gsLst>
+                        <a:lin ang="5400000" scaled="0"/>
+                      </a:gradFill>
+                      <a:ea typeface="Segoe UI" pitchFamily="34" charset="0"/>
+                      <a:cs typeface="Segoe UI" pitchFamily="34" charset="0"/>
+                    </a:rPr>
+                    <a:t>R:</a:t>
+                  </a:r>
+                  <a:r>
+                    <a:rPr lang="en-US" sz="490" baseline="0">
+                      <a:gradFill>
+                        <a:gsLst>
+                          <a:gs pos="2092">
+                            <a:srgbClr val="F8F8F8"/>
+                          </a:gs>
+                          <a:gs pos="10042">
+                            <a:srgbClr val="F8F8F8"/>
+                          </a:gs>
+                        </a:gsLst>
+                        <a:lin ang="5400000" scaled="0"/>
+                      </a:gradFill>
+                      <a:ea typeface="Segoe UI" pitchFamily="34" charset="0"/>
+                      <a:cs typeface="Segoe UI" pitchFamily="34" charset="0"/>
+                    </a:rPr>
+                    <a:t>80 G:80 B:80</a:t>
+                  </a:r>
+                  <a:endParaRPr lang="en-US" sz="490">
+                    <a:gradFill>
+                      <a:gsLst>
+                        <a:gs pos="2092">
+                          <a:srgbClr val="F8F8F8"/>
+                        </a:gs>
+                        <a:gs pos="10042">
+                          <a:srgbClr val="F8F8F8"/>
+                        </a:gs>
+                      </a:gsLst>
+                      <a:lin ang="5400000" scaled="0"/>
+                    </a:gradFill>
+                    <a:ea typeface="Segoe UI" pitchFamily="34" charset="0"/>
+                    <a:cs typeface="Segoe UI" pitchFamily="34" charset="0"/>
+                  </a:endParaRPr>
+                </a:p>
+              </p:txBody>
+            </p:sp>
+            <p:sp>
+              <p:nvSpPr>
+                <p:cNvPr id="44" name="Rectangle 43"/>
+                <p:cNvSpPr/>
+                <p:nvPr userDrawn="1"/>
+              </p:nvSpPr>
+              <p:spPr bwMode="auto">
+                <a:xfrm>
+                  <a:off x="2505456" y="4882895"/>
+                  <a:ext cx="869930" cy="289766"/>
+                </a:xfrm>
+                <a:prstGeom prst="rect">
+                  <a:avLst/>
+                </a:prstGeom>
+                <a:solidFill>
+                  <a:srgbClr val="737373"/>
+                </a:solidFill>
+                <a:ln>
+                  <a:noFill/>
+                  <a:headEnd type="none" w="med" len="med"/>
+                  <a:tailEnd type="none" w="med" len="med"/>
+                </a:ln>
+                <a:effectLst/>
+              </p:spPr>
+              <p:style>
+                <a:lnRef idx="1">
+                  <a:schemeClr val="accent2"/>
+                </a:lnRef>
+                <a:fillRef idx="3">
+                  <a:schemeClr val="accent2"/>
+                </a:fillRef>
+                <a:effectRef idx="2">
+                  <a:schemeClr val="accent2"/>
+                </a:effectRef>
+                <a:fontRef idx="minor">
+                  <a:schemeClr val="lt1"/>
+                </a:fontRef>
+              </p:style>
+              <p:txBody>
+                <a:bodyPr rot="0" spcFirstLastPara="0" vertOverflow="overflow" horzOverflow="overflow" vert="horz" wrap="square" lIns="45720" tIns="45720" rIns="0" bIns="0" numCol="1" spcCol="0" rtlCol="0" fromWordArt="0" anchor="t" anchorCtr="0" forceAA="0" compatLnSpc="1">
+                  <a:prstTxWarp prst="textNoShape">
+                    <a:avLst/>
+                  </a:prstTxWarp>
+                  <a:noAutofit/>
+                </a:bodyPr>
+                <a:lstStyle/>
+                <a:p>
+                  <a:pPr marL="0" algn="l" defTabSz="914102" rtl="0" eaLnBrk="1" fontAlgn="base" latinLnBrk="0" hangingPunct="1">
+                    <a:lnSpc>
+                      <a:spcPct val="100000"/>
+                    </a:lnSpc>
+                    <a:spcBef>
+                      <a:spcPct val="0"/>
+                    </a:spcBef>
+                    <a:spcAft>
+                      <a:spcPct val="0"/>
+                    </a:spcAft>
+                  </a:pPr>
+                  <a:r>
+                    <a:rPr lang="en-US" sz="490" b="1" kern="1200" baseline="0">
+                      <a:gradFill>
+                        <a:gsLst>
+                          <a:gs pos="0">
+                            <a:srgbClr val="FFFFFF"/>
+                          </a:gs>
+                          <a:gs pos="100000">
+                            <a:srgbClr val="FFFFFF"/>
+                          </a:gs>
+                        </a:gsLst>
+                        <a:lin ang="5400000" scaled="0"/>
+                      </a:gradFill>
+                      <a:latin typeface="+mn-lt"/>
+                      <a:ea typeface="Segoe UI" pitchFamily="34" charset="0"/>
+                      <a:cs typeface="Segoe UI" pitchFamily="34" charset="0"/>
+                    </a:rPr>
+                    <a:t>Gray</a:t>
+                  </a:r>
+                </a:p>
+                <a:p>
+                  <a:pPr algn="l" defTabSz="914102" fontAlgn="base">
+                    <a:lnSpc>
+                      <a:spcPct val="100000"/>
+                    </a:lnSpc>
+                    <a:spcBef>
+                      <a:spcPct val="0"/>
+                    </a:spcBef>
+                    <a:spcAft>
+                      <a:spcPct val="0"/>
+                    </a:spcAft>
+                  </a:pPr>
+                  <a:r>
+                    <a:rPr lang="en-US" sz="490">
+                      <a:gradFill>
+                        <a:gsLst>
+                          <a:gs pos="2092">
+                            <a:srgbClr val="F8F8F8"/>
+                          </a:gs>
+                          <a:gs pos="10042">
+                            <a:srgbClr val="F8F8F8"/>
+                          </a:gs>
+                        </a:gsLst>
+                        <a:lin ang="5400000" scaled="0"/>
+                      </a:gradFill>
+                      <a:ea typeface="Segoe UI" pitchFamily="34" charset="0"/>
+                      <a:cs typeface="Segoe UI" pitchFamily="34" charset="0"/>
+                    </a:rPr>
+                    <a:t>R:</a:t>
+                  </a:r>
+                  <a:r>
+                    <a:rPr lang="en-US" sz="490" baseline="0">
+                      <a:gradFill>
+                        <a:gsLst>
+                          <a:gs pos="2092">
+                            <a:srgbClr val="F8F8F8"/>
+                          </a:gs>
+                          <a:gs pos="10042">
+                            <a:srgbClr val="F8F8F8"/>
+                          </a:gs>
+                        </a:gsLst>
+                        <a:lin ang="5400000" scaled="0"/>
+                      </a:gradFill>
+                      <a:ea typeface="Segoe UI" pitchFamily="34" charset="0"/>
+                      <a:cs typeface="Segoe UI" pitchFamily="34" charset="0"/>
+                    </a:rPr>
+                    <a:t>115 G:115 B:115</a:t>
+                  </a:r>
+                  <a:endParaRPr lang="en-US" sz="490">
+                    <a:gradFill>
+                      <a:gsLst>
+                        <a:gs pos="2092">
+                          <a:srgbClr val="F8F8F8"/>
+                        </a:gs>
+                        <a:gs pos="10042">
+                          <a:srgbClr val="F8F8F8"/>
+                        </a:gs>
+                      </a:gsLst>
+                      <a:lin ang="5400000" scaled="0"/>
+                    </a:gradFill>
+                    <a:ea typeface="Segoe UI" pitchFamily="34" charset="0"/>
+                    <a:cs typeface="Segoe UI" pitchFamily="34" charset="0"/>
+                  </a:endParaRPr>
+                </a:p>
+              </p:txBody>
+            </p:sp>
+          </p:grpSp>
+          <p:grpSp>
+            <p:nvGrpSpPr>
+              <p:cNvPr id="27" name="Group 26"/>
+              <p:cNvGrpSpPr/>
+              <p:nvPr userDrawn="1"/>
+            </p:nvGrpSpPr>
+            <p:grpSpPr>
+              <a:xfrm rot="5400000">
+                <a:off x="10970856" y="3489620"/>
+                <a:ext cx="3925458" cy="629233"/>
+                <a:chOff x="3254158" y="4203959"/>
+                <a:chExt cx="3925458" cy="629233"/>
+              </a:xfrm>
+            </p:grpSpPr>
+            <p:sp>
+              <p:nvSpPr>
+                <p:cNvPr id="33" name="Rectangle 32"/>
+                <p:cNvSpPr/>
+                <p:nvPr userDrawn="1"/>
+              </p:nvSpPr>
+              <p:spPr bwMode="auto">
+                <a:xfrm>
+                  <a:off x="5395286" y="4543426"/>
+                  <a:ext cx="869930" cy="289766"/>
+                </a:xfrm>
+                <a:prstGeom prst="rect">
+                  <a:avLst/>
+                </a:prstGeom>
+                <a:solidFill>
+                  <a:srgbClr val="FFB900"/>
+                </a:solidFill>
+                <a:ln>
+                  <a:noFill/>
+                  <a:headEnd type="none" w="med" len="med"/>
+                  <a:tailEnd type="none" w="med" len="med"/>
+                </a:ln>
+                <a:effectLst/>
+              </p:spPr>
+              <p:style>
+                <a:lnRef idx="1">
+                  <a:schemeClr val="accent2"/>
+                </a:lnRef>
+                <a:fillRef idx="3">
+                  <a:schemeClr val="accent2"/>
+                </a:fillRef>
+                <a:effectRef idx="2">
+                  <a:schemeClr val="accent2"/>
+                </a:effectRef>
+                <a:fontRef idx="minor">
+                  <a:schemeClr val="lt1"/>
+                </a:fontRef>
+              </p:style>
+              <p:txBody>
+                <a:bodyPr rot="0" spcFirstLastPara="0" vertOverflow="overflow" horzOverflow="overflow" vert="horz" wrap="square" lIns="45720" tIns="45720" rIns="0" bIns="0" numCol="1" spcCol="0" rtlCol="0" fromWordArt="0" anchor="t" anchorCtr="0" forceAA="0" compatLnSpc="1">
+                  <a:prstTxWarp prst="textNoShape">
+                    <a:avLst/>
+                  </a:prstTxWarp>
+                  <a:noAutofit/>
+                </a:bodyPr>
+                <a:lstStyle/>
+                <a:p>
+                  <a:pPr marL="0" algn="l" defTabSz="914102" rtl="0" eaLnBrk="1" fontAlgn="base" latinLnBrk="0" hangingPunct="1">
+                    <a:lnSpc>
+                      <a:spcPct val="100000"/>
+                    </a:lnSpc>
+                    <a:spcBef>
+                      <a:spcPct val="0"/>
+                    </a:spcBef>
+                    <a:spcAft>
+                      <a:spcPct val="0"/>
+                    </a:spcAft>
+                  </a:pPr>
+                  <a:r>
+                    <a:rPr lang="en-US" sz="490" b="1" kern="1200" baseline="0">
+                      <a:solidFill>
+                        <a:srgbClr val="000000"/>
+                      </a:solidFill>
+                      <a:latin typeface="+mn-lt"/>
+                      <a:ea typeface="Segoe UI" pitchFamily="34" charset="0"/>
+                      <a:cs typeface="Segoe UI" pitchFamily="34" charset="0"/>
+                    </a:rPr>
+                    <a:t>Yellow</a:t>
+                  </a:r>
+                </a:p>
+                <a:p>
+                  <a:pPr marL="0" algn="l" defTabSz="914102" rtl="0" eaLnBrk="1" fontAlgn="base" latinLnBrk="0" hangingPunct="1">
+                    <a:lnSpc>
+                      <a:spcPct val="100000"/>
+                    </a:lnSpc>
+                    <a:spcBef>
+                      <a:spcPct val="0"/>
+                    </a:spcBef>
+                    <a:spcAft>
+                      <a:spcPct val="0"/>
+                    </a:spcAft>
+                  </a:pPr>
+                  <a:r>
+                    <a:rPr lang="en-US" sz="490" kern="1200">
+                      <a:solidFill>
+                        <a:srgbClr val="000000"/>
+                      </a:solidFill>
+                      <a:latin typeface="+mn-lt"/>
+                      <a:ea typeface="Segoe UI" pitchFamily="34" charset="0"/>
+                      <a:cs typeface="Segoe UI" pitchFamily="34" charset="0"/>
+                    </a:rPr>
+                    <a:t>R:255 G:185 B:0</a:t>
+                  </a:r>
+                </a:p>
+              </p:txBody>
+            </p:sp>
+            <p:sp>
+              <p:nvSpPr>
+                <p:cNvPr id="34" name="Rectangle 33"/>
+                <p:cNvSpPr/>
+                <p:nvPr userDrawn="1"/>
+              </p:nvSpPr>
+              <p:spPr bwMode="auto">
+                <a:xfrm>
+                  <a:off x="6309686" y="4543426"/>
+                  <a:ext cx="869930" cy="289766"/>
+                </a:xfrm>
+                <a:prstGeom prst="rect">
+                  <a:avLst/>
+                </a:prstGeom>
+                <a:solidFill>
+                  <a:srgbClr val="D83B01"/>
+                </a:solidFill>
+                <a:ln>
+                  <a:noFill/>
+                  <a:headEnd type="none" w="med" len="med"/>
+                  <a:tailEnd type="none" w="med" len="med"/>
+                </a:ln>
+                <a:effectLst/>
+              </p:spPr>
+              <p:style>
+                <a:lnRef idx="1">
+                  <a:schemeClr val="accent2"/>
+                </a:lnRef>
+                <a:fillRef idx="3">
+                  <a:schemeClr val="accent2"/>
+                </a:fillRef>
+                <a:effectRef idx="2">
+                  <a:schemeClr val="accent2"/>
+                </a:effectRef>
+                <a:fontRef idx="minor">
+                  <a:schemeClr val="lt1"/>
+                </a:fontRef>
+              </p:style>
+              <p:txBody>
+                <a:bodyPr rot="0" spcFirstLastPara="0" vertOverflow="overflow" horzOverflow="overflow" vert="horz" wrap="square" lIns="45720" tIns="45720" rIns="0" bIns="0" numCol="1" spcCol="0" rtlCol="0" fromWordArt="0" anchor="t" anchorCtr="0" forceAA="0" compatLnSpc="1">
+                  <a:prstTxWarp prst="textNoShape">
+                    <a:avLst/>
+                  </a:prstTxWarp>
+                  <a:noAutofit/>
+                </a:bodyPr>
+                <a:lstStyle/>
+                <a:p>
+                  <a:pPr marL="0" algn="l" defTabSz="914102" rtl="0" eaLnBrk="1" fontAlgn="base" latinLnBrk="0" hangingPunct="1">
+                    <a:lnSpc>
+                      <a:spcPct val="100000"/>
+                    </a:lnSpc>
+                    <a:spcBef>
+                      <a:spcPct val="0"/>
+                    </a:spcBef>
+                    <a:spcAft>
+                      <a:spcPct val="0"/>
+                    </a:spcAft>
+                  </a:pPr>
+                  <a:r>
+                    <a:rPr lang="en-US" sz="490" b="1" kern="1200" baseline="0">
+                      <a:gradFill>
+                        <a:gsLst>
+                          <a:gs pos="0">
+                            <a:srgbClr val="FFFFFF"/>
+                          </a:gs>
+                          <a:gs pos="100000">
+                            <a:srgbClr val="FFFFFF"/>
+                          </a:gs>
+                        </a:gsLst>
+                        <a:lin ang="5400000" scaled="0"/>
+                      </a:gradFill>
+                      <a:latin typeface="+mn-lt"/>
+                      <a:ea typeface="Segoe UI" pitchFamily="34" charset="0"/>
+                      <a:cs typeface="Segoe UI" pitchFamily="34" charset="0"/>
+                    </a:rPr>
+                    <a:t>Orange</a:t>
+                  </a:r>
+                </a:p>
+                <a:p>
+                  <a:pPr algn="l" defTabSz="914102" fontAlgn="base">
+                    <a:lnSpc>
+                      <a:spcPct val="100000"/>
+                    </a:lnSpc>
+                    <a:spcBef>
+                      <a:spcPct val="0"/>
+                    </a:spcBef>
+                    <a:spcAft>
+                      <a:spcPct val="0"/>
+                    </a:spcAft>
+                  </a:pPr>
+                  <a:r>
+                    <a:rPr lang="en-US" sz="490">
+                      <a:gradFill>
+                        <a:gsLst>
+                          <a:gs pos="2092">
+                            <a:srgbClr val="F8F8F8"/>
+                          </a:gs>
+                          <a:gs pos="10042">
+                            <a:srgbClr val="F8F8F8"/>
+                          </a:gs>
+                        </a:gsLst>
+                        <a:lin ang="5400000" scaled="0"/>
+                      </a:gradFill>
+                      <a:ea typeface="Segoe UI" pitchFamily="34" charset="0"/>
+                      <a:cs typeface="Segoe UI" pitchFamily="34" charset="0"/>
+                    </a:rPr>
+                    <a:t>R:</a:t>
+                  </a:r>
+                  <a:r>
+                    <a:rPr lang="en-US" sz="490" baseline="0">
+                      <a:gradFill>
+                        <a:gsLst>
+                          <a:gs pos="2092">
+                            <a:srgbClr val="F8F8F8"/>
+                          </a:gs>
+                          <a:gs pos="10042">
+                            <a:srgbClr val="F8F8F8"/>
+                          </a:gs>
+                        </a:gsLst>
+                        <a:lin ang="5400000" scaled="0"/>
+                      </a:gradFill>
+                      <a:ea typeface="Segoe UI" pitchFamily="34" charset="0"/>
+                      <a:cs typeface="Segoe UI" pitchFamily="34" charset="0"/>
+                    </a:rPr>
+                    <a:t>216 G:59 B:1</a:t>
+                  </a:r>
+                </a:p>
+              </p:txBody>
+            </p:sp>
+            <p:sp>
+              <p:nvSpPr>
+                <p:cNvPr id="35" name="Rectangle 34"/>
+                <p:cNvSpPr/>
+                <p:nvPr userDrawn="1"/>
+              </p:nvSpPr>
+              <p:spPr bwMode="auto">
+                <a:xfrm>
+                  <a:off x="3254158" y="4203959"/>
+                  <a:ext cx="869930" cy="289766"/>
+                </a:xfrm>
+                <a:prstGeom prst="rect">
+                  <a:avLst/>
+                </a:prstGeom>
+                <a:solidFill>
+                  <a:srgbClr val="008272"/>
+                </a:solidFill>
+                <a:ln>
+                  <a:noFill/>
+                  <a:headEnd type="none" w="med" len="med"/>
+                  <a:tailEnd type="none" w="med" len="med"/>
+                </a:ln>
+                <a:effectLst/>
+              </p:spPr>
+              <p:style>
+                <a:lnRef idx="1">
+                  <a:schemeClr val="accent2"/>
+                </a:lnRef>
+                <a:fillRef idx="3">
+                  <a:schemeClr val="accent2"/>
+                </a:fillRef>
+                <a:effectRef idx="2">
+                  <a:schemeClr val="accent2"/>
+                </a:effectRef>
+                <a:fontRef idx="minor">
+                  <a:schemeClr val="lt1"/>
+                </a:fontRef>
+              </p:style>
+              <p:txBody>
+                <a:bodyPr rot="0" spcFirstLastPara="0" vertOverflow="overflow" horzOverflow="overflow" vert="horz" wrap="square" lIns="45720" tIns="45720" rIns="0" bIns="0" numCol="1" spcCol="0" rtlCol="0" fromWordArt="0" anchor="t" anchorCtr="0" forceAA="0" compatLnSpc="1">
+                  <a:prstTxWarp prst="textNoShape">
+                    <a:avLst/>
+                  </a:prstTxWarp>
+                  <a:noAutofit/>
+                </a:bodyPr>
+                <a:lstStyle/>
+                <a:p>
+                  <a:pPr marL="0" algn="l" defTabSz="914102" rtl="0" eaLnBrk="1" fontAlgn="base" latinLnBrk="0" hangingPunct="1">
+                    <a:lnSpc>
+                      <a:spcPct val="100000"/>
+                    </a:lnSpc>
+                    <a:spcBef>
+                      <a:spcPct val="0"/>
+                    </a:spcBef>
+                    <a:spcAft>
+                      <a:spcPct val="0"/>
+                    </a:spcAft>
+                  </a:pPr>
+                  <a:r>
+                    <a:rPr lang="en-US" sz="490" b="1" kern="1200" baseline="0">
+                      <a:gradFill>
+                        <a:gsLst>
+                          <a:gs pos="0">
+                            <a:srgbClr val="FFFFFF"/>
+                          </a:gs>
+                          <a:gs pos="100000">
+                            <a:srgbClr val="FFFFFF"/>
+                          </a:gs>
+                        </a:gsLst>
+                        <a:lin ang="5400000" scaled="0"/>
+                      </a:gradFill>
+                      <a:latin typeface="+mn-lt"/>
+                      <a:ea typeface="Segoe UI" pitchFamily="34" charset="0"/>
+                      <a:cs typeface="Segoe UI" pitchFamily="34" charset="0"/>
+                    </a:rPr>
+                    <a:t>Teal</a:t>
+                  </a:r>
+                </a:p>
+                <a:p>
+                  <a:pPr algn="l" defTabSz="914102" fontAlgn="base">
+                    <a:lnSpc>
+                      <a:spcPct val="100000"/>
+                    </a:lnSpc>
+                    <a:spcBef>
+                      <a:spcPct val="0"/>
+                    </a:spcBef>
+                    <a:spcAft>
+                      <a:spcPct val="0"/>
+                    </a:spcAft>
+                  </a:pPr>
+                  <a:r>
+                    <a:rPr lang="en-US" sz="490">
+                      <a:gradFill>
+                        <a:gsLst>
+                          <a:gs pos="2092">
+                            <a:srgbClr val="F8F8F8"/>
+                          </a:gs>
+                          <a:gs pos="10042">
+                            <a:srgbClr val="F8F8F8"/>
+                          </a:gs>
+                        </a:gsLst>
+                        <a:lin ang="5400000" scaled="0"/>
+                      </a:gradFill>
+                      <a:ea typeface="Segoe UI" pitchFamily="34" charset="0"/>
+                      <a:cs typeface="Segoe UI" pitchFamily="34" charset="0"/>
+                    </a:rPr>
+                    <a:t>R:0</a:t>
+                  </a:r>
+                  <a:r>
+                    <a:rPr lang="en-US" sz="490" baseline="0">
+                      <a:gradFill>
+                        <a:gsLst>
+                          <a:gs pos="2092">
+                            <a:srgbClr val="F8F8F8"/>
+                          </a:gs>
+                          <a:gs pos="10042">
+                            <a:srgbClr val="F8F8F8"/>
+                          </a:gs>
+                        </a:gsLst>
+                        <a:lin ang="5400000" scaled="0"/>
+                      </a:gradFill>
+                      <a:ea typeface="Segoe UI" pitchFamily="34" charset="0"/>
+                      <a:cs typeface="Segoe UI" pitchFamily="34" charset="0"/>
+                    </a:rPr>
+                    <a:t> G:130 B:114</a:t>
+                  </a:r>
+                  <a:endParaRPr lang="en-US" sz="490">
+                    <a:gradFill>
+                      <a:gsLst>
+                        <a:gs pos="2092">
+                          <a:srgbClr val="F8F8F8"/>
+                        </a:gs>
+                        <a:gs pos="10042">
+                          <a:srgbClr val="F8F8F8"/>
+                        </a:gs>
+                      </a:gsLst>
+                      <a:lin ang="5400000" scaled="0"/>
+                    </a:gradFill>
+                    <a:ea typeface="Segoe UI" pitchFamily="34" charset="0"/>
+                    <a:cs typeface="Segoe UI" pitchFamily="34" charset="0"/>
+                  </a:endParaRPr>
+                </a:p>
+              </p:txBody>
+            </p:sp>
+          </p:grpSp>
+          <p:sp>
+            <p:nvSpPr>
+              <p:cNvPr id="28" name="TextBox 27"/>
+              <p:cNvSpPr txBox="1"/>
+              <p:nvPr userDrawn="1"/>
+            </p:nvSpPr>
+            <p:spPr>
+              <a:xfrm rot="5400000">
+                <a:off x="12987813" y="258334"/>
+                <a:ext cx="843944" cy="326834"/>
+              </a:xfrm>
+              <a:prstGeom prst="rect">
+                <a:avLst/>
+              </a:prstGeom>
+              <a:noFill/>
+            </p:spPr>
+            <p:txBody>
+              <a:bodyPr wrap="none" lIns="0" tIns="91440" rIns="182880" bIns="91440" rtlCol="0">
+                <a:spAutoFit/>
+              </a:bodyPr>
+              <a:lstStyle/>
+              <a:p>
+                <a:pPr>
+                  <a:lnSpc>
+                    <a:spcPct val="90000"/>
+                  </a:lnSpc>
+                  <a:spcAft>
+                    <a:spcPts val="588"/>
+                  </a:spcAft>
+                </a:pPr>
+                <a:r>
+                  <a:rPr lang="en-US" sz="980">
+                    <a:gradFill>
+                      <a:gsLst>
+                        <a:gs pos="2917">
+                          <a:schemeClr val="tx1"/>
+                        </a:gs>
+                        <a:gs pos="30000">
+                          <a:schemeClr val="tx1"/>
+                        </a:gs>
+                      </a:gsLst>
+                      <a:lin ang="5400000" scaled="0"/>
+                    </a:gradFill>
+                  </a:rPr>
+                  <a:t>Main colors</a:t>
+                </a:r>
+              </a:p>
+            </p:txBody>
+          </p:sp>
+          <p:sp>
+            <p:nvSpPr>
+              <p:cNvPr id="32" name="TextBox 31"/>
+              <p:cNvSpPr txBox="1"/>
+              <p:nvPr userDrawn="1"/>
+            </p:nvSpPr>
+            <p:spPr>
+              <a:xfrm rot="5400000">
+                <a:off x="11746691" y="4228746"/>
+                <a:ext cx="2647253" cy="326834"/>
+              </a:xfrm>
+              <a:prstGeom prst="rect">
+                <a:avLst/>
+              </a:prstGeom>
+              <a:noFill/>
+            </p:spPr>
+            <p:txBody>
+              <a:bodyPr wrap="none" lIns="0" tIns="91440" rIns="182880" bIns="91440" rtlCol="0">
+                <a:spAutoFit/>
+              </a:bodyPr>
+              <a:lstStyle/>
+              <a:p>
+                <a:pPr>
+                  <a:lnSpc>
+                    <a:spcPct val="90000"/>
+                  </a:lnSpc>
+                  <a:spcAft>
+                    <a:spcPts val="588"/>
+                  </a:spcAft>
+                </a:pPr>
+                <a:r>
+                  <a:rPr lang="en-US" sz="980">
+                    <a:gradFill>
+                      <a:gsLst>
+                        <a:gs pos="2917">
+                          <a:schemeClr val="tx1"/>
+                        </a:gs>
+                        <a:gs pos="30000">
+                          <a:schemeClr val="tx1"/>
+                        </a:gs>
+                      </a:gsLst>
+                      <a:lin ang="5400000" scaled="0"/>
+                    </a:gradFill>
+                  </a:rPr>
+                  <a:t>Secondary colors (use only when</a:t>
+                </a:r>
+                <a:r>
+                  <a:rPr lang="en-US" sz="980" baseline="0">
+                    <a:gradFill>
+                      <a:gsLst>
+                        <a:gs pos="2917">
+                          <a:schemeClr val="tx1"/>
+                        </a:gs>
+                        <a:gs pos="30000">
+                          <a:schemeClr val="tx1"/>
+                        </a:gs>
+                      </a:gsLst>
+                      <a:lin ang="5400000" scaled="0"/>
+                    </a:gradFill>
+                  </a:rPr>
+                  <a:t> necessary)</a:t>
+                </a:r>
+                <a:endParaRPr lang="en-US" sz="980">
+                  <a:gradFill>
+                    <a:gsLst>
+                      <a:gs pos="2917">
+                        <a:schemeClr val="tx1"/>
+                      </a:gs>
+                      <a:gs pos="30000">
+                        <a:schemeClr val="tx1"/>
+                      </a:gs>
+                    </a:gsLst>
+                    <a:lin ang="5400000" scaled="0"/>
+                  </a:gradFill>
+                </a:endParaRPr>
+              </a:p>
+            </p:txBody>
+          </p:sp>
+        </p:grpSp>
+        <p:sp>
+          <p:nvSpPr>
+            <p:cNvPr id="19" name="Rectangle 18"/>
+            <p:cNvSpPr/>
+            <p:nvPr userDrawn="1"/>
+          </p:nvSpPr>
+          <p:spPr bwMode="auto">
+            <a:xfrm rot="5400000">
+              <a:off x="12328885" y="3356233"/>
+              <a:ext cx="869930" cy="289766"/>
+            </a:xfrm>
+            <a:prstGeom prst="rect">
+              <a:avLst/>
+            </a:prstGeom>
+            <a:solidFill>
+              <a:srgbClr val="00BCF2"/>
+            </a:solidFill>
+            <a:ln>
+              <a:noFill/>
+              <a:headEnd type="none" w="med" len="med"/>
+              <a:tailEnd type="none" w="med" len="med"/>
+            </a:ln>
+            <a:effectLst/>
+          </p:spPr>
+          <p:style>
+            <a:lnRef idx="1">
+              <a:schemeClr val="accent2"/>
+            </a:lnRef>
+            <a:fillRef idx="3">
+              <a:schemeClr val="accent2"/>
+            </a:fillRef>
+            <a:effectRef idx="2">
+              <a:schemeClr val="accent2"/>
+            </a:effectRef>
+            <a:fontRef idx="minor">
+              <a:schemeClr val="lt1"/>
+            </a:fontRef>
+          </p:style>
+          <p:txBody>
+            <a:bodyPr rot="0" spcFirstLastPara="0" vertOverflow="overflow" horzOverflow="overflow" vert="horz" wrap="square" lIns="45720" tIns="45720" rIns="0" bIns="0" numCol="1" spcCol="0" rtlCol="0" fromWordArt="0" anchor="t" anchorCtr="0" forceAA="0" compatLnSpc="1">
+              <a:prstTxWarp prst="textNoShape">
+                <a:avLst/>
+              </a:prstTxWarp>
+              <a:noAutofit/>
+            </a:bodyPr>
+            <a:lstStyle/>
+            <a:p>
+              <a:pPr algn="l" defTabSz="914102" fontAlgn="base">
+                <a:lnSpc>
+                  <a:spcPct val="100000"/>
+                </a:lnSpc>
+                <a:spcBef>
+                  <a:spcPct val="0"/>
+                </a:spcBef>
+                <a:spcAft>
+                  <a:spcPct val="0"/>
+                </a:spcAft>
+              </a:pPr>
+              <a:r>
+                <a:rPr lang="en-US" sz="490" b="1" kern="1200" baseline="0">
+                  <a:gradFill>
+                    <a:gsLst>
+                      <a:gs pos="7965">
+                        <a:srgbClr val="000000"/>
+                      </a:gs>
+                      <a:gs pos="28319">
+                        <a:srgbClr val="000000"/>
+                      </a:gs>
+                    </a:gsLst>
+                    <a:lin ang="5400000" scaled="0"/>
+                  </a:gradFill>
+                  <a:latin typeface="+mn-lt"/>
+                  <a:ea typeface="Segoe UI" pitchFamily="34" charset="0"/>
+                  <a:cs typeface="Segoe UI" pitchFamily="34" charset="0"/>
+                </a:rPr>
+                <a:t>Cyan</a:t>
+              </a:r>
+            </a:p>
+            <a:p>
+              <a:pPr algn="l" defTabSz="914102" fontAlgn="base">
+                <a:lnSpc>
+                  <a:spcPct val="100000"/>
+                </a:lnSpc>
+                <a:spcBef>
+                  <a:spcPct val="0"/>
+                </a:spcBef>
+                <a:spcAft>
+                  <a:spcPct val="0"/>
+                </a:spcAft>
+              </a:pPr>
+              <a:r>
+                <a:rPr lang="en-US" sz="490">
+                  <a:gradFill>
+                    <a:gsLst>
+                      <a:gs pos="7965">
+                        <a:srgbClr val="000000"/>
+                      </a:gs>
+                      <a:gs pos="28319">
+                        <a:srgbClr val="000000"/>
+                      </a:gs>
+                    </a:gsLst>
+                    <a:lin ang="5400000" scaled="0"/>
+                  </a:gradFill>
+                  <a:ea typeface="Segoe UI" pitchFamily="34" charset="0"/>
+                  <a:cs typeface="Segoe UI" pitchFamily="34" charset="0"/>
+                </a:rPr>
+                <a:t>R:</a:t>
+              </a:r>
+              <a:r>
+                <a:rPr lang="en-US" sz="490" baseline="0">
+                  <a:gradFill>
+                    <a:gsLst>
+                      <a:gs pos="7965">
+                        <a:srgbClr val="000000"/>
+                      </a:gs>
+                      <a:gs pos="28319">
+                        <a:srgbClr val="000000"/>
+                      </a:gs>
+                    </a:gsLst>
+                    <a:lin ang="5400000" scaled="0"/>
+                  </a:gradFill>
+                  <a:ea typeface="Segoe UI" pitchFamily="34" charset="0"/>
+                  <a:cs typeface="Segoe UI" pitchFamily="34" charset="0"/>
+                </a:rPr>
+                <a:t>0 G:188 B:242</a:t>
+              </a:r>
+              <a:endParaRPr lang="en-US" sz="490">
+                <a:gradFill>
+                  <a:gsLst>
+                    <a:gs pos="7965">
+                      <a:srgbClr val="000000"/>
+                    </a:gs>
+                    <a:gs pos="28319">
+                      <a:srgbClr val="000000"/>
+                    </a:gs>
+                  </a:gsLst>
+                  <a:lin ang="5400000" scaled="0"/>
+                </a:gradFill>
+                <a:ea typeface="Segoe UI" pitchFamily="34" charset="0"/>
+                <a:cs typeface="Segoe UI" pitchFamily="34" charset="0"/>
+              </a:endParaRPr>
+            </a:p>
+          </p:txBody>
+        </p:sp>
+      </p:grpSp>
+      <p:sp>
+        <p:nvSpPr>
+          <p:cNvPr id="23" name="Rectángulo 2">
+            <a:extLst>
+              <a:ext uri="{FF2B5EF4-FFF2-40B4-BE49-F238E27FC236}">
+                <a16:creationId xmlns:a16="http://schemas.microsoft.com/office/drawing/2014/main" id="{5DA98128-9C1D-463D-8877-1B413B91F12C}"/>
+              </a:ext>
+            </a:extLst>
+          </p:cNvPr>
+          <p:cNvSpPr/>
+          <p:nvPr>
+            <p:custDataLst>
+              <p:custData r:id="rId17"/>
+            </p:custDataLst>
+          </p:nvPr>
+        </p:nvSpPr>
+        <p:spPr>
+          <a:xfrm>
+            <a:off x="269384" y="6297908"/>
+            <a:ext cx="2436886" cy="480131"/>
+          </a:xfrm>
+          <a:prstGeom prst="rect">
+            <a:avLst/>
+          </a:prstGeom>
+        </p:spPr>
+        <p:txBody>
+          <a:bodyPr wrap="square">
+            <a:spAutoFit/>
+          </a:bodyPr>
+          <a:lstStyle/>
+          <a:p>
+            <a:pPr algn="ctr">
+              <a:lnSpc>
+                <a:spcPct val="90000"/>
+              </a:lnSpc>
+              <a:spcAft>
+                <a:spcPts val="600"/>
+              </a:spcAft>
+            </a:pPr>
+            <a:r>
+              <a:rPr lang="es-ES" sz="2800" b="1" u="none" dirty="0">
+                <a:solidFill>
+                  <a:schemeClr val="accent1"/>
+                </a:solidFill>
+              </a:rPr>
+              <a:t>#</a:t>
+            </a:r>
+            <a:r>
+              <a:rPr lang="es-ES" sz="2800" b="1" u="none" dirty="0" err="1">
+                <a:solidFill>
+                  <a:schemeClr val="accent1"/>
+                </a:solidFill>
+              </a:rPr>
+              <a:t>NetConfBcn</a:t>
+            </a:r>
+            <a:endParaRPr lang="en-US" sz="2800" b="1" u="none" dirty="0">
+              <a:solidFill>
+                <a:schemeClr val="accent1"/>
+              </a:solidFill>
+            </a:endParaRPr>
+          </a:p>
+        </p:txBody>
+      </p:sp>
+      <p:pic>
+        <p:nvPicPr>
+          <p:cNvPr id="8" name="Picture 7">
+            <a:extLst>
+              <a:ext uri="{FF2B5EF4-FFF2-40B4-BE49-F238E27FC236}">
+                <a16:creationId xmlns:a16="http://schemas.microsoft.com/office/drawing/2014/main" id="{1337739E-2021-475C-A977-1D48F8C4C5DC}"/>
+              </a:ext>
+            </a:extLst>
+          </p:cNvPr>
+          <p:cNvPicPr>
+            <a:picLocks noChangeAspect="1"/>
+          </p:cNvPicPr>
+          <p:nvPr/>
+        </p:nvPicPr>
+        <p:blipFill>
+          <a:blip r:embed="rId18">
+            <a:extLst>
+              <a:ext uri="{28A0092B-C50C-407E-A947-70E740481C1C}">
+                <a14:useLocalDpi xmlns:a14="http://schemas.microsoft.com/office/drawing/2010/main" val="0"/>
+              </a:ext>
+            </a:extLst>
+          </a:blip>
+          <a:stretch>
+            <a:fillRect/>
+          </a:stretch>
+        </p:blipFill>
+        <p:spPr>
+          <a:xfrm>
+            <a:off x="8545139" y="5849813"/>
+            <a:ext cx="3377477" cy="896190"/>
+          </a:xfrm>
+          <a:prstGeom prst="rect">
+            <a:avLst/>
+          </a:prstGeom>
+        </p:spPr>
+      </p:pic>
+    </p:spTree>
+    <p:extLst>
+      <p:ext uri="{BB962C8B-B14F-4D97-AF65-F5344CB8AC3E}">
+        <p14:creationId xmlns:p14="http://schemas.microsoft.com/office/powerpoint/2010/main" val="2182815699"/>
+      </p:ext>
+    </p:extLst>
+  </p:cSld>
+  <p:clrMap bg1="lt1" tx1="dk1" bg2="lt2" tx2="dk2" accent1="accent1" accent2="accent2" accent3="accent3" accent4="accent4" accent5="accent5" accent6="accent6" hlink="hlink" folHlink="folHlink"/>
+  <p:sldLayoutIdLst>
+    <p:sldLayoutId id="2147483756" r:id="rId1"/>
+    <p:sldLayoutId id="2147483757" r:id="rId2"/>
+    <p:sldLayoutId id="2147483758" r:id="rId3"/>
+    <p:sldLayoutId id="2147483759" r:id="rId4"/>
+    <p:sldLayoutId id="2147483760" r:id="rId5"/>
+    <p:sldLayoutId id="2147483761" r:id="rId6"/>
+    <p:sldLayoutId id="2147483762" r:id="rId7"/>
+    <p:sldLayoutId id="2147483763" r:id="rId8"/>
+    <p:sldLayoutId id="2147483764" r:id="rId9"/>
+    <p:sldLayoutId id="2147483765" r:id="rId10"/>
+    <p:sldLayoutId id="2147483766" r:id="rId11"/>
+    <p:sldLayoutId id="2147483767" r:id="rId12"/>
+    <p:sldLayoutId id="2147483768" r:id="rId13"/>
+    <p:sldLayoutId id="2147483769" r:id="rId14"/>
+    <p:sldLayoutId id="2147483770" r:id="rId15"/>
+  </p:sldLayoutIdLst>
+  <p:transition>
+    <p:fade/>
+  </p:transition>
+  <p:txStyles>
+    <p:titleStyle>
+      <a:lvl1pPr algn="l" defTabSz="914367" rtl="0" eaLnBrk="1" latinLnBrk="0" hangingPunct="1">
+        <a:lnSpc>
+          <a:spcPct val="90000"/>
+        </a:lnSpc>
+        <a:spcBef>
+          <a:spcPct val="0"/>
+        </a:spcBef>
+        <a:buNone/>
+        <a:defRPr lang="en-US" sz="4705" b="0" kern="1200" cap="none" spc="-100" baseline="0" dirty="0" smtClean="0">
+          <a:ln w="3175">
+            <a:noFill/>
+          </a:ln>
+          <a:gradFill>
+            <a:gsLst>
+              <a:gs pos="1250">
+                <a:schemeClr val="tx1"/>
+              </a:gs>
+              <a:gs pos="100000">
+                <a:schemeClr val="tx1"/>
+              </a:gs>
+            </a:gsLst>
+            <a:lin ang="5400000" scaled="0"/>
+          </a:gradFill>
+          <a:effectLst/>
+          <a:latin typeface="+mj-lt"/>
+          <a:ea typeface="+mn-ea"/>
+          <a:cs typeface="Segoe UI" pitchFamily="34" charset="0"/>
+        </a:defRPr>
+      </a:lvl1pPr>
+    </p:titleStyle>
+    <p:bodyStyle>
+      <a:lvl1pPr marL="336145" marR="0" indent="-336145" algn="l" defTabSz="914367" rtl="0" eaLnBrk="1" fontAlgn="auto" latinLnBrk="0" hangingPunct="1">
+        <a:lnSpc>
+          <a:spcPct val="90000"/>
+        </a:lnSpc>
+        <a:spcBef>
+          <a:spcPct val="20000"/>
+        </a:spcBef>
+        <a:spcAft>
+          <a:spcPts val="0"/>
+        </a:spcAft>
+        <a:buClrTx/>
+        <a:buSzPct val="90000"/>
+        <a:buFont typeface="Arial" pitchFamily="34" charset="0"/>
+        <a:buChar char="•"/>
+        <a:tabLst/>
+        <a:defRPr sz="3921" kern="1200" spc="0" baseline="0">
+          <a:gradFill>
+            <a:gsLst>
+              <a:gs pos="1250">
+                <a:schemeClr val="tx1"/>
+              </a:gs>
+              <a:gs pos="100000">
+                <a:schemeClr val="tx1"/>
+              </a:gs>
+            </a:gsLst>
+            <a:lin ang="5400000" scaled="0"/>
+          </a:gradFill>
+          <a:latin typeface="+mj-lt"/>
+          <a:ea typeface="+mn-ea"/>
+          <a:cs typeface="+mn-cs"/>
+        </a:defRPr>
+      </a:lvl1pPr>
+      <a:lvl2pPr marL="572691" marR="0" indent="-236546" algn="l" defTabSz="914367" rtl="0" eaLnBrk="1" fontAlgn="auto" latinLnBrk="0" hangingPunct="1">
+        <a:lnSpc>
+          <a:spcPct val="90000"/>
+        </a:lnSpc>
+        <a:spcBef>
+          <a:spcPct val="20000"/>
+        </a:spcBef>
+        <a:spcAft>
+          <a:spcPts val="0"/>
+        </a:spcAft>
+        <a:buClrTx/>
+        <a:buSzPct val="90000"/>
+        <a:buFont typeface="Arial" pitchFamily="34" charset="0"/>
+        <a:buChar char="•"/>
+        <a:tabLst/>
+        <a:defRPr sz="2353" kern="1200" spc="0" baseline="0">
+          <a:gradFill>
+            <a:gsLst>
+              <a:gs pos="1250">
+                <a:schemeClr val="tx1"/>
+              </a:gs>
+              <a:gs pos="100000">
+                <a:schemeClr val="tx1"/>
+              </a:gs>
+            </a:gsLst>
+            <a:lin ang="5400000" scaled="0"/>
+          </a:gradFill>
+          <a:latin typeface="+mn-lt"/>
+          <a:ea typeface="+mn-ea"/>
+          <a:cs typeface="+mn-cs"/>
+        </a:defRPr>
+      </a:lvl2pPr>
+      <a:lvl3pPr marL="784338" marR="0" indent="-224097" algn="l" defTabSz="914367" rtl="0" eaLnBrk="1" fontAlgn="auto" latinLnBrk="0" hangingPunct="1">
+        <a:lnSpc>
+          <a:spcPct val="90000"/>
+        </a:lnSpc>
+        <a:spcBef>
+          <a:spcPct val="20000"/>
+        </a:spcBef>
+        <a:spcAft>
+          <a:spcPts val="0"/>
+        </a:spcAft>
+        <a:buClrTx/>
+        <a:buSzPct val="90000"/>
+        <a:buFont typeface="Arial" pitchFamily="34" charset="0"/>
+        <a:buChar char="•"/>
+        <a:tabLst/>
+        <a:defRPr sz="1961" kern="1200" spc="0" baseline="0">
+          <a:gradFill>
+            <a:gsLst>
+              <a:gs pos="1250">
+                <a:schemeClr val="tx1"/>
+              </a:gs>
+              <a:gs pos="100000">
+                <a:schemeClr val="tx1"/>
+              </a:gs>
+            </a:gsLst>
+            <a:lin ang="5400000" scaled="0"/>
+          </a:gradFill>
+          <a:latin typeface="+mn-lt"/>
+          <a:ea typeface="+mn-ea"/>
+          <a:cs typeface="+mn-cs"/>
+        </a:defRPr>
+      </a:lvl3pPr>
+      <a:lvl4pPr marL="1008435" marR="0" indent="-224097" algn="l" defTabSz="914367" rtl="0" eaLnBrk="1" fontAlgn="auto" latinLnBrk="0" hangingPunct="1">
+        <a:lnSpc>
+          <a:spcPct val="90000"/>
+        </a:lnSpc>
+        <a:spcBef>
+          <a:spcPct val="20000"/>
+        </a:spcBef>
+        <a:spcAft>
+          <a:spcPts val="0"/>
+        </a:spcAft>
+        <a:buClrTx/>
+        <a:buSzPct val="90000"/>
+        <a:buFont typeface="Arial" pitchFamily="34" charset="0"/>
+        <a:buChar char="•"/>
+        <a:tabLst/>
+        <a:defRPr sz="1765" kern="1200" spc="0" baseline="0">
+          <a:gradFill>
+            <a:gsLst>
+              <a:gs pos="1250">
+                <a:schemeClr val="tx1"/>
+              </a:gs>
+              <a:gs pos="100000">
+                <a:schemeClr val="tx1"/>
+              </a:gs>
+            </a:gsLst>
+            <a:lin ang="5400000" scaled="0"/>
+          </a:gradFill>
+          <a:latin typeface="+mn-lt"/>
+          <a:ea typeface="+mn-ea"/>
+          <a:cs typeface="+mn-cs"/>
+        </a:defRPr>
+      </a:lvl4pPr>
+      <a:lvl5pPr marL="1232531" marR="0" indent="-224097" algn="l" defTabSz="914367" rtl="0" eaLnBrk="1" fontAlgn="auto" latinLnBrk="0" hangingPunct="1">
+        <a:lnSpc>
+          <a:spcPct val="90000"/>
+        </a:lnSpc>
+        <a:spcBef>
+          <a:spcPct val="20000"/>
+        </a:spcBef>
+        <a:spcAft>
+          <a:spcPts val="0"/>
+        </a:spcAft>
+        <a:buClrTx/>
+        <a:buSzPct val="90000"/>
+        <a:buFont typeface="Arial" pitchFamily="34" charset="0"/>
+        <a:buChar char="•"/>
+        <a:tabLst/>
+        <a:defRPr sz="1765" kern="1200" spc="0" baseline="0">
+          <a:gradFill>
+            <a:gsLst>
+              <a:gs pos="1250">
+                <a:schemeClr val="tx1"/>
+              </a:gs>
+              <a:gs pos="100000">
+                <a:schemeClr val="tx1"/>
+              </a:gs>
+            </a:gsLst>
+            <a:lin ang="5400000" scaled="0"/>
+          </a:gradFill>
+          <a:latin typeface="+mn-lt"/>
+          <a:ea typeface="+mn-ea"/>
+          <a:cs typeface="+mn-cs"/>
+        </a:defRPr>
+      </a:lvl5pPr>
+      <a:lvl6pPr marL="2514509" indent="-228592" algn="l" defTabSz="914367" rtl="0" eaLnBrk="1" latinLnBrk="0" hangingPunct="1">
+        <a:spcBef>
+          <a:spcPct val="20000"/>
+        </a:spcBef>
+        <a:buFont typeface="Arial" pitchFamily="34" charset="0"/>
+        <a:buChar char="•"/>
+        <a:defRPr sz="1961" kern="1200">
+          <a:solidFill>
+            <a:schemeClr val="tx1"/>
+          </a:solidFill>
+          <a:latin typeface="+mn-lt"/>
+          <a:ea typeface="+mn-ea"/>
+          <a:cs typeface="+mn-cs"/>
+        </a:defRPr>
+      </a:lvl6pPr>
+      <a:lvl7pPr marL="2971693" indent="-228592" algn="l" defTabSz="914367" rtl="0" eaLnBrk="1" latinLnBrk="0" hangingPunct="1">
+        <a:spcBef>
+          <a:spcPct val="20000"/>
+        </a:spcBef>
+        <a:buFont typeface="Arial" pitchFamily="34" charset="0"/>
+        <a:buChar char="•"/>
+        <a:defRPr sz="1961" kern="1200">
+          <a:solidFill>
+            <a:schemeClr val="tx1"/>
+          </a:solidFill>
+          <a:latin typeface="+mn-lt"/>
+          <a:ea typeface="+mn-ea"/>
+          <a:cs typeface="+mn-cs"/>
+        </a:defRPr>
+      </a:lvl7pPr>
+      <a:lvl8pPr marL="3428877" indent="-228592" algn="l" defTabSz="914367" rtl="0" eaLnBrk="1" latinLnBrk="0" hangingPunct="1">
+        <a:spcBef>
+          <a:spcPct val="20000"/>
+        </a:spcBef>
+        <a:buFont typeface="Arial" pitchFamily="34" charset="0"/>
+        <a:buChar char="•"/>
+        <a:defRPr sz="1961" kern="1200">
+          <a:solidFill>
+            <a:schemeClr val="tx1"/>
+          </a:solidFill>
+          <a:latin typeface="+mn-lt"/>
+          <a:ea typeface="+mn-ea"/>
+          <a:cs typeface="+mn-cs"/>
+        </a:defRPr>
+      </a:lvl8pPr>
+      <a:lvl9pPr marL="3886061" indent="-228592" algn="l" defTabSz="914367" rtl="0" eaLnBrk="1" latinLnBrk="0" hangingPunct="1">
+        <a:spcBef>
+          <a:spcPct val="20000"/>
+        </a:spcBef>
+        <a:buFont typeface="Arial" pitchFamily="34" charset="0"/>
+        <a:buChar char="•"/>
+        <a:defRPr sz="1961" kern="1200">
+          <a:solidFill>
+            <a:schemeClr val="tx1"/>
+          </a:solidFill>
+          <a:latin typeface="+mn-lt"/>
+          <a:ea typeface="+mn-ea"/>
+          <a:cs typeface="+mn-cs"/>
+        </a:defRPr>
+      </a:lvl9pPr>
+    </p:bodyStyle>
+    <p:otherStyle>
+      <a:defPPr>
+        <a:defRPr lang="en-US"/>
+      </a:defPPr>
+      <a:lvl1pPr marL="0" algn="l" defTabSz="914367" rtl="0" eaLnBrk="1" latinLnBrk="0" hangingPunct="1">
+        <a:defRPr sz="1765" kern="1200">
+          <a:solidFill>
+            <a:schemeClr val="tx1"/>
+          </a:solidFill>
+          <a:latin typeface="+mn-lt"/>
+          <a:ea typeface="+mn-ea"/>
+          <a:cs typeface="+mn-cs"/>
+        </a:defRPr>
+      </a:lvl1pPr>
+      <a:lvl2pPr marL="457183" algn="l" defTabSz="914367" rtl="0" eaLnBrk="1" latinLnBrk="0" hangingPunct="1">
+        <a:defRPr sz="1765" kern="1200">
+          <a:solidFill>
+            <a:schemeClr val="tx1"/>
+          </a:solidFill>
+          <a:latin typeface="+mn-lt"/>
+          <a:ea typeface="+mn-ea"/>
+          <a:cs typeface="+mn-cs"/>
+        </a:defRPr>
+      </a:lvl2pPr>
+      <a:lvl3pPr marL="914367" algn="l" defTabSz="914367" rtl="0" eaLnBrk="1" latinLnBrk="0" hangingPunct="1">
+        <a:defRPr sz="1765" kern="1200">
+          <a:solidFill>
+            <a:schemeClr val="tx1"/>
+          </a:solidFill>
+          <a:latin typeface="+mn-lt"/>
+          <a:ea typeface="+mn-ea"/>
+          <a:cs typeface="+mn-cs"/>
+        </a:defRPr>
+      </a:lvl3pPr>
+      <a:lvl4pPr marL="1371550" algn="l" defTabSz="914367" rtl="0" eaLnBrk="1" latinLnBrk="0" hangingPunct="1">
+        <a:defRPr sz="1765" kern="1200">
+          <a:solidFill>
+            <a:schemeClr val="tx1"/>
+          </a:solidFill>
+          <a:latin typeface="+mn-lt"/>
+          <a:ea typeface="+mn-ea"/>
+          <a:cs typeface="+mn-cs"/>
+        </a:defRPr>
+      </a:lvl4pPr>
+      <a:lvl5pPr marL="1828734" algn="l" defTabSz="914367" rtl="0" eaLnBrk="1" latinLnBrk="0" hangingPunct="1">
+        <a:defRPr sz="1765" kern="1200">
+          <a:solidFill>
+            <a:schemeClr val="tx1"/>
+          </a:solidFill>
+          <a:latin typeface="+mn-lt"/>
+          <a:ea typeface="+mn-ea"/>
+          <a:cs typeface="+mn-cs"/>
+        </a:defRPr>
+      </a:lvl5pPr>
+      <a:lvl6pPr marL="2285918" algn="l" defTabSz="914367" rtl="0" eaLnBrk="1" latinLnBrk="0" hangingPunct="1">
+        <a:defRPr sz="1765" kern="1200">
+          <a:solidFill>
+            <a:schemeClr val="tx1"/>
+          </a:solidFill>
+          <a:latin typeface="+mn-lt"/>
+          <a:ea typeface="+mn-ea"/>
+          <a:cs typeface="+mn-cs"/>
+        </a:defRPr>
+      </a:lvl6pPr>
+      <a:lvl7pPr marL="2743101" algn="l" defTabSz="914367" rtl="0" eaLnBrk="1" latinLnBrk="0" hangingPunct="1">
+        <a:defRPr sz="1765" kern="1200">
+          <a:solidFill>
+            <a:schemeClr val="tx1"/>
+          </a:solidFill>
+          <a:latin typeface="+mn-lt"/>
+          <a:ea typeface="+mn-ea"/>
+          <a:cs typeface="+mn-cs"/>
+        </a:defRPr>
+      </a:lvl7pPr>
+      <a:lvl8pPr marL="3200284" algn="l" defTabSz="914367" rtl="0" eaLnBrk="1" latinLnBrk="0" hangingPunct="1">
+        <a:defRPr sz="1765" kern="1200">
+          <a:solidFill>
+            <a:schemeClr val="tx1"/>
+          </a:solidFill>
+          <a:latin typeface="+mn-lt"/>
+          <a:ea typeface="+mn-ea"/>
+          <a:cs typeface="+mn-cs"/>
+        </a:defRPr>
+      </a:lvl8pPr>
+      <a:lvl9pPr marL="3657469" algn="l" defTabSz="914367" rtl="0" eaLnBrk="1" latinLnBrk="0" hangingPunct="1">
+        <a:defRPr sz="1765" kern="1200">
+          <a:solidFill>
+            <a:schemeClr val="tx1"/>
+          </a:solidFill>
+          <a:latin typeface="+mn-lt"/>
+          <a:ea typeface="+mn-ea"/>
+          <a:cs typeface="+mn-cs"/>
+        </a:defRPr>
+      </a:lvl9pPr>
+    </p:otherStyle>
+  </p:txStyles>
+  <p:extLst mod="1">
+    <p:ext uri="{27BBF7A9-308A-43DC-89C8-2F10F3537804}">
+      <p15:sldGuideLst xmlns:p15="http://schemas.microsoft.com/office/powerpoint/2012/main">
+        <p15:guide id="1" orient="horz" pos="187">
+          <p15:clr>
+            <a:srgbClr val="5ACBF0"/>
+          </p15:clr>
+        </p15:guide>
+        <p15:guide id="2" pos="173">
+          <p15:clr>
+            <a:srgbClr val="5ACBF0"/>
+          </p15:clr>
+        </p15:guide>
+        <p15:guide id="3" pos="749">
+          <p15:clr>
+            <a:srgbClr val="5ACBF0"/>
+          </p15:clr>
+        </p15:guide>
+        <p15:guide id="4" pos="1325">
+          <p15:clr>
+            <a:srgbClr val="5ACBF0"/>
+          </p15:clr>
+        </p15:guide>
+        <p15:guide id="5" pos="1901">
+          <p15:clr>
+            <a:srgbClr val="5ACBF0"/>
+          </p15:clr>
+        </p15:guide>
+        <p15:guide id="6" pos="2477">
+          <p15:clr>
+            <a:srgbClr val="5ACBF0"/>
+          </p15:clr>
+        </p15:guide>
+        <p15:guide id="7" pos="3053">
+          <p15:clr>
+            <a:srgbClr val="5ACBF0"/>
+          </p15:clr>
+        </p15:guide>
+        <p15:guide id="8" pos="3629">
+          <p15:clr>
+            <a:srgbClr val="5ACBF0"/>
+          </p15:clr>
+        </p15:guide>
+        <p15:guide id="9" pos="4205">
+          <p15:clr>
+            <a:srgbClr val="5ACBF0"/>
+          </p15:clr>
+        </p15:guide>
+        <p15:guide id="10" pos="4781">
+          <p15:clr>
+            <a:srgbClr val="5ACBF0"/>
+          </p15:clr>
+        </p15:guide>
+        <p15:guide id="11" pos="5357">
+          <p15:clr>
+            <a:srgbClr val="5ACBF0"/>
+          </p15:clr>
+        </p15:guide>
+        <p15:guide id="12" pos="5933">
+          <p15:clr>
+            <a:srgbClr val="5ACBF0"/>
+          </p15:clr>
+        </p15:guide>
+        <p15:guide id="13" pos="6509">
+          <p15:clr>
+            <a:srgbClr val="5ACBF0"/>
+          </p15:clr>
+        </p15:guide>
+        <p15:guide id="14" pos="7085">
+          <p15:clr>
+            <a:srgbClr val="5ACBF0"/>
+          </p15:clr>
+        </p15:guide>
+        <p15:guide id="15" pos="7661">
+          <p15:clr>
+            <a:srgbClr val="5ACBF0"/>
+          </p15:clr>
+        </p15:guide>
+        <p15:guide id="16" pos="288">
+          <p15:clr>
+            <a:srgbClr val="C35EA4"/>
+          </p15:clr>
+        </p15:guide>
+        <p15:guide id="17" pos="7546">
+          <p15:clr>
+            <a:srgbClr val="C35EA4"/>
+          </p15:clr>
+        </p15:guide>
+        <p15:guide id="18" orient="horz" pos="763">
+          <p15:clr>
+            <a:srgbClr val="5ACBF0"/>
+          </p15:clr>
+        </p15:guide>
+        <p15:guide id="19" orient="horz" pos="1339">
+          <p15:clr>
+            <a:srgbClr val="5ACBF0"/>
+          </p15:clr>
+        </p15:guide>
+        <p15:guide id="20" orient="horz" pos="1915">
+          <p15:clr>
+            <a:srgbClr val="5ACBF0"/>
+          </p15:clr>
+        </p15:guide>
+        <p15:guide id="21" orient="horz" pos="2491">
+          <p15:clr>
+            <a:srgbClr val="5ACBF0"/>
+          </p15:clr>
+        </p15:guide>
+        <p15:guide id="22" orient="horz" pos="3067">
+          <p15:clr>
+            <a:srgbClr val="5ACBF0"/>
+          </p15:clr>
+        </p15:guide>
+        <p15:guide id="23" orient="horz" pos="3643">
+          <p15:clr>
+            <a:srgbClr val="5ACBF0"/>
+          </p15:clr>
+        </p15:guide>
+        <p15:guide id="24" orient="horz" pos="4219">
+          <p15:clr>
+            <a:srgbClr val="5ACBF0"/>
+          </p15:clr>
+        </p15:guide>
+        <p15:guide id="25" orient="horz" pos="302">
+          <p15:clr>
+            <a:srgbClr val="C35EA4"/>
+          </p15:clr>
+        </p15:guide>
+        <p15:guide id="26" orient="horz" pos="4104">
+          <p15:clr>
+            <a:srgbClr val="C35EA4"/>
+          </p15:clr>
+        </p15:guide>
+      </p15:sldGuideLst>
+    </p:ext>
+  </p:extLst>
+</p:sldMaster>
+</file>
+
 <file path=ppt/slides/slide1.xml><?xml version="1.0" encoding="utf-8"?>
 <p:sld xmlns:a="http://schemas.openxmlformats.org/drawingml/2006/main" xmlns:r="http://schemas.openxmlformats.org/officeDocument/2006/relationships" xmlns:p="http://schemas.openxmlformats.org/presentationml/2006/main">
   <p:cSld>
@@ -7440,6 +13499,308 @@
 </file>
 
 <file path=ppt/theme/theme2.xml><?xml version="1.0" encoding="utf-8"?>
+<a:theme xmlns:a="http://schemas.openxmlformats.org/drawingml/2006/main" name="1_Dotnet_Template">
+  <a:themeElements>
+    <a:clrScheme name="Dotnet">
+      <a:dk1>
+        <a:srgbClr val="505050"/>
+      </a:dk1>
+      <a:lt1>
+        <a:srgbClr val="FFFFFF"/>
+      </a:lt1>
+      <a:dk2>
+        <a:srgbClr val="32145A"/>
+      </a:dk2>
+      <a:lt2>
+        <a:srgbClr val="F2F2F2"/>
+      </a:lt2>
+      <a:accent1>
+        <a:srgbClr val="511C74"/>
+      </a:accent1>
+      <a:accent2>
+        <a:srgbClr val="0078D7"/>
+      </a:accent2>
+      <a:accent3>
+        <a:srgbClr val="008272"/>
+      </a:accent3>
+      <a:accent4>
+        <a:srgbClr val="D2D2D2"/>
+      </a:accent4>
+      <a:accent5>
+        <a:srgbClr val="737373"/>
+      </a:accent5>
+      <a:accent6>
+        <a:srgbClr val="505050"/>
+      </a:accent6>
+      <a:hlink>
+        <a:srgbClr val="0078D7"/>
+      </a:hlink>
+      <a:folHlink>
+        <a:srgbClr val="0078D7"/>
+      </a:folHlink>
+    </a:clrScheme>
+    <a:fontScheme name="Custom 1">
+      <a:majorFont>
+        <a:latin typeface="Segoe UI Light"/>
+        <a:ea typeface=""/>
+        <a:cs typeface=""/>
+      </a:majorFont>
+      <a:minorFont>
+        <a:latin typeface="Segoe UI"/>
+        <a:ea typeface=""/>
+        <a:cs typeface=""/>
+      </a:minorFont>
+    </a:fontScheme>
+    <a:fmtScheme name="Couture">
+      <a:fillStyleLst>
+        <a:solidFill>
+          <a:schemeClr val="phClr"/>
+        </a:solidFill>
+        <a:solidFill>
+          <a:schemeClr val="phClr">
+            <a:tint val="65000"/>
+          </a:schemeClr>
+        </a:solidFill>
+        <a:solidFill>
+          <a:schemeClr val="phClr">
+            <a:shade val="80000"/>
+            <a:satMod val="180000"/>
+          </a:schemeClr>
+        </a:solidFill>
+      </a:fillStyleLst>
+      <a:lnStyleLst>
+        <a:ln w="9525" cap="flat" cmpd="sng" algn="ctr">
+          <a:solidFill>
+            <a:schemeClr val="phClr"/>
+          </a:solidFill>
+          <a:prstDash val="solid"/>
+        </a:ln>
+        <a:ln w="10795" cap="flat" cmpd="sng" algn="ctr">
+          <a:solidFill>
+            <a:schemeClr val="phClr"/>
+          </a:solidFill>
+          <a:prstDash val="solid"/>
+        </a:ln>
+        <a:ln w="17145" cap="flat" cmpd="sng" algn="ctr">
+          <a:solidFill>
+            <a:schemeClr val="phClr">
+              <a:shade val="95000"/>
+              <a:alpha val="50000"/>
+              <a:satMod val="150000"/>
+            </a:schemeClr>
+          </a:solidFill>
+          <a:prstDash val="solid"/>
+        </a:ln>
+      </a:lnStyleLst>
+      <a:effectStyleLst>
+        <a:effectStyle>
+          <a:effectLst/>
+        </a:effectStyle>
+        <a:effectStyle>
+          <a:effectLst/>
+        </a:effectStyle>
+        <a:effectStyle>
+          <a:effectLst>
+            <a:outerShdw blurRad="44450" dist="13970" dir="5400000" algn="ctr" rotWithShape="0">
+              <a:srgbClr val="000000">
+                <a:alpha val="45000"/>
+              </a:srgbClr>
+            </a:outerShdw>
+          </a:effectLst>
+          <a:scene3d>
+            <a:camera prst="orthographicFront">
+              <a:rot lat="0" lon="0" rev="0"/>
+            </a:camera>
+            <a:lightRig rig="twoPt" dir="tl"/>
+          </a:scene3d>
+          <a:sp3d prstMaterial="flat">
+            <a:bevelT w="19050" h="31750" prst="coolSlant"/>
+          </a:sp3d>
+        </a:effectStyle>
+      </a:effectStyleLst>
+      <a:bgFillStyleLst>
+        <a:solidFill>
+          <a:schemeClr val="phClr"/>
+        </a:solidFill>
+        <a:gradFill rotWithShape="1">
+          <a:gsLst>
+            <a:gs pos="0">
+              <a:schemeClr val="phClr">
+                <a:tint val="40000"/>
+                <a:satMod val="350000"/>
+              </a:schemeClr>
+            </a:gs>
+            <a:gs pos="40000">
+              <a:schemeClr val="phClr">
+                <a:tint val="45000"/>
+                <a:shade val="99000"/>
+                <a:satMod val="350000"/>
+              </a:schemeClr>
+            </a:gs>
+            <a:gs pos="100000">
+              <a:schemeClr val="phClr">
+                <a:shade val="20000"/>
+                <a:satMod val="255000"/>
+              </a:schemeClr>
+            </a:gs>
+          </a:gsLst>
+          <a:path path="circle">
+            <a:fillToRect l="50000" t="-80000" r="50000" b="180000"/>
+          </a:path>
+        </a:gradFill>
+        <a:gradFill rotWithShape="1">
+          <a:gsLst>
+            <a:gs pos="0">
+              <a:schemeClr val="phClr">
+                <a:tint val="80000"/>
+                <a:satMod val="300000"/>
+              </a:schemeClr>
+            </a:gs>
+            <a:gs pos="100000">
+              <a:schemeClr val="phClr">
+                <a:shade val="30000"/>
+                <a:satMod val="200000"/>
+              </a:schemeClr>
+            </a:gs>
+          </a:gsLst>
+          <a:path path="circle">
+            <a:fillToRect l="50000" t="50000" r="50000" b="50000"/>
+          </a:path>
+        </a:gradFill>
+      </a:bgFillStyleLst>
+    </a:fmtScheme>
+  </a:themeElements>
+  <a:objectDefaults>
+    <a:spDef>
+      <a:spPr bwMode="auto">
+        <a:solidFill>
+          <a:schemeClr val="accent1"/>
+        </a:solidFill>
+        <a:ln>
+          <a:noFill/>
+          <a:headEnd type="none" w="med" len="med"/>
+          <a:tailEnd type="none" w="med" len="med"/>
+        </a:ln>
+        <a:effectLst/>
+      </a:spPr>
+      <a:bodyPr rot="0" spcFirstLastPara="0" vertOverflow="overflow" horzOverflow="overflow" vert="horz" wrap="square" lIns="182880" tIns="146304" rIns="182880" bIns="146304" numCol="1" spcCol="0" rtlCol="0" fromWordArt="0" anchor="t" anchorCtr="0" forceAA="0" compatLnSpc="1">
+        <a:prstTxWarp prst="textNoShape">
+          <a:avLst/>
+        </a:prstTxWarp>
+        <a:noAutofit/>
+      </a:bodyPr>
+      <a:lstStyle>
+        <a:defPPr defTabSz="932472" fontAlgn="base">
+          <a:lnSpc>
+            <a:spcPct val="90000"/>
+          </a:lnSpc>
+          <a:spcBef>
+            <a:spcPct val="0"/>
+          </a:spcBef>
+          <a:spcAft>
+            <a:spcPct val="0"/>
+          </a:spcAft>
+          <a:defRPr sz="2400" dirty="0" err="1" smtClean="0">
+            <a:gradFill>
+              <a:gsLst>
+                <a:gs pos="0">
+                  <a:srgbClr val="FFFFFF"/>
+                </a:gs>
+                <a:gs pos="100000">
+                  <a:srgbClr val="FFFFFF"/>
+                </a:gs>
+              </a:gsLst>
+              <a:lin ang="5400000" scaled="0"/>
+            </a:gradFill>
+            <a:ea typeface="Segoe UI" pitchFamily="34" charset="0"/>
+            <a:cs typeface="Segoe UI" pitchFamily="34" charset="0"/>
+          </a:defRPr>
+        </a:defPPr>
+      </a:lstStyle>
+      <a:style>
+        <a:lnRef idx="1">
+          <a:schemeClr val="accent2"/>
+        </a:lnRef>
+        <a:fillRef idx="3">
+          <a:schemeClr val="accent2"/>
+        </a:fillRef>
+        <a:effectRef idx="2">
+          <a:schemeClr val="accent2"/>
+        </a:effectRef>
+        <a:fontRef idx="minor">
+          <a:schemeClr val="lt1"/>
+        </a:fontRef>
+      </a:style>
+    </a:spDef>
+    <a:lnDef>
+      <a:spPr>
+        <a:ln>
+          <a:solidFill>
+            <a:schemeClr val="tx1"/>
+          </a:solidFill>
+          <a:headEnd type="none"/>
+          <a:tailEnd type="none"/>
+        </a:ln>
+      </a:spPr>
+      <a:bodyPr/>
+      <a:lstStyle/>
+      <a:style>
+        <a:lnRef idx="1">
+          <a:schemeClr val="accent1"/>
+        </a:lnRef>
+        <a:fillRef idx="0">
+          <a:schemeClr val="accent1"/>
+        </a:fillRef>
+        <a:effectRef idx="0">
+          <a:schemeClr val="accent1"/>
+        </a:effectRef>
+        <a:fontRef idx="minor">
+          <a:schemeClr val="tx1"/>
+        </a:fontRef>
+      </a:style>
+    </a:lnDef>
+    <a:txDef>
+      <a:spPr>
+        <a:noFill/>
+      </a:spPr>
+      <a:bodyPr wrap="square" lIns="182880" tIns="146304" rIns="182880" bIns="146304" rtlCol="0">
+        <a:spAutoFit/>
+      </a:bodyPr>
+      <a:lstStyle>
+        <a:defPPr>
+          <a:lnSpc>
+            <a:spcPct val="90000"/>
+          </a:lnSpc>
+          <a:spcAft>
+            <a:spcPts val="600"/>
+          </a:spcAft>
+          <a:defRPr sz="2400" dirty="0" err="1" smtClean="0">
+            <a:gradFill>
+              <a:gsLst>
+                <a:gs pos="2917">
+                  <a:schemeClr val="tx1"/>
+                </a:gs>
+                <a:gs pos="30000">
+                  <a:schemeClr val="tx1"/>
+                </a:gs>
+              </a:gsLst>
+              <a:lin ang="5400000" scaled="0"/>
+            </a:gradFill>
+          </a:defRPr>
+        </a:defPPr>
+      </a:lstStyle>
+    </a:txDef>
+  </a:objectDefaults>
+  <a:extraClrSchemeLst/>
+  <a:extLst>
+    <a:ext uri="{05A4C25C-085E-4340-85A3-A5531E510DB2}">
+      <thm15:themeFamily xmlns:thm15="http://schemas.microsoft.com/office/thememl/2012/main" name="DotnetConf2019_PresentationTemplate_Barcelona.potx" id="{B20ACAB6-4633-4359-82DB-CAC97229B46A}" vid="{89FF618A-52B6-4150-B81C-03B037371CBD}"/>
+    </a:ext>
+  </a:extLst>
+</a:theme>
+</file>
+
+<file path=ppt/theme/theme3.xml><?xml version="1.0" encoding="utf-8"?>
 <a:theme xmlns:a="http://schemas.openxmlformats.org/drawingml/2006/main" name="Office Theme">
   <a:themeElements>
     <a:clrScheme name="Office">
@@ -7735,33 +14096,6 @@
 </file>
 
 <file path=customXml/item1.xml><?xml version="1.0" encoding="utf-8"?>
-<?mso-contentType ?>
-<FormTemplates xmlns="http://schemas.microsoft.com/sharepoint/v3/contenttype/forms">
-  <Display>DocumentLibraryForm</Display>
-  <Edit>DocumentLibraryForm</Edit>
-  <New>DocumentLibraryForm</New>
-</FormTemplates>
-</file>
-
-<file path=customXml/item2.xml><?xml version="1.0" encoding="utf-8"?>
-<p:properties xmlns:p="http://schemas.microsoft.com/office/2006/metadata/properties" xmlns:xsi="http://www.w3.org/2001/XMLSchema-instance" xmlns:pc="http://schemas.microsoft.com/office/infopath/2007/PartnerControls">
-  <documentManagement>
-    <_ip_UnifiedCompliancePolicyProperties xmlns="http://schemas.microsoft.com/sharepoint/v3" xsi:nil="true"/>
-    <_ip_UnifiedCompliancePolicyUIAction xmlns="http://schemas.microsoft.com/sharepoint/v3" xsi:nil="true"/>
-    <LastSharedByUser xmlns="11245976-3b4d-4794-a754-317688483df2">jogallow@microsoft.com</LastSharedByUser>
-    <SharedWithUsers xmlns="11245976-3b4d-4794-a754-317688483df2">
-      <UserInfo>
-        <DisplayName>Martin Woodward</DisplayName>
-        <AccountId>67</AccountId>
-        <AccountType/>
-      </UserInfo>
-    </SharedWithUsers>
-    <LastSharedByTime xmlns="11245976-3b4d-4794-a754-317688483df2">2018-03-16T04:12:59+00:00</LastSharedByTime>
-  </documentManagement>
-</p:properties>
-</file>
-
-<file path=customXml/item3.xml><?xml version="1.0" encoding="utf-8"?>
 <ct:contentTypeSchema xmlns:ct="http://schemas.microsoft.com/office/2006/metadata/contentType" xmlns:ma="http://schemas.microsoft.com/office/2006/metadata/properties/metaAttributes" ct:_="" ma:_="" ma:contentTypeName="Document" ma:contentTypeID="0x01010022F88B0CCF1BBA489747F146E6B5E06D" ma:contentTypeVersion="11" ma:contentTypeDescription="Create a new document." ma:contentTypeScope="" ma:versionID="4679f38185fefde8b23806f702b522cc">
   <xsd:schema xmlns:xsd="http://www.w3.org/2001/XMLSchema" xmlns:xs="http://www.w3.org/2001/XMLSchema" xmlns:p="http://schemas.microsoft.com/office/2006/metadata/properties" xmlns:ns1="http://schemas.microsoft.com/sharepoint/v3" xmlns:ns2="569b343d-e775-480b-9b2b-6a6986deb9b0" xmlns:ns3="11245976-3b4d-4794-a754-317688483df2" targetNamespace="http://schemas.microsoft.com/office/2006/metadata/properties" ma:root="true" ma:fieldsID="366371b317520ec9a5ad3c1303c823ef" ns1:_="" ns2:_="" ns3:_="">
     <xsd:import namespace="http://schemas.microsoft.com/sharepoint/v3"/>
@@ -7975,10 +14309,85 @@
 </ct:contentTypeSchema>
 </file>
 
+<file path=customXml/item2.xml><?xml version="1.0" encoding="utf-8"?>
+<p:properties xmlns:p="http://schemas.microsoft.com/office/2006/metadata/properties" xmlns:xsi="http://www.w3.org/2001/XMLSchema-instance" xmlns:pc="http://schemas.microsoft.com/office/infopath/2007/PartnerControls">
+  <documentManagement>
+    <_ip_UnifiedCompliancePolicyProperties xmlns="http://schemas.microsoft.com/sharepoint/v3" xsi:nil="true"/>
+    <_ip_UnifiedCompliancePolicyUIAction xmlns="http://schemas.microsoft.com/sharepoint/v3" xsi:nil="true"/>
+    <LastSharedByUser xmlns="11245976-3b4d-4794-a754-317688483df2">jogallow@microsoft.com</LastSharedByUser>
+    <SharedWithUsers xmlns="11245976-3b4d-4794-a754-317688483df2">
+      <UserInfo>
+        <DisplayName>Martin Woodward</DisplayName>
+        <AccountId>67</AccountId>
+        <AccountType/>
+      </UserInfo>
+    </SharedWithUsers>
+    <LastSharedByTime xmlns="11245976-3b4d-4794-a754-317688483df2">2018-03-16T04:12:59+00:00</LastSharedByTime>
+  </documentManagement>
+</p:properties>
+</file>
+
+<file path=customXml/item3.xml><?xml version="1.0" encoding="utf-8"?>
+<?mso-contentType ?>
+<FormTemplates xmlns="http://schemas.microsoft.com/sharepoint/v3/contenttype/forms">
+  <Display>DocumentLibraryForm</Display>
+  <Edit>DocumentLibraryForm</Edit>
+  <New>DocumentLibraryForm</New>
+</FormTemplates>
+</file>
+
+<file path=customXml/item4.xml><?xml version="1.0" encoding="utf-8"?>
+<Control xmlns="http://schemas.microsoft.com/VisualStudio/2011/storyboarding/control">
+  <Id Name="52ff3151-69eb-4fcb-9fe8-0ec2be45a516" Revision="2" Stencil="System.MyShapes" StencilVersion="1.0"/>
+</Control>
+</file>
+
+<file path=customXml/item5.xml><?xml version="1.0" encoding="utf-8"?>
+<Control xmlns="http://schemas.microsoft.com/VisualStudio/2011/storyboarding/control">
+  <Id Name="52ff3151-69eb-4fcb-9fe8-0ec2be45a516" Revision="2" Stencil="System.MyShapes" StencilVersion="1.0"/>
+</Control>
+</file>
+
+<file path=customXml/item6.xml><?xml version="1.0" encoding="utf-8"?>
+<Control xmlns="http://schemas.microsoft.com/VisualStudio/2011/storyboarding/control">
+  <Id Name="52ff3151-69eb-4fcb-9fe8-0ec2be45a516" Revision="2" Stencil="System.MyShapes" StencilVersion="1.0"/>
+</Control>
+</file>
+
+<file path=customXml/item7.xml><?xml version="1.0" encoding="utf-8"?>
+<Control xmlns="http://schemas.microsoft.com/VisualStudio/2011/storyboarding/control">
+  <Id Name="52ff3151-69eb-4fcb-9fe8-0ec2be45a516" Revision="2" Stencil="System.MyShapes" StencilVersion="1.0"/>
+</Control>
+</file>
+
+<file path=customXml/item8.xml><?xml version="1.0" encoding="utf-8"?>
+<Control xmlns="http://schemas.microsoft.com/VisualStudio/2011/storyboarding/control">
+  <Id Name="52ff3151-69eb-4fcb-9fe8-0ec2be45a516" Revision="2" Stencil="System.MyShapes" StencilVersion="1.0"/>
+</Control>
+</file>
+
+<file path=customXml/item9.xml><?xml version="1.0" encoding="utf-8"?>
+<Control xmlns="http://schemas.microsoft.com/VisualStudio/2011/storyboarding/control">
+  <Id Name="52ff3151-69eb-4fcb-9fe8-0ec2be45a516" Revision="2" Stencil="System.MyShapes" StencilVersion="1.0"/>
+</Control>
+</file>
+
 <file path=customXml/itemProps1.xml><?xml version="1.0" encoding="utf-8"?>
-<ds:datastoreItem xmlns:ds="http://schemas.openxmlformats.org/officeDocument/2006/customXml" ds:itemID="{093821A7-5528-48BE-BD00-067FBFDD28D5}">
+<ds:datastoreItem xmlns:ds="http://schemas.openxmlformats.org/officeDocument/2006/customXml" ds:itemID="{16E8CB18-CF19-487B-A6ED-834044BC878F}">
   <ds:schemaRefs>
-    <ds:schemaRef ds:uri="http://schemas.microsoft.com/sharepoint/v3/contenttype/forms"/>
+    <ds:schemaRef ds:uri="http://schemas.microsoft.com/office/2006/metadata/contentType"/>
+    <ds:schemaRef ds:uri="http://schemas.microsoft.com/office/2006/metadata/properties/metaAttributes"/>
+    <ds:schemaRef ds:uri="http://www.w3.org/2001/XMLSchema"/>
+    <ds:schemaRef ds:uri="http://schemas.microsoft.com/office/2006/metadata/properties"/>
+    <ds:schemaRef ds:uri="http://schemas.microsoft.com/sharepoint/v3"/>
+    <ds:schemaRef ds:uri="569b343d-e775-480b-9b2b-6a6986deb9b0"/>
+    <ds:schemaRef ds:uri="11245976-3b4d-4794-a754-317688483df2"/>
+    <ds:schemaRef ds:uri="http://schemas.microsoft.com/office/2006/documentManagement/types"/>
+    <ds:schemaRef ds:uri="http://schemas.microsoft.com/office/infopath/2007/PartnerControls"/>
+    <ds:schemaRef ds:uri="http://schemas.openxmlformats.org/package/2006/metadata/core-properties"/>
+    <ds:schemaRef ds:uri="http://purl.org/dc/elements/1.1/"/>
+    <ds:schemaRef ds:uri="http://purl.org/dc/terms/"/>
+    <ds:schemaRef ds:uri="http://schemas.microsoft.com/internal/obd"/>
   </ds:schemaRefs>
 </ds:datastoreItem>
 </file>
@@ -8002,21 +14411,57 @@
 </file>
 
 <file path=customXml/itemProps3.xml><?xml version="1.0" encoding="utf-8"?>
-<ds:datastoreItem xmlns:ds="http://schemas.openxmlformats.org/officeDocument/2006/customXml" ds:itemID="{16E8CB18-CF19-487B-A6ED-834044BC878F}">
+<ds:datastoreItem xmlns:ds="http://schemas.openxmlformats.org/officeDocument/2006/customXml" ds:itemID="{093821A7-5528-48BE-BD00-067FBFDD28D5}">
   <ds:schemaRefs>
-    <ds:schemaRef ds:uri="http://schemas.microsoft.com/office/2006/metadata/contentType"/>
-    <ds:schemaRef ds:uri="http://schemas.microsoft.com/office/2006/metadata/properties/metaAttributes"/>
-    <ds:schemaRef ds:uri="http://www.w3.org/2001/XMLSchema"/>
-    <ds:schemaRef ds:uri="http://schemas.microsoft.com/office/2006/metadata/properties"/>
-    <ds:schemaRef ds:uri="http://schemas.microsoft.com/sharepoint/v3"/>
-    <ds:schemaRef ds:uri="569b343d-e775-480b-9b2b-6a6986deb9b0"/>
-    <ds:schemaRef ds:uri="11245976-3b4d-4794-a754-317688483df2"/>
-    <ds:schemaRef ds:uri="http://schemas.microsoft.com/office/2006/documentManagement/types"/>
-    <ds:schemaRef ds:uri="http://schemas.microsoft.com/office/infopath/2007/PartnerControls"/>
-    <ds:schemaRef ds:uri="http://schemas.openxmlformats.org/package/2006/metadata/core-properties"/>
-    <ds:schemaRef ds:uri="http://purl.org/dc/elements/1.1/"/>
-    <ds:schemaRef ds:uri="http://purl.org/dc/terms/"/>
-    <ds:schemaRef ds:uri="http://schemas.microsoft.com/internal/obd"/>
+    <ds:schemaRef ds:uri="http://schemas.microsoft.com/sharepoint/v3/contenttype/forms"/>
+  </ds:schemaRefs>
+</ds:datastoreItem>
+</file>
+
+<file path=customXml/itemProps4.xml><?xml version="1.0" encoding="utf-8"?>
+<ds:datastoreItem xmlns:ds="http://schemas.openxmlformats.org/officeDocument/2006/customXml" ds:itemID="{12464EA5-3182-44AF-BA4D-9A77160AB2A4}">
+  <ds:schemaRefs>
+    <ds:schemaRef ds:uri="http://schemas.microsoft.com/VisualStudio/2011/storyboarding/control"/>
+  </ds:schemaRefs>
+</ds:datastoreItem>
+</file>
+
+<file path=customXml/itemProps5.xml><?xml version="1.0" encoding="utf-8"?>
+<ds:datastoreItem xmlns:ds="http://schemas.openxmlformats.org/officeDocument/2006/customXml" ds:itemID="{E6900698-3773-489C-87DF-EAB50526186F}">
+  <ds:schemaRefs>
+    <ds:schemaRef ds:uri="http://schemas.microsoft.com/VisualStudio/2011/storyboarding/control"/>
+  </ds:schemaRefs>
+</ds:datastoreItem>
+</file>
+
+<file path=customXml/itemProps6.xml><?xml version="1.0" encoding="utf-8"?>
+<ds:datastoreItem xmlns:ds="http://schemas.openxmlformats.org/officeDocument/2006/customXml" ds:itemID="{1C8316FD-D281-470D-8E12-EB54769FE00D}">
+  <ds:schemaRefs>
+    <ds:schemaRef ds:uri="http://schemas.microsoft.com/VisualStudio/2011/storyboarding/control"/>
+  </ds:schemaRefs>
+</ds:datastoreItem>
+</file>
+
+<file path=customXml/itemProps7.xml><?xml version="1.0" encoding="utf-8"?>
+<ds:datastoreItem xmlns:ds="http://schemas.openxmlformats.org/officeDocument/2006/customXml" ds:itemID="{9D79F10B-3337-4E2C-A65B-4CE982CBD0EE}">
+  <ds:schemaRefs>
+    <ds:schemaRef ds:uri="http://schemas.microsoft.com/VisualStudio/2011/storyboarding/control"/>
+  </ds:schemaRefs>
+</ds:datastoreItem>
+</file>
+
+<file path=customXml/itemProps8.xml><?xml version="1.0" encoding="utf-8"?>
+<ds:datastoreItem xmlns:ds="http://schemas.openxmlformats.org/officeDocument/2006/customXml" ds:itemID="{50D29660-78D2-4C14-ABA4-2AA65CABC2D0}">
+  <ds:schemaRefs>
+    <ds:schemaRef ds:uri="http://schemas.microsoft.com/VisualStudio/2011/storyboarding/control"/>
+  </ds:schemaRefs>
+</ds:datastoreItem>
+</file>
+
+<file path=customXml/itemProps9.xml><?xml version="1.0" encoding="utf-8"?>
+<ds:datastoreItem xmlns:ds="http://schemas.openxmlformats.org/officeDocument/2006/customXml" ds:itemID="{D90805E3-47F4-487B-B918-9713D3F10227}">
+  <ds:schemaRefs>
+    <ds:schemaRef ds:uri="http://schemas.microsoft.com/VisualStudio/2011/storyboarding/control"/>
   </ds:schemaRefs>
 </ds:datastoreItem>
 </file>